--- a/org.mwc.debrief.legacy/test_data/master_template/scenario_long_range/scenario_long_range_temp.pptx
+++ b/org.mwc.debrief.legacy/test_data/master_template/scenario_long_range/scenario_long_range_temp.pptx
@@ -17398,7 +17398,7 @@
                 <a:latin typeface="Open Sans" panose="020B0606030504020204" pitchFamily="34" charset="0"/>
                 <a:ea typeface="Open Sans" panose="020B0606030504020204" pitchFamily="34" charset="0"/>
               </a:rPr>
-              <a:t>???</a:t>
+              <a:t/>
             </a:r>
             <a:endParaRPr lang="en-US" sz="2000" dirty="0">
               <a:solidFill>
@@ -17473,7 +17473,7 @@
                 <a:latin typeface="Open Sans" panose="020B0606030504020204" pitchFamily="34" charset="0"/>
                 <a:ea typeface="Open Sans" panose="020B0606030504020204" pitchFamily="34" charset="0"/>
               </a:rPr>
-              <a:t>???</a:t>
+              <a:t/>
             </a:r>
             <a:endParaRPr lang="en-US" sz="2000" dirty="0">
               <a:solidFill>
@@ -17548,7 +17548,7 @@
                 <a:latin typeface="Open Sans" panose="020B0606030504020204" pitchFamily="34" charset="0"/>
                 <a:ea typeface="Open Sans" panose="020B0606030504020204" pitchFamily="34" charset="0"/>
               </a:rPr>
-              <a:t>???</a:t>
+              <a:t/>
             </a:r>
             <a:endParaRPr lang="en-US" sz="2000" dirty="0">
               <a:solidFill>
@@ -17623,7 +17623,7 @@
                 <a:latin typeface="Open Sans" panose="020B0606030504020204" pitchFamily="34" charset="0"/>
                 <a:ea typeface="Open Sans" panose="020B0606030504020204" pitchFamily="34" charset="0"/>
               </a:rPr>
-              <a:t>???</a:t>
+              <a:t/>
             </a:r>
             <a:endParaRPr lang="en-US" sz="2000" dirty="0">
               <a:solidFill>
@@ -17698,7 +17698,7 @@
                 <a:latin typeface="Open Sans" panose="020B0606030504020204" pitchFamily="34" charset="0"/>
                 <a:ea typeface="Open Sans" panose="020B0606030504020204" pitchFamily="34" charset="0"/>
               </a:rPr>
-              <a:t>???</a:t>
+              <a:t/>
             </a:r>
             <a:endParaRPr lang="en-US" sz="2000" dirty="0">
               <a:solidFill>
@@ -17773,7 +17773,7 @@
                 <a:latin typeface="Open Sans" panose="020B0606030504020204" pitchFamily="34" charset="0"/>
                 <a:ea typeface="Open Sans" panose="020B0606030504020204" pitchFamily="34" charset="0"/>
               </a:rPr>
-              <a:t>???</a:t>
+              <a:t/>
             </a:r>
             <a:endParaRPr lang="en-US" sz="2000" dirty="0">
               <a:solidFill>
@@ -17848,7 +17848,7 @@
                 <a:latin typeface="Open Sans" panose="020B0606030504020204" pitchFamily="34" charset="0"/>
                 <a:ea typeface="Open Sans" panose="020B0606030504020204" pitchFamily="34" charset="0"/>
               </a:rPr>
-              <a:t>???</a:t>
+              <a:t/>
             </a:r>
             <a:endParaRPr lang="en-US" sz="2000" dirty="0">
               <a:solidFill>
@@ -17923,7 +17923,7 @@
                 <a:latin typeface="Open Sans" panose="020B0606030504020204" pitchFamily="34" charset="0"/>
                 <a:ea typeface="Open Sans" panose="020B0606030504020204" pitchFamily="34" charset="0"/>
               </a:rPr>
-              <a:t>???</a:t>
+              <a:t/>
             </a:r>
             <a:endParaRPr lang="en-US" sz="2000" dirty="0">
               <a:solidFill>
@@ -17998,7 +17998,7 @@
                 <a:latin typeface="Open Sans" panose="020B0606030504020204" pitchFamily="34" charset="0"/>
                 <a:ea typeface="Open Sans" panose="020B0606030504020204" pitchFamily="34" charset="0"/>
               </a:rPr>
-              <a:t>???</a:t>
+              <a:t/>
             </a:r>
             <a:endParaRPr lang="en-US" sz="2000" dirty="0">
               <a:solidFill>
@@ -18073,7 +18073,7 @@
                 <a:latin typeface="Open Sans" panose="020B0606030504020204" pitchFamily="34" charset="0"/>
                 <a:ea typeface="Open Sans" panose="020B0606030504020204" pitchFamily="34" charset="0"/>
               </a:rPr>
-              <a:t>???</a:t>
+              <a:t/>
             </a:r>
             <a:endParaRPr lang="en-US" sz="2000" dirty="0">
               <a:solidFill>
@@ -18148,7 +18148,7 @@
                 <a:latin typeface="Open Sans" panose="020B0606030504020204" pitchFamily="34" charset="0"/>
                 <a:ea typeface="Open Sans" panose="020B0606030504020204" pitchFamily="34" charset="0"/>
               </a:rPr>
-              <a:t>???</a:t>
+              <a:t/>
             </a:r>
             <a:endParaRPr lang="en-US" sz="2000" dirty="0">
               <a:solidFill>
@@ -18223,7 +18223,7 @@
                 <a:latin typeface="Open Sans" panose="020B0606030504020204" pitchFamily="34" charset="0"/>
                 <a:ea typeface="Open Sans" panose="020B0606030504020204" pitchFamily="34" charset="0"/>
               </a:rPr>
-              <a:t>???</a:t>
+              <a:t/>
             </a:r>
             <a:endParaRPr lang="en-US" sz="2000" dirty="0">
               <a:solidFill>

--- a/org.mwc.debrief.legacy/test_data/master_template/scenario_long_range/scenario_long_range_temp.pptx
+++ b/org.mwc.debrief.legacy/test_data/master_template/scenario_long_range/scenario_long_range_temp.pptx
@@ -8995,7 +8995,7 @@
         </p:nvSpPr>
         <p:spPr>
           <a:xfrm>
-            <a:off x="2018437" y="1293390"/>
+            <a:off x="6843653" y="4111490"/>
             <a:ext cx="613385" cy="354359"/>
           </a:xfrm>
           <a:prstGeom prst="wedgeRectCallout">
@@ -9056,7 +9056,7 @@
         </p:nvSpPr>
         <p:spPr>
           <a:xfrm>
-            <a:off x="2018437" y="1293390"/>
+            <a:off x="4832507" y="214490"/>
             <a:ext cx="613385" cy="354359"/>
           </a:xfrm>
           <a:prstGeom prst="wedgeRectCallout">
@@ -18291,7 +18291,7 @@
                                     <p:cond delay="0"/>
                                   </p:stCondLst>
                                   <p:childTnLst>
-                                    <p:animMotion origin="layout" path="M 0.3958 0.4109 L 0.3958 0.4109" pathEditMode="relative" rAng="0" ptsTypes="AAAAAAAA">
+                                    <p:animMotion origin="layout" path="M 0.0000 0.0000 L 0.0000 0.0000" pathEditMode="relative" rAng="0" ptsTypes="AAAAAAAA">
                                       <p:cBhvr>
                                         <p:cTn id="7" dur="200" fill="hold"/>
                                         <p:tgtEl>
@@ -18304,7 +18304,7 @@
                                       </p:cBhvr>
                                       <p:rCtr x="-156" y="8009"/>
                                     </p:animMotion>
-                                    <p:animMotion origin="layout" path="M 0.3958 0.4109 L 0.3950 0.3991" pathEditMode="relative" rAng="0" ptsTypes="AAAAAAAA">
+                                    <p:animMotion origin="layout" path="M 0.0000 0.0000 L -0.0008 -0.0118" pathEditMode="relative" rAng="0" ptsTypes="AAAAAAAA">
                                       <p:cBhvr>
                                         <p:cTn id="8" dur="200" fill="hold"/>
                                         <p:tgtEl>
@@ -18317,7 +18317,7 @@
                                       </p:cBhvr>
                                       <p:rCtr x="-156" y="8009"/>
                                     </p:animMotion>
-                                    <p:animMotion origin="layout" path="M 0.3950 0.3991 L 0.3950 0.3884" pathEditMode="relative" rAng="0" ptsTypes="AAAAAAAA">
+                                    <p:animMotion origin="layout" path="M -0.0008 -0.0118 L -0.0008 -0.0226" pathEditMode="relative" rAng="0" ptsTypes="AAAAAAAA">
                                       <p:cBhvr>
                                         <p:cTn id="9" dur="200" fill="hold"/>
                                         <p:tgtEl>
@@ -18330,7 +18330,7 @@
                                       </p:cBhvr>
                                       <p:rCtr x="-156" y="8009"/>
                                     </p:animMotion>
-                                    <p:animMotion origin="layout" path="M 0.3950 0.3884 L 0.3950 0.3765" pathEditMode="relative" rAng="0" ptsTypes="AAAAAAAA">
+                                    <p:animMotion origin="layout" path="M -0.0008 -0.0226 L -0.0008 -0.0344" pathEditMode="relative" rAng="0" ptsTypes="AAAAAAAA">
                                       <p:cBhvr>
                                         <p:cTn id="10" dur="200" fill="hold"/>
                                         <p:tgtEl>
@@ -18343,7 +18343,7 @@
                                       </p:cBhvr>
                                       <p:rCtr x="-156" y="8009"/>
                                     </p:animMotion>
-                                    <p:animMotion origin="layout" path="M 0.3950 0.3765 L 0.3950 0.3647" pathEditMode="relative" rAng="0" ptsTypes="AAAAAAAA">
+                                    <p:animMotion origin="layout" path="M -0.0008 -0.0344 L -0.0008 -0.0462" pathEditMode="relative" rAng="0" ptsTypes="AAAAAAAA">
                                       <p:cBhvr>
                                         <p:cTn id="11" dur="200" fill="hold"/>
                                         <p:tgtEl>
@@ -18356,7 +18356,7 @@
                                       </p:cBhvr>
                                       <p:rCtr x="-156" y="8009"/>
                                     </p:animMotion>
-                                    <p:animMotion origin="layout" path="M 0.3950 0.3647 L 0.3990 0.3551" pathEditMode="relative" rAng="0" ptsTypes="AAAAAAAA">
+                                    <p:animMotion origin="layout" path="M -0.0008 -0.0462 L 0.0032 -0.0559" pathEditMode="relative" rAng="0" ptsTypes="AAAAAAAA">
                                       <p:cBhvr>
                                         <p:cTn id="12" dur="200" fill="hold"/>
                                         <p:tgtEl>
@@ -18369,7 +18369,7 @@
                                       </p:cBhvr>
                                       <p:rCtr x="-156" y="8009"/>
                                     </p:animMotion>
-                                    <p:animMotion origin="layout" path="M 0.3990 0.3551 L 0.4061 0.3465" pathEditMode="relative" rAng="0" ptsTypes="AAAAAAAA">
+                                    <p:animMotion origin="layout" path="M 0.0032 -0.0559 L 0.0104 -0.0645" pathEditMode="relative" rAng="0" ptsTypes="AAAAAAAA">
                                       <p:cBhvr>
                                         <p:cTn id="13" dur="200" fill="hold"/>
                                         <p:tgtEl>
@@ -18382,7 +18382,7 @@
                                       </p:cBhvr>
                                       <p:rCtr x="-156" y="8009"/>
                                     </p:animMotion>
-                                    <p:animMotion origin="layout" path="M 0.4061 0.3465 L 0.4141 0.3368" pathEditMode="relative" rAng="0" ptsTypes="AAAAAAAA">
+                                    <p:animMotion origin="layout" path="M 0.0104 -0.0645 L 0.0183 -0.0741" pathEditMode="relative" rAng="0" ptsTypes="AAAAAAAA">
                                       <p:cBhvr>
                                         <p:cTn id="14" dur="200" fill="hold"/>
                                         <p:tgtEl>
@@ -18395,7 +18395,7 @@
                                       </p:cBhvr>
                                       <p:rCtr x="-156" y="8009"/>
                                     </p:animMotion>
-                                    <p:animMotion origin="layout" path="M 0.4141 0.3368 L 0.4213 0.3282" pathEditMode="relative" rAng="0" ptsTypes="AAAAAAAA">
+                                    <p:animMotion origin="layout" path="M 0.0183 -0.0741 L 0.0255 -0.0827" pathEditMode="relative" rAng="0" ptsTypes="AAAAAAAA">
                                       <p:cBhvr>
                                         <p:cTn id="15" dur="200" fill="hold"/>
                                         <p:tgtEl>
@@ -18408,7 +18408,7 @@
                                       </p:cBhvr>
                                       <p:rCtr x="-156" y="8009"/>
                                     </p:animMotion>
-                                    <p:animMotion origin="layout" path="M 0.4213 0.3282 L 0.4221 0.3164" pathEditMode="relative" rAng="0" ptsTypes="AAAAAAAA">
+                                    <p:animMotion origin="layout" path="M 0.0255 -0.0827 L 0.0263 -0.0945" pathEditMode="relative" rAng="0" ptsTypes="AAAAAAAA">
                                       <p:cBhvr>
                                         <p:cTn id="16" dur="200" fill="hold"/>
                                         <p:tgtEl>
@@ -18421,7 +18421,7 @@
                                       </p:cBhvr>
                                       <p:rCtr x="-156" y="8009"/>
                                     </p:animMotion>
-                                    <p:animMotion origin="layout" path="M 0.4221 0.3164 L 0.4157 0.3057" pathEditMode="relative" rAng="0" ptsTypes="AAAAAAAA">
+                                    <p:animMotion origin="layout" path="M 0.0263 -0.0945 L 0.0199 -0.1053" pathEditMode="relative" rAng="0" ptsTypes="AAAAAAAA">
                                       <p:cBhvr>
                                         <p:cTn id="17" dur="200" fill="hold"/>
                                         <p:tgtEl>
@@ -18434,7 +18434,7 @@
                                       </p:cBhvr>
                                       <p:rCtr x="-156" y="8009"/>
                                     </p:animMotion>
-                                    <p:animMotion origin="layout" path="M 0.4157 0.3057 L 0.4101 0.2960" pathEditMode="relative" rAng="0" ptsTypes="AAAAAAAA">
+                                    <p:animMotion origin="layout" path="M 0.0199 -0.1053 L 0.0143 -0.1149" pathEditMode="relative" rAng="0" ptsTypes="AAAAAAAA">
                                       <p:cBhvr>
                                         <p:cTn id="18" dur="200" fill="hold"/>
                                         <p:tgtEl>
@@ -18447,7 +18447,7 @@
                                       </p:cBhvr>
                                       <p:rCtr x="-156" y="8009"/>
                                     </p:animMotion>
-                                    <p:animMotion origin="layout" path="M 0.4101 0.2960 L 0.4045 0.2863" pathEditMode="relative" rAng="0" ptsTypes="AAAAAAAA">
+                                    <p:animMotion origin="layout" path="M 0.0143 -0.1149 L 0.0088 -0.1246" pathEditMode="relative" rAng="0" ptsTypes="AAAAAAAA">
                                       <p:cBhvr>
                                         <p:cTn id="19" dur="200" fill="hold"/>
                                         <p:tgtEl>
@@ -18460,7 +18460,7 @@
                                       </p:cBhvr>
                                       <p:rCtr x="-156" y="8009"/>
                                     </p:animMotion>
-                                    <p:animMotion origin="layout" path="M 0.4045 0.2863 L 0.3982 0.2756" pathEditMode="relative" rAng="0" ptsTypes="AAAAAAAA">
+                                    <p:animMotion origin="layout" path="M 0.0088 -0.1246 L 0.0024 -0.1353" pathEditMode="relative" rAng="0" ptsTypes="AAAAAAAA">
                                       <p:cBhvr>
                                         <p:cTn id="20" dur="200" fill="hold"/>
                                         <p:tgtEl>
@@ -18473,7 +18473,7 @@
                                       </p:cBhvr>
                                       <p:rCtr x="-156" y="8009"/>
                                     </p:animMotion>
-                                    <p:animMotion origin="layout" path="M 0.3982 0.2756 L 0.3926 0.2659" pathEditMode="relative" rAng="0" ptsTypes="AAAAAAAA">
+                                    <p:animMotion origin="layout" path="M 0.0024 -0.1353 L -0.0032 -0.1450" pathEditMode="relative" rAng="0" ptsTypes="AAAAAAAA">
                                       <p:cBhvr>
                                         <p:cTn id="21" dur="200" fill="hold"/>
                                         <p:tgtEl>
@@ -18486,7 +18486,7 @@
                                       </p:cBhvr>
                                       <p:rCtr x="-156" y="8009"/>
                                     </p:animMotion>
-                                    <p:animMotion origin="layout" path="M 0.3926 0.2659 L 0.3862 0.2552" pathEditMode="relative" rAng="0" ptsTypes="AAAAAAAA">
+                                    <p:animMotion origin="layout" path="M -0.0032 -0.1450 L -0.0096 -0.1558" pathEditMode="relative" rAng="0" ptsTypes="AAAAAAAA">
                                       <p:cBhvr>
                                         <p:cTn id="22" dur="200" fill="hold"/>
                                         <p:tgtEl>
@@ -18499,7 +18499,7 @@
                                       </p:cBhvr>
                                       <p:rCtr x="-156" y="8009"/>
                                     </p:animMotion>
-                                    <p:animMotion origin="layout" path="M 0.3862 0.2552 L 0.3798 0.2444" pathEditMode="relative" rAng="0" ptsTypes="AAAAAAAA">
+                                    <p:animMotion origin="layout" path="M -0.0096 -0.1558 L -0.0159 -0.1665" pathEditMode="relative" rAng="0" ptsTypes="AAAAAAAA">
                                       <p:cBhvr>
                                         <p:cTn id="23" dur="200" fill="hold"/>
                                         <p:tgtEl>
@@ -18512,7 +18512,7 @@
                                       </p:cBhvr>
                                       <p:rCtr x="-156" y="8009"/>
                                     </p:animMotion>
-                                    <p:animMotion origin="layout" path="M 0.3798 0.2444 L 0.3727 0.2326" pathEditMode="relative" rAng="0" ptsTypes="AAAAAAAA">
+                                    <p:animMotion origin="layout" path="M -0.0159 -0.1665 L -0.0231 -0.1783" pathEditMode="relative" rAng="0" ptsTypes="AAAAAAAA">
                                       <p:cBhvr>
                                         <p:cTn id="24" dur="200" fill="hold"/>
                                         <p:tgtEl>
@@ -18525,7 +18525,7 @@
                                       </p:cBhvr>
                                       <p:rCtr x="-156" y="8009"/>
                                     </p:animMotion>
-                                    <p:animMotion origin="layout" path="M 0.3727 0.2326 L 0.3615 0.2283" pathEditMode="relative" rAng="0" ptsTypes="AAAAAAAA">
+                                    <p:animMotion origin="layout" path="M -0.0231 -0.1783 L -0.0343 -0.1826" pathEditMode="relative" rAng="0" ptsTypes="AAAAAAAA">
                                       <p:cBhvr>
                                         <p:cTn id="25" dur="200" fill="hold"/>
                                         <p:tgtEl>
@@ -18538,7 +18538,7 @@
                                       </p:cBhvr>
                                       <p:rCtr x="-156" y="8009"/>
                                     </p:animMotion>
-                                    <p:animMotion origin="layout" path="M 0.3615 0.2283 L 0.3575 0.2412" pathEditMode="relative" rAng="0" ptsTypes="AAAAAAAA">
+                                    <p:animMotion origin="layout" path="M -0.0343 -0.1826 L -0.0383 -0.1697" pathEditMode="relative" rAng="0" ptsTypes="AAAAAAAA">
                                       <p:cBhvr>
                                         <p:cTn id="26" dur="200" fill="hold"/>
                                         <p:tgtEl>
@@ -18551,7 +18551,7 @@
                                       </p:cBhvr>
                                       <p:rCtr x="-156" y="8009"/>
                                     </p:animMotion>
-                                    <p:animMotion origin="layout" path="M 0.3575 0.2412 L 0.3472 0.2476" pathEditMode="relative" rAng="0" ptsTypes="AAAAAAAA">
+                                    <p:animMotion origin="layout" path="M -0.0383 -0.1697 L -0.0486 -0.1633" pathEditMode="relative" rAng="0" ptsTypes="AAAAAAAA">
                                       <p:cBhvr>
                                         <p:cTn id="27" dur="200" fill="hold"/>
                                         <p:tgtEl>
@@ -18564,7 +18564,7 @@
                                       </p:cBhvr>
                                       <p:rCtr x="-156" y="8009"/>
                                     </p:animMotion>
-                                    <p:animMotion origin="layout" path="M 0.3472 0.2476 L 0.3368 0.2391" pathEditMode="relative" rAng="0" ptsTypes="AAAAAAAA">
+                                    <p:animMotion origin="layout" path="M -0.0486 -0.1633 L -0.0590 -0.1719" pathEditMode="relative" rAng="0" ptsTypes="AAAAAAAA">
                                       <p:cBhvr>
                                         <p:cTn id="28" dur="200" fill="hold"/>
                                         <p:tgtEl>
@@ -18577,7 +18577,7 @@
                                       </p:cBhvr>
                                       <p:rCtr x="-156" y="8009"/>
                                     </p:animMotion>
-                                    <p:animMotion origin="layout" path="M 0.3368 0.2391 L 0.3256 0.2305" pathEditMode="relative" rAng="0" ptsTypes="AAAAAAAA">
+                                    <p:animMotion origin="layout" path="M -0.0590 -0.1719 L -0.0701 -0.1805" pathEditMode="relative" rAng="0" ptsTypes="AAAAAAAA">
                                       <p:cBhvr>
                                         <p:cTn id="29" dur="200" fill="hold"/>
                                         <p:tgtEl>
@@ -18590,7 +18590,7 @@
                                       </p:cBhvr>
                                       <p:rCtr x="-156" y="8009"/>
                                     </p:animMotion>
-                                    <p:animMotion origin="layout" path="M 0.3256 0.2305 L 0.3145 0.2208" pathEditMode="relative" rAng="0" ptsTypes="AAAAAAAA">
+                                    <p:animMotion origin="layout" path="M -0.0701 -0.1805 L -0.0813 -0.1901" pathEditMode="relative" rAng="0" ptsTypes="AAAAAAAA">
                                       <p:cBhvr>
                                         <p:cTn id="30" dur="200" fill="hold"/>
                                         <p:tgtEl>
@@ -18603,7 +18603,7 @@
                                       </p:cBhvr>
                                       <p:rCtr x="-156" y="8009"/>
                                     </p:animMotion>
-                                    <p:animMotion origin="layout" path="M 0.3145 0.2208 L 0.3033 0.2122" pathEditMode="relative" rAng="0" ptsTypes="AAAAAAAA">
+                                    <p:animMotion origin="layout" path="M -0.0813 -0.1901 L -0.0924 -0.1987" pathEditMode="relative" rAng="0" ptsTypes="AAAAAAAA">
                                       <p:cBhvr>
                                         <p:cTn id="31" dur="200" fill="hold"/>
                                         <p:tgtEl>
@@ -18616,7 +18616,7 @@
                                       </p:cBhvr>
                                       <p:rCtr x="-156" y="8009"/>
                                     </p:animMotion>
-                                    <p:animMotion origin="layout" path="M 0.3033 0.2122 L 0.2922 0.2025" pathEditMode="relative" rAng="0" ptsTypes="AAAAAAAA">
+                                    <p:animMotion origin="layout" path="M -0.0924 -0.1987 L -0.1036 -0.2084" pathEditMode="relative" rAng="0" ptsTypes="AAAAAAAA">
                                       <p:cBhvr>
                                         <p:cTn id="32" dur="200" fill="hold"/>
                                         <p:tgtEl>
@@ -18629,7 +18629,7 @@
                                       </p:cBhvr>
                                       <p:rCtr x="-156" y="8009"/>
                                     </p:animMotion>
-                                    <p:animMotion origin="layout" path="M 0.2922 0.2025 L 0.2810 0.1929" pathEditMode="relative" rAng="0" ptsTypes="AAAAAAAA">
+                                    <p:animMotion origin="layout" path="M -0.1036 -0.2084 L -0.1148 -0.2181" pathEditMode="relative" rAng="0" ptsTypes="AAAAAAAA">
                                       <p:cBhvr>
                                         <p:cTn id="33" dur="200" fill="hold"/>
                                         <p:tgtEl>
@@ -18642,7 +18642,7 @@
                                       </p:cBhvr>
                                       <p:rCtr x="-156" y="8009"/>
                                     </p:animMotion>
-                                    <p:animMotion origin="layout" path="M 0.2810 0.1929 L 0.2699 0.1843" pathEditMode="relative" rAng="0" ptsTypes="AAAAAAAA">
+                                    <p:animMotion origin="layout" path="M -0.1148 -0.2181 L -0.1259 -0.2267" pathEditMode="relative" rAng="0" ptsTypes="AAAAAAAA">
                                       <p:cBhvr>
                                         <p:cTn id="34" dur="200" fill="hold"/>
                                         <p:tgtEl>
@@ -18655,7 +18655,7 @@
                                       </p:cBhvr>
                                       <p:rCtr x="-156" y="8009"/>
                                     </p:animMotion>
-                                    <p:animMotion origin="layout" path="M 0.2699 0.1843 L 0.2587 0.1746" pathEditMode="relative" rAng="0" ptsTypes="AAAAAAAA">
+                                    <p:animMotion origin="layout" path="M -0.1259 -0.2267 L -0.1371 -0.2363" pathEditMode="relative" rAng="0" ptsTypes="AAAAAAAA">
                                       <p:cBhvr>
                                         <p:cTn id="35" dur="200" fill="hold"/>
                                         <p:tgtEl>
@@ -18668,7 +18668,7 @@
                                       </p:cBhvr>
                                       <p:rCtr x="-156" y="8009"/>
                                     </p:animMotion>
-                                    <p:animMotion origin="layout" path="M 0.2587 0.1746 L 0.2483 0.1649" pathEditMode="relative" rAng="0" ptsTypes="AAAAAAAA">
+                                    <p:animMotion origin="layout" path="M -0.1371 -0.2363 L -0.1474 -0.2460" pathEditMode="relative" rAng="0" ptsTypes="AAAAAAAA">
                                       <p:cBhvr>
                                         <p:cTn id="36" dur="200" fill="hold"/>
                                         <p:tgtEl>
@@ -18681,7 +18681,7 @@
                                       </p:cBhvr>
                                       <p:rCtr x="-156" y="8009"/>
                                     </p:animMotion>
-                                    <p:animMotion origin="layout" path="M 0.2483 0.1649 L 0.2364 0.1606" pathEditMode="relative" rAng="0" ptsTypes="AAAAAAAA">
+                                    <p:animMotion origin="layout" path="M -0.1474 -0.2460 L -0.1594 -0.2503" pathEditMode="relative" rAng="0" ptsTypes="AAAAAAAA">
                                       <p:cBhvr>
                                         <p:cTn id="37" dur="200" fill="hold"/>
                                         <p:tgtEl>
@@ -18694,7 +18694,7 @@
                                       </p:cBhvr>
                                       <p:rCtr x="-156" y="8009"/>
                                     </p:animMotion>
-                                    <p:animMotion origin="layout" path="M 0.2364 0.1606 L 0.2252 0.1692" pathEditMode="relative" rAng="0" ptsTypes="AAAAAAAA">
+                                    <p:animMotion origin="layout" path="M -0.1594 -0.2503 L -0.1705 -0.2417" pathEditMode="relative" rAng="0" ptsTypes="AAAAAAAA">
                                       <p:cBhvr>
                                         <p:cTn id="38" dur="200" fill="hold"/>
                                         <p:tgtEl>
@@ -18707,7 +18707,7 @@
                                       </p:cBhvr>
                                       <p:rCtr x="-156" y="8009"/>
                                     </p:animMotion>
-                                    <p:animMotion origin="layout" path="M 0.2252 0.1692 L 0.2149 0.1789" pathEditMode="relative" rAng="0" ptsTypes="AAAAAAAA">
+                                    <p:animMotion origin="layout" path="M -0.1705 -0.2417 L -0.1809 -0.2320" pathEditMode="relative" rAng="0" ptsTypes="AAAAAAAA">
                                       <p:cBhvr>
                                         <p:cTn id="39" dur="200" fill="hold"/>
                                         <p:tgtEl>
@@ -18720,7 +18720,7 @@
                                       </p:cBhvr>
                                       <p:rCtr x="-156" y="8009"/>
                                     </p:animMotion>
-                                    <p:animMotion origin="layout" path="M 0.2149 0.1789 L 0.2037 0.1875" pathEditMode="relative" rAng="0" ptsTypes="AAAAAAAA">
+                                    <p:animMotion origin="layout" path="M -0.1809 -0.2320 L -0.1921 -0.2234" pathEditMode="relative" rAng="0" ptsTypes="AAAAAAAA">
                                       <p:cBhvr>
                                         <p:cTn id="40" dur="200" fill="hold"/>
                                         <p:tgtEl>
@@ -18733,7 +18733,7 @@
                                       </p:cBhvr>
                                       <p:rCtr x="-156" y="8009"/>
                                     </p:animMotion>
-                                    <p:animMotion origin="layout" path="M 0.2037 0.1875 L 0.1926 0.1972" pathEditMode="relative" rAng="0" ptsTypes="AAAAAAAA">
+                                    <p:animMotion origin="layout" path="M -0.1921 -0.2234 L -0.2032 -0.2138" pathEditMode="relative" rAng="0" ptsTypes="AAAAAAAA">
                                       <p:cBhvr>
                                         <p:cTn id="41" dur="200" fill="hold"/>
                                         <p:tgtEl>
@@ -18746,7 +18746,7 @@
                                       </p:cBhvr>
                                       <p:rCtr x="-156" y="8009"/>
                                     </p:animMotion>
-                                    <p:animMotion origin="layout" path="M 0.1926 0.1972 L 0.1814 0.2058" pathEditMode="relative" rAng="0" ptsTypes="AAAAAAAA">
+                                    <p:animMotion origin="layout" path="M -0.2032 -0.2138 L -0.2144 -0.2052" pathEditMode="relative" rAng="0" ptsTypes="AAAAAAAA">
                                       <p:cBhvr>
                                         <p:cTn id="42" dur="200" fill="hold"/>
                                         <p:tgtEl>
@@ -18759,7 +18759,7 @@
                                       </p:cBhvr>
                                       <p:rCtr x="-156" y="8009"/>
                                     </p:animMotion>
-                                    <p:animMotion origin="layout" path="M 0.1814 0.2058 L 0.1702 0.2154" pathEditMode="relative" rAng="0" ptsTypes="AAAAAAAA">
+                                    <p:animMotion origin="layout" path="M -0.2144 -0.2052 L -0.2255 -0.1955" pathEditMode="relative" rAng="0" ptsTypes="AAAAAAAA">
                                       <p:cBhvr>
                                         <p:cTn id="43" dur="200" fill="hold"/>
                                         <p:tgtEl>
@@ -18772,7 +18772,7 @@
                                       </p:cBhvr>
                                       <p:rCtr x="-156" y="8009"/>
                                     </p:animMotion>
-                                    <p:animMotion origin="layout" path="M 0.1702 0.2154 L 0.1591 0.2240" pathEditMode="relative" rAng="0" ptsTypes="AAAAAAAA">
+                                    <p:animMotion origin="layout" path="M -0.2255 -0.1955 L -0.2367 -0.1869" pathEditMode="relative" rAng="0" ptsTypes="AAAAAAAA">
                                       <p:cBhvr>
                                         <p:cTn id="44" dur="200" fill="hold"/>
                                         <p:tgtEl>
@@ -18785,7 +18785,7 @@
                                       </p:cBhvr>
                                       <p:rCtr x="-156" y="8009"/>
                                     </p:animMotion>
-                                    <p:animMotion origin="layout" path="M 0.1591 0.2240 L 0.1479 0.2337" pathEditMode="relative" rAng="0" ptsTypes="AAAAAAAA">
+                                    <p:animMotion origin="layout" path="M -0.2367 -0.1869 L -0.2478 -0.1772" pathEditMode="relative" rAng="0" ptsTypes="AAAAAAAA">
                                       <p:cBhvr>
                                         <p:cTn id="45" dur="200" fill="hold"/>
                                         <p:tgtEl>
@@ -18798,7 +18798,7 @@
                                       </p:cBhvr>
                                       <p:rCtr x="-156" y="8009"/>
                                     </p:animMotion>
-                                    <p:animMotion origin="layout" path="M 0.1479 0.2337 L 0.1368 0.2433" pathEditMode="relative" rAng="0" ptsTypes="AAAAAAAA">
+                                    <p:animMotion origin="layout" path="M -0.2478 -0.1772 L -0.2590 -0.1676" pathEditMode="relative" rAng="0" ptsTypes="AAAAAAAA">
                                       <p:cBhvr>
                                         <p:cTn id="46" dur="200" fill="hold"/>
                                         <p:tgtEl>
@@ -18811,7 +18811,7 @@
                                       </p:cBhvr>
                                       <p:rCtr x="-156" y="8009"/>
                                     </p:animMotion>
-                                    <p:animMotion origin="layout" path="M 0.1368 0.2433 L 0.1256 0.2519" pathEditMode="relative" rAng="0" ptsTypes="AAAAAAAA">
+                                    <p:animMotion origin="layout" path="M -0.2590 -0.1676 L -0.2701 -0.1590" pathEditMode="relative" rAng="0" ptsTypes="AAAAAAAA">
                                       <p:cBhvr>
                                         <p:cTn id="47" dur="200" fill="hold"/>
                                         <p:tgtEl>
@@ -18824,7 +18824,7 @@
                                       </p:cBhvr>
                                       <p:rCtr x="-156" y="8009"/>
                                     </p:animMotion>
-                                    <p:animMotion origin="layout" path="M 0.1256 0.2519 L 0.1145 0.2616" pathEditMode="relative" rAng="0" ptsTypes="AAAAAAAA">
+                                    <p:animMotion origin="layout" path="M -0.2701 -0.1590 L -0.2813 -0.1493" pathEditMode="relative" rAng="0" ptsTypes="AAAAAAAA">
                                       <p:cBhvr>
                                         <p:cTn id="48" dur="200" fill="hold"/>
                                         <p:tgtEl>
@@ -18837,7 +18837,7 @@
                                       </p:cBhvr>
                                       <p:rCtr x="-156" y="8009"/>
                                     </p:animMotion>
-                                    <p:animMotion origin="layout" path="M 0.1145 0.2616 L 0.1033 0.2702" pathEditMode="relative" rAng="0" ptsTypes="AAAAAAAA">
+                                    <p:animMotion origin="layout" path="M -0.2813 -0.1493 L -0.2925 -0.1407" pathEditMode="relative" rAng="0" ptsTypes="AAAAAAAA">
                                       <p:cBhvr>
                                         <p:cTn id="49" dur="200" fill="hold"/>
                                         <p:tgtEl>
@@ -18850,7 +18850,7 @@
                                       </p:cBhvr>
                                       <p:rCtr x="-156" y="8009"/>
                                     </p:animMotion>
-                                    <p:animMotion origin="layout" path="M 0.1033 0.2702 L 0.0985 0.2627" pathEditMode="relative" rAng="0" ptsTypes="AAAAAAAA">
+                                    <p:animMotion origin="layout" path="M -0.2925 -0.1407 L -0.2972 -0.1482" pathEditMode="relative" rAng="0" ptsTypes="AAAAAAAA">
                                       <p:cBhvr>
                                         <p:cTn id="50" dur="200" fill="hold"/>
                                         <p:tgtEl>
@@ -18863,7 +18863,7 @@
                                       </p:cBhvr>
                                       <p:rCtr x="-156" y="8009"/>
                                     </p:animMotion>
-                                    <p:animMotion origin="layout" path="M 0.0985 0.2627 L 0.1009 0.2487" pathEditMode="relative" rAng="0" ptsTypes="AAAAAAAA">
+                                    <p:animMotion origin="layout" path="M -0.2972 -0.1482 L -0.2948 -0.1622" pathEditMode="relative" rAng="0" ptsTypes="AAAAAAAA">
                                       <p:cBhvr>
                                         <p:cTn id="51" dur="200" fill="hold"/>
                                         <p:tgtEl>
@@ -18876,7 +18876,7 @@
                                       </p:cBhvr>
                                       <p:rCtr x="-156" y="8009"/>
                                     </p:animMotion>
-                                    <p:animMotion origin="layout" path="M 0.1009 0.2487 L 0.1033 0.2348" pathEditMode="relative" rAng="0" ptsTypes="AAAAAAAA">
+                                    <p:animMotion origin="layout" path="M -0.2948 -0.1622 L -0.2925 -0.1762" pathEditMode="relative" rAng="0" ptsTypes="AAAAAAAA">
                                       <p:cBhvr>
                                         <p:cTn id="52" dur="200" fill="hold"/>
                                         <p:tgtEl>
@@ -18889,7 +18889,7 @@
                                       </p:cBhvr>
                                       <p:rCtr x="-156" y="8009"/>
                                     </p:animMotion>
-                                    <p:animMotion origin="layout" path="M 0.1033 0.2348 L 0.1057 0.2208" pathEditMode="relative" rAng="0" ptsTypes="AAAAAAAA">
+                                    <p:animMotion origin="layout" path="M -0.2925 -0.1762 L -0.2901 -0.1901" pathEditMode="relative" rAng="0" ptsTypes="AAAAAAAA">
                                       <p:cBhvr>
                                         <p:cTn id="53" dur="200" fill="hold"/>
                                         <p:tgtEl>
@@ -18902,7 +18902,7 @@
                                       </p:cBhvr>
                                       <p:rCtr x="-156" y="8009"/>
                                     </p:animMotion>
-                                    <p:animMotion origin="layout" path="M 0.1057 0.2208 L 0.1081 0.2068" pathEditMode="relative" rAng="0" ptsTypes="AAAAAAAA">
+                                    <p:animMotion origin="layout" path="M -0.2901 -0.1901 L -0.2877 -0.2041" pathEditMode="relative" rAng="0" ptsTypes="AAAAAAAA">
                                       <p:cBhvr>
                                         <p:cTn id="54" dur="200" fill="hold"/>
                                         <p:tgtEl>
@@ -18915,7 +18915,7 @@
                                       </p:cBhvr>
                                       <p:rCtr x="-156" y="8009"/>
                                     </p:animMotion>
-                                    <p:animMotion origin="layout" path="M 0.1081 0.2068 L 0.1113 0.1929" pathEditMode="relative" rAng="0" ptsTypes="AAAAAAAA">
+                                    <p:animMotion origin="layout" path="M -0.2877 -0.2041 L -0.2845 -0.2181" pathEditMode="relative" rAng="0" ptsTypes="AAAAAAAA">
                                       <p:cBhvr>
                                         <p:cTn id="55" dur="200" fill="hold"/>
                                         <p:tgtEl>
@@ -18928,7 +18928,7 @@
                                       </p:cBhvr>
                                       <p:rCtr x="-156" y="8009"/>
                                     </p:animMotion>
-                                    <p:animMotion origin="layout" path="M 0.1113 0.1929 L 0.1137 0.1789" pathEditMode="relative" rAng="0" ptsTypes="AAAAAAAA">
+                                    <p:animMotion origin="layout" path="M -0.2845 -0.2181 L -0.2821 -0.2320" pathEditMode="relative" rAng="0" ptsTypes="AAAAAAAA">
                                       <p:cBhvr>
                                         <p:cTn id="56" dur="200" fill="hold"/>
                                         <p:tgtEl>
@@ -18941,7 +18941,7 @@
                                       </p:cBhvr>
                                       <p:rCtr x="-156" y="8009"/>
                                     </p:animMotion>
-                                    <p:animMotion origin="layout" path="M 0.1137 0.1789 L 0.1161 0.1639" pathEditMode="relative" rAng="0" ptsTypes="AAAAAAAA">
+                                    <p:animMotion origin="layout" path="M -0.2821 -0.2320 L -0.2797 -0.2471" pathEditMode="relative" rAng="0" ptsTypes="AAAAAAAA">
                                       <p:cBhvr>
                                         <p:cTn id="57" dur="200" fill="hold"/>
                                         <p:tgtEl>
@@ -18954,7 +18954,7 @@
                                       </p:cBhvr>
                                       <p:rCtr x="-156" y="8009"/>
                                     </p:animMotion>
-                                    <p:animMotion origin="layout" path="M 0.1161 0.1639 L 0.1185 0.1499" pathEditMode="relative" rAng="0" ptsTypes="AAAAAAAA">
+                                    <p:animMotion origin="layout" path="M -0.2797 -0.2471 L -0.2773 -0.2610" pathEditMode="relative" rAng="0" ptsTypes="AAAAAAAA">
                                       <p:cBhvr>
                                         <p:cTn id="58" dur="200" fill="hold"/>
                                         <p:tgtEl>
@@ -18967,7 +18967,7 @@
                                       </p:cBhvr>
                                       <p:rCtr x="-156" y="8009"/>
                                     </p:animMotion>
-                                    <p:animMotion origin="layout" path="M 0.1185 0.1499 L 0.1208 0.1359" pathEditMode="relative" rAng="0" ptsTypes="AAAAAAAA">
+                                    <p:animMotion origin="layout" path="M -0.2773 -0.2610 L -0.2749 -0.2750" pathEditMode="relative" rAng="0" ptsTypes="AAAAAAAA">
                                       <p:cBhvr>
                                         <p:cTn id="59" dur="200" fill="hold"/>
                                         <p:tgtEl>
@@ -18980,7 +18980,7 @@
                                       </p:cBhvr>
                                       <p:rCtr x="-156" y="8009"/>
                                     </p:animMotion>
-                                    <p:animMotion origin="layout" path="M 0.1208 0.1359 L 0.1248 0.1220" pathEditMode="relative" rAng="0" ptsTypes="AAAAAAAA">
+                                    <p:animMotion origin="layout" path="M -0.2749 -0.2750 L -0.2709 -0.2890" pathEditMode="relative" rAng="0" ptsTypes="AAAAAAAA">
                                       <p:cBhvr>
                                         <p:cTn id="60" dur="200" fill="hold"/>
                                         <p:tgtEl>
@@ -18993,7 +18993,7 @@
                                       </p:cBhvr>
                                       <p:rCtr x="-156" y="8009"/>
                                     </p:animMotion>
-                                    <p:animMotion origin="layout" path="M 0.1248 0.1220 L 0.1336 0.1273" pathEditMode="relative" rAng="0" ptsTypes="AAAAAAAA">
+                                    <p:animMotion origin="layout" path="M -0.2709 -0.2890 L -0.2622 -0.2836" pathEditMode="relative" rAng="0" ptsTypes="AAAAAAAA">
                                       <p:cBhvr>
                                         <p:cTn id="61" dur="200" fill="hold"/>
                                         <p:tgtEl>
@@ -19006,7 +19006,7 @@
                                       </p:cBhvr>
                                       <p:rCtr x="-156" y="8009"/>
                                     </p:animMotion>
-                                    <p:animMotion origin="layout" path="M 0.1336 0.1273 L 0.1424 0.1327" pathEditMode="relative" rAng="0" ptsTypes="AAAAAAAA">
+                                    <p:animMotion origin="layout" path="M -0.2622 -0.2836 L -0.2534 -0.2782" pathEditMode="relative" rAng="0" ptsTypes="AAAAAAAA">
                                       <p:cBhvr>
                                         <p:cTn id="62" dur="200" fill="hold"/>
                                         <p:tgtEl>
@@ -19019,7 +19019,7 @@
                                       </p:cBhvr>
                                       <p:rCtr x="-156" y="8009"/>
                                     </p:animMotion>
-                                    <p:animMotion origin="layout" path="M 0.1424 0.1327 L 0.1455 0.1209" pathEditMode="relative" rAng="0" ptsTypes="AAAAAAAA">
+                                    <p:animMotion origin="layout" path="M -0.2534 -0.2782 L -0.2502 -0.2900" pathEditMode="relative" rAng="0" ptsTypes="AAAAAAAA">
                                       <p:cBhvr>
                                         <p:cTn id="63" dur="200" fill="hold"/>
                                         <p:tgtEl>
@@ -19032,7 +19032,7 @@
                                       </p:cBhvr>
                                       <p:rCtr x="-156" y="8009"/>
                                     </p:animMotion>
-                                    <p:animMotion origin="layout" path="M 0.1455 0.1209 L 0.1479 0.1069" pathEditMode="relative" rAng="0" ptsTypes="AAAAAAAA">
+                                    <p:animMotion origin="layout" path="M -0.2502 -0.2900 L -0.2478 -0.3040" pathEditMode="relative" rAng="0" ptsTypes="AAAAAAAA">
                                       <p:cBhvr>
                                         <p:cTn id="64" dur="200" fill="hold"/>
                                         <p:tgtEl>
@@ -19045,7 +19045,7 @@
                                       </p:cBhvr>
                                       <p:rCtr x="-156" y="8009"/>
                                     </p:animMotion>
-                                    <p:animMotion origin="layout" path="M 0.1479 0.1069 L 0.1511 0.0930" pathEditMode="relative" rAng="0" ptsTypes="AAAAAAAA">
+                                    <p:animMotion origin="layout" path="M -0.2478 -0.3040 L -0.2446 -0.3180" pathEditMode="relative" rAng="0" ptsTypes="AAAAAAAA">
                                       <p:cBhvr>
                                         <p:cTn id="65" dur="200" fill="hold"/>
                                         <p:tgtEl>
@@ -19058,7 +19058,7 @@
                                       </p:cBhvr>
                                       <p:rCtr x="-156" y="8009"/>
                                     </p:animMotion>
-                                    <p:animMotion origin="layout" path="M 0.1511 0.0930 L 0.1535 0.0779" pathEditMode="relative" rAng="0" ptsTypes="AAAAAAAA">
+                                    <p:animMotion origin="layout" path="M -0.2446 -0.3180 L -0.2423 -0.3330" pathEditMode="relative" rAng="0" ptsTypes="AAAAAAAA">
                                       <p:cBhvr>
                                         <p:cTn id="66" dur="200" fill="hold"/>
                                         <p:tgtEl>
@@ -19071,7 +19071,7 @@
                                       </p:cBhvr>
                                       <p:rCtr x="-156" y="8009"/>
                                     </p:animMotion>
-                                    <p:animMotion origin="layout" path="M 0.1535 0.0779 L 0.1559 0.0640" pathEditMode="relative" rAng="0" ptsTypes="AAAAAAAA">
+                                    <p:animMotion origin="layout" path="M -0.2423 -0.3330 L -0.2399 -0.3470" pathEditMode="relative" rAng="0" ptsTypes="AAAAAAAA">
                                       <p:cBhvr>
                                         <p:cTn id="67" dur="200" fill="hold"/>
                                         <p:tgtEl>
@@ -19084,7 +19084,7 @@
                                       </p:cBhvr>
                                       <p:rCtr x="-156" y="8009"/>
                                     </p:animMotion>
-                                    <p:animMotion origin="layout" path="M 0.1559 0.0640 L 0.1583 0.0500" pathEditMode="relative" rAng="0" ptsTypes="AAAAAAAA">
+                                    <p:animMotion origin="layout" path="M -0.2399 -0.3470 L -0.2375 -0.3609" pathEditMode="relative" rAng="0" ptsTypes="AAAAAAAA">
                                       <p:cBhvr>
                                         <p:cTn id="68" dur="200" fill="hold"/>
                                         <p:tgtEl>
@@ -19106,7 +19106,7 @@
                                     <p:cond delay="0"/>
                                   </p:stCondLst>
                                   <p:childTnLst>
-                                    <p:animMotion origin="layout" path="M 0.2308 -0.1573 L 0.2308 -0.1573" pathEditMode="relative" rAng="0" ptsTypes="AAAAAAAA">
+                                    <p:animMotion origin="layout" path="M 0.0000 0.0000 L 0.0000 0.0000" pathEditMode="relative" rAng="0" ptsTypes="AAAAAAAA">
                                       <p:cBhvr>
                                         <p:cTn id="8" dur="200" fill="hold"/>
                                         <p:tgtEl>
@@ -19119,7 +19119,7 @@
                                       </p:cBhvr>
                                       <p:rCtr x="-156" y="8009"/>
                                     </p:animMotion>
-                                    <p:animMotion origin="layout" path="M 0.2308 -0.1573 L 0.2053 -0.1573" pathEditMode="relative" rAng="0" ptsTypes="AAAAAAAA">
+                                    <p:animMotion origin="layout" path="M 0.0000 0.0000 L -0.0255 0.0000" pathEditMode="relative" rAng="0" ptsTypes="AAAAAAAA">
                                       <p:cBhvr>
                                         <p:cTn id="9" dur="200" fill="hold"/>
                                         <p:tgtEl>
@@ -19132,7 +19132,7 @@
                                       </p:cBhvr>
                                       <p:rCtr x="-156" y="8009"/>
                                     </p:animMotion>
-                                    <p:animMotion origin="layout" path="M 0.2053 -0.1573 L 0.1822 -0.1509" pathEditMode="relative" rAng="0" ptsTypes="AAAAAAAA">
+                                    <p:animMotion origin="layout" path="M -0.0255 0.0000 L -0.0486 0.0064" pathEditMode="relative" rAng="0" ptsTypes="AAAAAAAA">
                                       <p:cBhvr>
                                         <p:cTn id="10" dur="200" fill="hold"/>
                                         <p:tgtEl>
@@ -19145,7 +19145,7 @@
                                       </p:cBhvr>
                                       <p:rCtr x="-156" y="8009"/>
                                     </p:animMotion>
-                                    <p:animMotion origin="layout" path="M 0.1822 -0.1509 L 0.1599 -0.1380" pathEditMode="relative" rAng="0" ptsTypes="AAAAAAAA">
+                                    <p:animMotion origin="layout" path="M -0.0486 0.0064 L -0.0709 0.0193" pathEditMode="relative" rAng="0" ptsTypes="AAAAAAAA">
                                       <p:cBhvr>
                                         <p:cTn id="11" dur="200" fill="hold"/>
                                         <p:tgtEl>
@@ -19158,7 +19158,7 @@
                                       </p:cBhvr>
                                       <p:rCtr x="-156" y="8009"/>
                                     </p:animMotion>
-                                    <p:animMotion origin="layout" path="M 0.1599 -0.1380 L 0.1376 -0.1251" pathEditMode="relative" rAng="0" ptsTypes="AAAAAAAA">
+                                    <p:animMotion origin="layout" path="M -0.0709 0.0193 L -0.0932 0.0322" pathEditMode="relative" rAng="0" ptsTypes="AAAAAAAA">
                                       <p:cBhvr>
                                         <p:cTn id="12" dur="200" fill="hold"/>
                                         <p:tgtEl>
@@ -19171,7 +19171,7 @@
                                       </p:cBhvr>
                                       <p:rCtr x="-156" y="8009"/>
                                     </p:animMotion>
-                                    <p:animMotion origin="layout" path="M 0.1376 -0.1251 L 0.1153 -0.1133" pathEditMode="relative" rAng="0" ptsTypes="AAAAAAAA">
+                                    <p:animMotion origin="layout" path="M -0.0932 0.0322 L -0.1155 0.0440" pathEditMode="relative" rAng="0" ptsTypes="AAAAAAAA">
                                       <p:cBhvr>
                                         <p:cTn id="13" dur="200" fill="hold"/>
                                         <p:tgtEl>
@@ -19184,7 +19184,7 @@
                                       </p:cBhvr>
                                       <p:rCtr x="-156" y="8009"/>
                                     </p:animMotion>
-                                    <p:animMotion origin="layout" path="M 0.1153 -0.1133 L 0.0930 -0.1004" pathEditMode="relative" rAng="0" ptsTypes="AAAAAAAA">
+                                    <p:animMotion origin="layout" path="M -0.1155 0.0440 L -0.1379 0.0569" pathEditMode="relative" rAng="0" ptsTypes="AAAAAAAA">
                                       <p:cBhvr>
                                         <p:cTn id="14" dur="200" fill="hold"/>
                                         <p:tgtEl>
@@ -19197,7 +19197,7 @@
                                       </p:cBhvr>
                                       <p:rCtr x="-156" y="8009"/>
                                     </p:animMotion>
-                                    <p:animMotion origin="layout" path="M 0.0930 -0.1004 L 0.0706 -0.0875" pathEditMode="relative" rAng="0" ptsTypes="AAAAAAAA">
+                                    <p:animMotion origin="layout" path="M -0.1379 0.0569 L -0.1602 0.0698" pathEditMode="relative" rAng="0" ptsTypes="AAAAAAAA">
                                       <p:cBhvr>
                                         <p:cTn id="15" dur="200" fill="hold"/>
                                         <p:tgtEl>
@@ -19210,7 +19210,7 @@
                                       </p:cBhvr>
                                       <p:rCtr x="-156" y="8009"/>
                                     </p:animMotion>
-                                    <p:animMotion origin="layout" path="M 0.0706 -0.0875 L 0.0483 -0.0746" pathEditMode="relative" rAng="0" ptsTypes="AAAAAAAA">
+                                    <p:animMotion origin="layout" path="M -0.1602 0.0698 L -0.1825 0.0827" pathEditMode="relative" rAng="0" ptsTypes="AAAAAAAA">
                                       <p:cBhvr>
                                         <p:cTn id="16" dur="200" fill="hold"/>
                                         <p:tgtEl>
@@ -19223,7 +19223,7 @@
                                       </p:cBhvr>
                                       <p:rCtr x="-156" y="8009"/>
                                     </p:animMotion>
-                                    <p:animMotion origin="layout" path="M 0.0483 -0.0746 L 0.0268 -0.0617" pathEditMode="relative" rAng="0" ptsTypes="AAAAAAAA">
+                                    <p:animMotion origin="layout" path="M -0.1825 0.0827 L -0.2040 0.0956" pathEditMode="relative" rAng="0" ptsTypes="AAAAAAAA">
                                       <p:cBhvr>
                                         <p:cTn id="17" dur="200" fill="hold"/>
                                         <p:tgtEl>
@@ -19236,7 +19236,7 @@
                                       </p:cBhvr>
                                       <p:rCtr x="-156" y="8009"/>
                                     </p:animMotion>
-                                    <p:animMotion origin="layout" path="M 0.0268 -0.0617 L 0.0260 -0.0381" pathEditMode="relative" rAng="0" ptsTypes="AAAAAAAA">
+                                    <p:animMotion origin="layout" path="M -0.2040 0.0956 L -0.2048 0.1192" pathEditMode="relative" rAng="0" ptsTypes="AAAAAAAA">
                                       <p:cBhvr>
                                         <p:cTn id="18" dur="200" fill="hold"/>
                                         <p:tgtEl>
@@ -19249,7 +19249,7 @@
                                       </p:cBhvr>
                                       <p:rCtr x="-156" y="8009"/>
                                     </p:animMotion>
-                                    <p:animMotion origin="layout" path="M 0.0260 -0.0381 L 0.0252 -0.0123" pathEditMode="relative" rAng="0" ptsTypes="AAAAAAAA">
+                                    <p:animMotion origin="layout" path="M -0.2048 0.1192 L -0.2056 0.1450" pathEditMode="relative" rAng="0" ptsTypes="AAAAAAAA">
                                       <p:cBhvr>
                                         <p:cTn id="19" dur="200" fill="hold"/>
                                         <p:tgtEl>
@@ -19262,7 +19262,7 @@
                                       </p:cBhvr>
                                       <p:rCtr x="-156" y="8009"/>
                                     </p:animMotion>
-                                    <p:animMotion origin="layout" path="M 0.0252 -0.0123 L 0.0252 0.0124" pathEditMode="relative" rAng="0" ptsTypes="AAAAAAAA">
+                                    <p:animMotion origin="layout" path="M -0.2056 0.1450 L -0.2056 0.1697" pathEditMode="relative" rAng="0" ptsTypes="AAAAAAAA">
                                       <p:cBhvr>
                                         <p:cTn id="20" dur="200" fill="hold"/>
                                         <p:tgtEl>
@@ -19275,7 +19275,7 @@
                                       </p:cBhvr>
                                       <p:rCtr x="-156" y="8009"/>
                                     </p:animMotion>
-                                    <p:animMotion origin="layout" path="M 0.0252 0.0124 L 0.0340 0.0350" pathEditMode="relative" rAng="0" ptsTypes="AAAAAAAA">
+                                    <p:animMotion origin="layout" path="M -0.2056 0.1697 L -0.1968 0.1923" pathEditMode="relative" rAng="0" ptsTypes="AAAAAAAA">
                                       <p:cBhvr>
                                         <p:cTn id="21" dur="200" fill="hold"/>
                                         <p:tgtEl>
@@ -19288,7 +19288,7 @@
                                       </p:cBhvr>
                                       <p:rCtr x="-156" y="8009"/>
                                     </p:animMotion>
-                                    <p:animMotion origin="layout" path="M 0.0340 0.0350 L 0.0467 0.0575" pathEditMode="relative" rAng="0" ptsTypes="AAAAAAAA">
+                                    <p:animMotion origin="layout" path="M -0.1968 0.1923 L -0.1841 0.2148" pathEditMode="relative" rAng="0" ptsTypes="AAAAAAAA">
                                       <p:cBhvr>
                                         <p:cTn id="22" dur="200" fill="hold"/>
                                         <p:tgtEl>
@@ -19301,7 +19301,7 @@
                                       </p:cBhvr>
                                       <p:rCtr x="-156" y="8009"/>
                                     </p:animMotion>
-                                    <p:animMotion origin="layout" path="M 0.0467 0.0575 L 0.0595 0.0790" pathEditMode="relative" rAng="0" ptsTypes="AAAAAAAA">
+                                    <p:animMotion origin="layout" path="M -0.1841 0.2148 L -0.1713 0.2363" pathEditMode="relative" rAng="0" ptsTypes="AAAAAAAA">
                                       <p:cBhvr>
                                         <p:cTn id="23" dur="200" fill="hold"/>
                                         <p:tgtEl>
@@ -19314,7 +19314,7 @@
                                       </p:cBhvr>
                                       <p:rCtr x="-156" y="8009"/>
                                     </p:animMotion>
-                                    <p:animMotion origin="layout" path="M 0.0595 0.0790 L 0.0730 0.1016" pathEditMode="relative" rAng="0" ptsTypes="AAAAAAAA">
+                                    <p:animMotion origin="layout" path="M -0.1713 0.2363 L -0.1578 0.2589" pathEditMode="relative" rAng="0" ptsTypes="AAAAAAAA">
                                       <p:cBhvr>
                                         <p:cTn id="24" dur="200" fill="hold"/>
                                         <p:tgtEl>
@@ -19327,7 +19327,7 @@
                                       </p:cBhvr>
                                       <p:rCtr x="-156" y="8009"/>
                                     </p:animMotion>
-                                    <p:animMotion origin="layout" path="M 0.0730 0.1016 L 0.0714 0.1241" pathEditMode="relative" rAng="0" ptsTypes="AAAAAAAA">
+                                    <p:animMotion origin="layout" path="M -0.1578 0.2589 L -0.1594 0.2814" pathEditMode="relative" rAng="0" ptsTypes="AAAAAAAA">
                                       <p:cBhvr>
                                         <p:cTn id="25" dur="200" fill="hold"/>
                                         <p:tgtEl>
@@ -19340,7 +19340,7 @@
                                       </p:cBhvr>
                                       <p:rCtr x="-156" y="8009"/>
                                     </p:animMotion>
-                                    <p:animMotion origin="layout" path="M 0.0714 0.1241 L 0.0627 0.1477" pathEditMode="relative" rAng="0" ptsTypes="AAAAAAAA">
+                                    <p:animMotion origin="layout" path="M -0.1594 0.2814 L -0.1681 0.3051" pathEditMode="relative" rAng="0" ptsTypes="AAAAAAAA">
                                       <p:cBhvr>
                                         <p:cTn id="26" dur="200" fill="hold"/>
                                         <p:tgtEl>
@@ -19353,7 +19353,7 @@
                                       </p:cBhvr>
                                       <p:rCtr x="-156" y="8009"/>
                                     </p:animMotion>
-                                    <p:animMotion origin="layout" path="M 0.0627 0.1477 L 0.0539 0.1714" pathEditMode="relative" rAng="0" ptsTypes="AAAAAAAA">
+                                    <p:animMotion origin="layout" path="M -0.1681 0.3051 L -0.1769 0.3287" pathEditMode="relative" rAng="0" ptsTypes="AAAAAAAA">
                                       <p:cBhvr>
                                         <p:cTn id="27" dur="200" fill="hold"/>
                                         <p:tgtEl>
@@ -19366,7 +19366,7 @@
                                       </p:cBhvr>
                                       <p:rCtr x="-156" y="8009"/>
                                     </p:animMotion>
-                                    <p:animMotion origin="layout" path="M 0.0539 0.1714 L 0.0451 0.1950" pathEditMode="relative" rAng="0" ptsTypes="AAAAAAAA">
+                                    <p:animMotion origin="layout" path="M -0.1769 0.3287 L -0.1857 0.3523" pathEditMode="relative" rAng="0" ptsTypes="AAAAAAAA">
                                       <p:cBhvr>
                                         <p:cTn id="28" dur="200" fill="hold"/>
                                         <p:tgtEl>
@@ -19379,7 +19379,7 @@
                                       </p:cBhvr>
                                       <p:rCtr x="-156" y="8009"/>
                                     </p:animMotion>
-                                    <p:animMotion origin="layout" path="M 0.0451 0.1950 L 0.0364 0.2186" pathEditMode="relative" rAng="0" ptsTypes="AAAAAAAA">
+                                    <p:animMotion origin="layout" path="M -0.1857 0.3523 L -0.1944 0.3760" pathEditMode="relative" rAng="0" ptsTypes="AAAAAAAA">
                                       <p:cBhvr>
                                         <p:cTn id="29" dur="200" fill="hold"/>
                                         <p:tgtEl>
@@ -19392,7 +19392,7 @@
                                       </p:cBhvr>
                                       <p:rCtr x="-156" y="8009"/>
                                     </p:animMotion>
-                                    <p:animMotion origin="layout" path="M 0.0364 0.2186 L 0.0435 0.2391" pathEditMode="relative" rAng="0" ptsTypes="AAAAAAAA">
+                                    <p:animMotion origin="layout" path="M -0.1944 0.3760 L -0.1873 0.3964" pathEditMode="relative" rAng="0" ptsTypes="AAAAAAAA">
                                       <p:cBhvr>
                                         <p:cTn id="30" dur="200" fill="hold"/>
                                         <p:tgtEl>
@@ -19405,7 +19405,7 @@
                                       </p:cBhvr>
                                       <p:rCtr x="-156" y="8009"/>
                                     </p:animMotion>
-                                    <p:animMotion origin="layout" path="M 0.0435 0.2391 L 0.0579 0.2605" pathEditMode="relative" rAng="0" ptsTypes="AAAAAAAA">
+                                    <p:animMotion origin="layout" path="M -0.1873 0.3964 L -0.1729 0.4179" pathEditMode="relative" rAng="0" ptsTypes="AAAAAAAA">
                                       <p:cBhvr>
                                         <p:cTn id="31" dur="200" fill="hold"/>
                                         <p:tgtEl>
@@ -19418,7 +19418,7 @@
                                       </p:cBhvr>
                                       <p:rCtr x="-156" y="8009"/>
                                     </p:animMotion>
-                                    <p:animMotion origin="layout" path="M 0.0579 0.2605 L 0.0730 0.2809" pathEditMode="relative" rAng="0" ptsTypes="AAAAAAAA">
+                                    <p:animMotion origin="layout" path="M -0.1729 0.4179 L -0.1578 0.4383" pathEditMode="relative" rAng="0" ptsTypes="AAAAAAAA">
                                       <p:cBhvr>
                                         <p:cTn id="32" dur="200" fill="hold"/>
                                         <p:tgtEl>
@@ -19431,7 +19431,7 @@
                                       </p:cBhvr>
                                       <p:rCtr x="-156" y="8009"/>
                                     </p:animMotion>
-                                    <p:animMotion origin="layout" path="M 0.0730 0.2809 L 0.0778 0.2992" pathEditMode="relative" rAng="0" ptsTypes="AAAAAAAA">
+                                    <p:animMotion origin="layout" path="M -0.1578 0.4383 L -0.1530 0.4565" pathEditMode="relative" rAng="0" ptsTypes="AAAAAAAA">
                                       <p:cBhvr>
                                         <p:cTn id="33" dur="200" fill="hold"/>
                                         <p:tgtEl>
@@ -19444,7 +19444,7 @@
                                       </p:cBhvr>
                                       <p:rCtr x="-156" y="8009"/>
                                     </p:animMotion>
-                                    <p:animMotion origin="layout" path="M 0.0778 0.2992 L 0.0579 0.2895" pathEditMode="relative" rAng="0" ptsTypes="AAAAAAAA">
+                                    <p:animMotion origin="layout" path="M -0.1530 0.4565 L -0.1729 0.4469" pathEditMode="relative" rAng="0" ptsTypes="AAAAAAAA">
                                       <p:cBhvr>
                                         <p:cTn id="34" dur="200" fill="hold"/>
                                         <p:tgtEl>
@@ -19457,7 +19457,7 @@
                                       </p:cBhvr>
                                       <p:rCtr x="-156" y="8009"/>
                                     </p:animMotion>
-                                    <p:animMotion origin="layout" path="M 0.0579 0.2895 L 0.0738 0.2745" pathEditMode="relative" rAng="0" ptsTypes="AAAAAAAA">
+                                    <p:animMotion origin="layout" path="M -0.1729 0.4469 L -0.1570 0.4318" pathEditMode="relative" rAng="0" ptsTypes="AAAAAAAA">
                                       <p:cBhvr>
                                         <p:cTn id="35" dur="200" fill="hold"/>
                                         <p:tgtEl>
@@ -19470,7 +19470,7 @@
                                       </p:cBhvr>
                                       <p:rCtr x="-156" y="8009"/>
                                     </p:animMotion>
-                                    <p:animMotion origin="layout" path="M 0.0738 0.2745 L 0.0930 0.2584" pathEditMode="relative" rAng="0" ptsTypes="AAAAAAAA">
+                                    <p:animMotion origin="layout" path="M -0.1570 0.4318 L -0.1379 0.4157" pathEditMode="relative" rAng="0" ptsTypes="AAAAAAAA">
                                       <p:cBhvr>
                                         <p:cTn id="36" dur="200" fill="hold"/>
                                         <p:tgtEl>
@@ -19483,7 +19483,7 @@
                                       </p:cBhvr>
                                       <p:rCtr x="-156" y="8009"/>
                                     </p:animMotion>
-                                    <p:animMotion origin="layout" path="M 0.0930 0.2584 L 0.1129 0.2423" pathEditMode="relative" rAng="0" ptsTypes="AAAAAAAA">
+                                    <p:animMotion origin="layout" path="M -0.1379 0.4157 L -0.1179 0.3996" pathEditMode="relative" rAng="0" ptsTypes="AAAAAAAA">
                                       <p:cBhvr>
                                         <p:cTn id="37" dur="200" fill="hold"/>
                                         <p:tgtEl>
@@ -19496,7 +19496,7 @@
                                       </p:cBhvr>
                                       <p:rCtr x="-156" y="8009"/>
                                     </p:animMotion>
-                                    <p:animMotion origin="layout" path="M 0.1129 0.2423 L 0.1320 0.2401" pathEditMode="relative" rAng="0" ptsTypes="AAAAAAAA">
+                                    <p:animMotion origin="layout" path="M -0.1179 0.3996 L -0.0988 0.3974" pathEditMode="relative" rAng="0" ptsTypes="AAAAAAAA">
                                       <p:cBhvr>
                                         <p:cTn id="38" dur="200" fill="hold"/>
                                         <p:tgtEl>
@@ -19509,7 +19509,7 @@
                                       </p:cBhvr>
                                       <p:rCtr x="-156" y="8009"/>
                                     </p:animMotion>
-                                    <p:animMotion origin="layout" path="M 0.1320 0.2401 L 0.1511 0.2552" pathEditMode="relative" rAng="0" ptsTypes="AAAAAAAA">
+                                    <p:animMotion origin="layout" path="M -0.0988 0.3974 L -0.0797 0.4125" pathEditMode="relative" rAng="0" ptsTypes="AAAAAAAA">
                                       <p:cBhvr>
                                         <p:cTn id="39" dur="200" fill="hold"/>
                                         <p:tgtEl>
@@ -19522,7 +19522,7 @@
                                       </p:cBhvr>
                                       <p:rCtr x="-156" y="8009"/>
                                     </p:animMotion>
-                                    <p:animMotion origin="layout" path="M 0.1511 0.2552 L 0.1702 0.2713" pathEditMode="relative" rAng="0" ptsTypes="AAAAAAAA">
+                                    <p:animMotion origin="layout" path="M -0.0797 0.4125 L -0.0606 0.4286" pathEditMode="relative" rAng="0" ptsTypes="AAAAAAAA">
                                       <p:cBhvr>
                                         <p:cTn id="40" dur="200" fill="hold"/>
                                         <p:tgtEl>
@@ -19535,7 +19535,7 @@
                                       </p:cBhvr>
                                       <p:rCtr x="-156" y="8009"/>
                                     </p:animMotion>
-                                    <p:animMotion origin="layout" path="M 0.1702 0.2713 L 0.1902 0.2885" pathEditMode="relative" rAng="0" ptsTypes="AAAAAAAA">
+                                    <p:animMotion origin="layout" path="M -0.0606 0.4286 L -0.0406 0.4458" pathEditMode="relative" rAng="0" ptsTypes="AAAAAAAA">
                                       <p:cBhvr>
                                         <p:cTn id="41" dur="200" fill="hold"/>
                                         <p:tgtEl>
@@ -19548,7 +19548,7 @@
                                       </p:cBhvr>
                                       <p:rCtr x="-156" y="8009"/>
                                     </p:animMotion>
-                                    <p:animMotion origin="layout" path="M 0.1902 0.2885 L 0.2093 0.3046" pathEditMode="relative" rAng="0" ptsTypes="AAAAAAAA">
+                                    <p:animMotion origin="layout" path="M -0.0406 0.4458 L -0.0215 0.4619" pathEditMode="relative" rAng="0" ptsTypes="AAAAAAAA">
                                       <p:cBhvr>
                                         <p:cTn id="42" dur="200" fill="hold"/>
                                         <p:tgtEl>
@@ -19561,7 +19561,7 @@
                                       </p:cBhvr>
                                       <p:rCtr x="-156" y="8009"/>
                                     </p:animMotion>
-                                    <p:animMotion origin="layout" path="M 0.2093 0.3046 L 0.2308 0.3099" pathEditMode="relative" rAng="0" ptsTypes="AAAAAAAA">
+                                    <p:animMotion origin="layout" path="M -0.0215 0.4619 L 0.0000 0.4673" pathEditMode="relative" rAng="0" ptsTypes="AAAAAAAA">
                                       <p:cBhvr>
                                         <p:cTn id="43" dur="200" fill="hold"/>
                                         <p:tgtEl>
@@ -19574,7 +19574,7 @@
                                       </p:cBhvr>
                                       <p:rCtr x="-156" y="8009"/>
                                     </p:animMotion>
-                                    <p:animMotion origin="layout" path="M 0.2308 0.3099 L 0.2547 0.3014" pathEditMode="relative" rAng="0" ptsTypes="AAAAAAAA">
+                                    <p:animMotion origin="layout" path="M 0.0000 0.4673 L 0.0239 0.4587" pathEditMode="relative" rAng="0" ptsTypes="AAAAAAAA">
                                       <p:cBhvr>
                                         <p:cTn id="44" dur="200" fill="hold"/>
                                         <p:tgtEl>
@@ -19587,7 +19587,7 @@
                                       </p:cBhvr>
                                       <p:rCtr x="-156" y="8009"/>
                                     </p:animMotion>
-                                    <p:animMotion origin="layout" path="M 0.2547 0.3014 L 0.2786 0.2928" pathEditMode="relative" rAng="0" ptsTypes="AAAAAAAA">
+                                    <p:animMotion origin="layout" path="M 0.0239 0.4587 L 0.0478 0.4501" pathEditMode="relative" rAng="0" ptsTypes="AAAAAAAA">
                                       <p:cBhvr>
                                         <p:cTn id="45" dur="200" fill="hold"/>
                                         <p:tgtEl>
@@ -19600,7 +19600,7 @@
                                       </p:cBhvr>
                                       <p:rCtr x="-156" y="8009"/>
                                     </p:animMotion>
-                                    <p:animMotion origin="layout" path="M 0.2786 0.2928 L 0.3025 0.2842" pathEditMode="relative" rAng="0" ptsTypes="AAAAAAAA">
+                                    <p:animMotion origin="layout" path="M 0.0478 0.4501 L 0.0717 0.4415" pathEditMode="relative" rAng="0" ptsTypes="AAAAAAAA">
                                       <p:cBhvr>
                                         <p:cTn id="46" dur="200" fill="hold"/>
                                         <p:tgtEl>
@@ -19613,7 +19613,7 @@
                                       </p:cBhvr>
                                       <p:rCtr x="-156" y="8009"/>
                                     </p:animMotion>
-                                    <p:animMotion origin="layout" path="M 0.3025 0.2842 L 0.3264 0.2756" pathEditMode="relative" rAng="0" ptsTypes="AAAAAAAA">
+                                    <p:animMotion origin="layout" path="M 0.0717 0.4415 L 0.0956 0.4329" pathEditMode="relative" rAng="0" ptsTypes="AAAAAAAA">
                                       <p:cBhvr>
                                         <p:cTn id="47" dur="200" fill="hold"/>
                                         <p:tgtEl>
@@ -19626,7 +19626,7 @@
                                       </p:cBhvr>
                                       <p:rCtr x="-156" y="8009"/>
                                     </p:animMotion>
-                                    <p:animMotion origin="layout" path="M 0.3264 0.2756 L 0.3488 0.2799" pathEditMode="relative" rAng="0" ptsTypes="AAAAAAAA">
+                                    <p:animMotion origin="layout" path="M 0.0956 0.4329 L 0.1179 0.4372" pathEditMode="relative" rAng="0" ptsTypes="AAAAAAAA">
                                       <p:cBhvr>
                                         <p:cTn id="48" dur="200" fill="hold"/>
                                         <p:tgtEl>
@@ -19639,7 +19639,7 @@
                                       </p:cBhvr>
                                       <p:rCtr x="-156" y="8009"/>
                                     </p:animMotion>
-                                    <p:animMotion origin="layout" path="M 0.3488 0.2799 L 0.3719 0.2895" pathEditMode="relative" rAng="0" ptsTypes="AAAAAAAA">
+                                    <p:animMotion origin="layout" path="M 0.1179 0.4372 L 0.1410 0.4469" pathEditMode="relative" rAng="0" ptsTypes="AAAAAAAA">
                                       <p:cBhvr>
                                         <p:cTn id="49" dur="200" fill="hold"/>
                                         <p:tgtEl>
@@ -19652,7 +19652,7 @@
                                       </p:cBhvr>
                                       <p:rCtr x="-156" y="8009"/>
                                     </p:animMotion>
-                                    <p:animMotion origin="layout" path="M 0.3719 0.2895 L 0.3966 0.2874" pathEditMode="relative" rAng="0" ptsTypes="AAAAAAAA">
+                                    <p:animMotion origin="layout" path="M 0.1410 0.4469 L 0.1658 0.4447" pathEditMode="relative" rAng="0" ptsTypes="AAAAAAAA">
                                       <p:cBhvr>
                                         <p:cTn id="50" dur="200" fill="hold"/>
                                         <p:tgtEl>
@@ -19665,7 +19665,7 @@
                                       </p:cBhvr>
                                       <p:rCtr x="-156" y="8009"/>
                                     </p:animMotion>
-                                    <p:animMotion origin="layout" path="M 0.3966 0.2874 L 0.4125 0.2799" pathEditMode="relative" rAng="0" ptsTypes="AAAAAAAA">
+                                    <p:animMotion origin="layout" path="M 0.1658 0.4447 L 0.1817 0.4372" pathEditMode="relative" rAng="0" ptsTypes="AAAAAAAA">
                                       <p:cBhvr>
                                         <p:cTn id="51" dur="200" fill="hold"/>
                                         <p:tgtEl>
@@ -19678,7 +19678,7 @@
                                       </p:cBhvr>
                                       <p:rCtr x="-156" y="8009"/>
                                     </p:animMotion>
-                                    <p:animMotion origin="layout" path="M 0.4125 0.2799 L 0.3926 0.2681" pathEditMode="relative" rAng="0" ptsTypes="AAAAAAAA">
+                                    <p:animMotion origin="layout" path="M 0.1817 0.4372 L 0.1618 0.4254" pathEditMode="relative" rAng="0" ptsTypes="AAAAAAAA">
                                       <p:cBhvr>
                                         <p:cTn id="52" dur="200" fill="hold"/>
                                         <p:tgtEl>
@@ -19691,7 +19691,7 @@
                                       </p:cBhvr>
                                       <p:rCtr x="-156" y="8009"/>
                                     </p:animMotion>
-                                    <p:animMotion origin="layout" path="M 0.3926 0.2681 L 0.3711 0.2562" pathEditMode="relative" rAng="0" ptsTypes="AAAAAAAA">
+                                    <p:animMotion origin="layout" path="M 0.1618 0.4254 L 0.1403 0.4136" pathEditMode="relative" rAng="0" ptsTypes="AAAAAAAA">
                                       <p:cBhvr>
                                         <p:cTn id="53" dur="200" fill="hold"/>
                                         <p:tgtEl>
@@ -19704,7 +19704,7 @@
                                       </p:cBhvr>
                                       <p:rCtr x="-156" y="8009"/>
                                     </p:animMotion>
-                                    <p:animMotion origin="layout" path="M 0.3711 0.2562 L 0.3488 0.2433" pathEditMode="relative" rAng="0" ptsTypes="AAAAAAAA">
+                                    <p:animMotion origin="layout" path="M 0.1403 0.4136 L 0.1179 0.4007" pathEditMode="relative" rAng="0" ptsTypes="AAAAAAAA">
                                       <p:cBhvr>
                                         <p:cTn id="54" dur="200" fill="hold"/>
                                         <p:tgtEl>
@@ -19717,7 +19717,7 @@
                                       </p:cBhvr>
                                       <p:rCtr x="-156" y="8009"/>
                                     </p:animMotion>
-                                    <p:animMotion origin="layout" path="M 0.3488 0.2433 L 0.3264 0.2305" pathEditMode="relative" rAng="0" ptsTypes="AAAAAAAA">
+                                    <p:animMotion origin="layout" path="M 0.1179 0.4007 L 0.0956 0.3878" pathEditMode="relative" rAng="0" ptsTypes="AAAAAAAA">
                                       <p:cBhvr>
                                         <p:cTn id="55" dur="200" fill="hold"/>
                                         <p:tgtEl>
@@ -19730,7 +19730,7 @@
                                       </p:cBhvr>
                                       <p:rCtr x="-156" y="8009"/>
                                     </p:animMotion>
-                                    <p:animMotion origin="layout" path="M 0.3264 0.2305 L 0.3161 0.2090" pathEditMode="relative" rAng="0" ptsTypes="AAAAAAAA">
+                                    <p:animMotion origin="layout" path="M 0.0956 0.3878 L 0.0853 0.3663" pathEditMode="relative" rAng="0" ptsTypes="AAAAAAAA">
                                       <p:cBhvr>
                                         <p:cTn id="56" dur="200" fill="hold"/>
                                         <p:tgtEl>
@@ -19743,7 +19743,7 @@
                                       </p:cBhvr>
                                       <p:rCtr x="-156" y="8009"/>
                                     </p:animMotion>
-                                    <p:animMotion origin="layout" path="M 0.3161 0.2090 L 0.3073 0.1853" pathEditMode="relative" rAng="0" ptsTypes="AAAAAAAA">
+                                    <p:animMotion origin="layout" path="M 0.0853 0.3663 L 0.0765 0.3427" pathEditMode="relative" rAng="0" ptsTypes="AAAAAAAA">
                                       <p:cBhvr>
                                         <p:cTn id="57" dur="200" fill="hold"/>
                                         <p:tgtEl>
@@ -19756,7 +19756,7 @@
                                       </p:cBhvr>
                                       <p:rCtr x="-156" y="8009"/>
                                     </p:animMotion>
-                                    <p:animMotion origin="layout" path="M 0.3073 0.1853 L 0.3137 0.1660" pathEditMode="relative" rAng="0" ptsTypes="AAAAAAAA">
+                                    <p:animMotion origin="layout" path="M 0.0765 0.3427 L 0.0829 0.3233" pathEditMode="relative" rAng="0" ptsTypes="AAAAAAAA">
                                       <p:cBhvr>
                                         <p:cTn id="58" dur="200" fill="hold"/>
                                         <p:tgtEl>
@@ -19769,7 +19769,7 @@
                                       </p:cBhvr>
                                       <p:rCtr x="-156" y="8009"/>
                                     </p:animMotion>
-                                    <p:animMotion origin="layout" path="M 0.3137 0.1660 L 0.3360 0.1531" pathEditMode="relative" rAng="0" ptsTypes="AAAAAAAA">
+                                    <p:animMotion origin="layout" path="M 0.0829 0.3233 L 0.1052 0.3104" pathEditMode="relative" rAng="0" ptsTypes="AAAAAAAA">
                                       <p:cBhvr>
                                         <p:cTn id="59" dur="200" fill="hold"/>
                                         <p:tgtEl>
@@ -19782,7 +19782,7 @@
                                       </p:cBhvr>
                                       <p:rCtr x="-156" y="8009"/>
                                     </p:animMotion>
-                                    <p:animMotion origin="layout" path="M 0.3360 0.1531 L 0.3575 0.1402" pathEditMode="relative" rAng="0" ptsTypes="AAAAAAAA">
+                                    <p:animMotion origin="layout" path="M 0.1052 0.3104 L 0.1267 0.2975" pathEditMode="relative" rAng="0" ptsTypes="AAAAAAAA">
                                       <p:cBhvr>
                                         <p:cTn id="60" dur="200" fill="hold"/>
                                         <p:tgtEl>
@@ -19795,7 +19795,7 @@
                                       </p:cBhvr>
                                       <p:rCtr x="-156" y="8009"/>
                                     </p:animMotion>
-                                    <p:animMotion origin="layout" path="M 0.3575 0.1402 L 0.3456 0.1273" pathEditMode="relative" rAng="0" ptsTypes="AAAAAAAA">
+                                    <p:animMotion origin="layout" path="M 0.1267 0.2975 L 0.1148 0.2847" pathEditMode="relative" rAng="0" ptsTypes="AAAAAAAA">
                                       <p:cBhvr>
                                         <p:cTn id="61" dur="200" fill="hold"/>
                                         <p:tgtEl>
@@ -19808,7 +19808,7 @@
                                       </p:cBhvr>
                                       <p:rCtr x="-156" y="8009"/>
                                     </p:animMotion>
-                                    <p:animMotion origin="layout" path="M 0.3456 0.1273 L 0.3240 0.1144" pathEditMode="relative" rAng="0" ptsTypes="AAAAAAAA">
+                                    <p:animMotion origin="layout" path="M 0.1148 0.2847 L 0.0932 0.2718" pathEditMode="relative" rAng="0" ptsTypes="AAAAAAAA">
                                       <p:cBhvr>
                                         <p:cTn id="62" dur="200" fill="hold"/>
                                         <p:tgtEl>
@@ -19821,7 +19821,7 @@
                                       </p:cBhvr>
                                       <p:rCtr x="-156" y="8009"/>
                                     </p:animMotion>
-                                    <p:animMotion origin="layout" path="M 0.3240 0.1144 L 0.3017 0.1016" pathEditMode="relative" rAng="0" ptsTypes="AAAAAAAA">
+                                    <p:animMotion origin="layout" path="M 0.0932 0.2718 L 0.0709 0.2589" pathEditMode="relative" rAng="0" ptsTypes="AAAAAAAA">
                                       <p:cBhvr>
                                         <p:cTn id="63" dur="200" fill="hold"/>
                                         <p:tgtEl>
@@ -19834,7 +19834,7 @@
                                       </p:cBhvr>
                                       <p:rCtr x="-156" y="8009"/>
                                     </p:animMotion>
-                                    <p:animMotion origin="layout" path="M 0.3017 0.1016 L 0.2794 0.0897" pathEditMode="relative" rAng="0" ptsTypes="AAAAAAAA">
+                                    <p:animMotion origin="layout" path="M 0.0709 0.2589 L 0.0486 0.2471" pathEditMode="relative" rAng="0" ptsTypes="AAAAAAAA">
                                       <p:cBhvr>
                                         <p:cTn id="64" dur="200" fill="hold"/>
                                         <p:tgtEl>
@@ -19847,7 +19847,7 @@
                                       </p:cBhvr>
                                       <p:rCtr x="-156" y="8009"/>
                                     </p:animMotion>
-                                    <p:animMotion origin="layout" path="M 0.2794 0.0897 L 0.2563 0.0811" pathEditMode="relative" rAng="0" ptsTypes="AAAAAAAA">
+                                    <p:animMotion origin="layout" path="M 0.0486 0.2471 L 0.0255 0.2385" pathEditMode="relative" rAng="0" ptsTypes="AAAAAAAA">
                                       <p:cBhvr>
                                         <p:cTn id="65" dur="200" fill="hold"/>
                                         <p:tgtEl>
@@ -19860,7 +19860,7 @@
                                       </p:cBhvr>
                                       <p:rCtr x="-156" y="8009"/>
                                     </p:animMotion>
-                                    <p:animMotion origin="layout" path="M 0.2563 0.0811 L 0.2475 0.0597" pathEditMode="relative" rAng="0" ptsTypes="AAAAAAAA">
+                                    <p:animMotion origin="layout" path="M 0.0255 0.2385 L 0.0167 0.2170" pathEditMode="relative" rAng="0" ptsTypes="AAAAAAAA">
                                       <p:cBhvr>
                                         <p:cTn id="66" dur="200" fill="hold"/>
                                         <p:tgtEl>
@@ -19873,7 +19873,7 @@
                                       </p:cBhvr>
                                       <p:rCtr x="-156" y="8009"/>
                                     </p:animMotion>
-                                    <p:animMotion origin="layout" path="M 0.2475 0.0597 L 0.2388 0.0360" pathEditMode="relative" rAng="0" ptsTypes="AAAAAAAA">
+                                    <p:animMotion origin="layout" path="M 0.0167 0.2170 L 0.0080 0.1934" pathEditMode="relative" rAng="0" ptsTypes="AAAAAAAA">
                                       <p:cBhvr>
                                         <p:cTn id="67" dur="200" fill="hold"/>
                                         <p:tgtEl>
@@ -19886,7 +19886,7 @@
                                       </p:cBhvr>
                                       <p:rCtr x="-156" y="8009"/>
                                     </p:animMotion>
-                                    <p:animMotion origin="layout" path="M 0.2388 0.0360 L 0.2308 0.0124" pathEditMode="relative" rAng="0" ptsTypes="AAAAAAAA">
+                                    <p:animMotion origin="layout" path="M 0.0080 0.1934 L 0.0000 0.1697" pathEditMode="relative" rAng="0" ptsTypes="AAAAAAAA">
                                       <p:cBhvr>
                                         <p:cTn id="68" dur="200" fill="hold"/>
                                         <p:tgtEl>
@@ -19899,7 +19899,7 @@
                                       </p:cBhvr>
                                       <p:rCtr x="-156" y="8009"/>
                                     </p:animMotion>
-                                    <p:animMotion origin="layout" path="M 0.2308 0.0124 L 0.2220 -0.0123" pathEditMode="relative" rAng="0" ptsTypes="AAAAAAAA">
+                                    <p:animMotion origin="layout" path="M 0.0000 0.1697 L -0.0088 0.1450" pathEditMode="relative" rAng="0" ptsTypes="AAAAAAAA">
                                       <p:cBhvr>
                                         <p:cTn id="69" dur="200" fill="hold"/>
                                         <p:tgtEl>

--- a/org.mwc.debrief.legacy/test_data/master_template/scenario_long_range/scenario_long_range_temp.pptx
+++ b/org.mwc.debrief.legacy/test_data/master_template/scenario_long_range/scenario_long_range_temp.pptx
@@ -9237,7 +9237,7 @@
                 <a:ea typeface="Open Sans" panose="020B0606030504020204" pitchFamily="34" charset="0"/>
                 <a:cs typeface="Courier New" panose="02070309020205020404" pitchFamily="49" charset="0"/>
               </a:rPr>
-              <a:t>95 Dec 120505</a:t>
+              <a:t>1995-12-12T05:05:00Z</a:t>
             </a:r>
           </a:p>
         </p:txBody>
@@ -9370,7 +9370,7 @@
                 <a:ea typeface="Open Sans" panose="020B0606030504020204" pitchFamily="34" charset="0"/>
                 <a:cs typeface="Courier New" panose="02070309020205020404" pitchFamily="49" charset="0"/>
               </a:rPr>
-              <a:t>95 Dec 120510</a:t>
+              <a:t>1995-12-12T05:10:00Z</a:t>
             </a:r>
           </a:p>
         </p:txBody>
@@ -9503,7 +9503,7 @@
                 <a:ea typeface="Open Sans" panose="020B0606030504020204" pitchFamily="34" charset="0"/>
                 <a:cs typeface="Courier New" panose="02070309020205020404" pitchFamily="49" charset="0"/>
               </a:rPr>
-              <a:t>95 Dec 120515</a:t>
+              <a:t>1995-12-12T05:15:00Z</a:t>
             </a:r>
           </a:p>
         </p:txBody>
@@ -9636,7 +9636,7 @@
                 <a:ea typeface="Open Sans" panose="020B0606030504020204" pitchFamily="34" charset="0"/>
                 <a:cs typeface="Courier New" panose="02070309020205020404" pitchFamily="49" charset="0"/>
               </a:rPr>
-              <a:t>95 Dec 120520</a:t>
+              <a:t>1995-12-12T05:20:00Z</a:t>
             </a:r>
           </a:p>
         </p:txBody>
@@ -9769,7 +9769,7 @@
                 <a:ea typeface="Open Sans" panose="020B0606030504020204" pitchFamily="34" charset="0"/>
                 <a:cs typeface="Courier New" panose="02070309020205020404" pitchFamily="49" charset="0"/>
               </a:rPr>
-              <a:t>95 Dec 120525</a:t>
+              <a:t>1995-12-12T05:25:00Z</a:t>
             </a:r>
           </a:p>
         </p:txBody>
@@ -9902,7 +9902,7 @@
                 <a:ea typeface="Open Sans" panose="020B0606030504020204" pitchFamily="34" charset="0"/>
                 <a:cs typeface="Courier New" panose="02070309020205020404" pitchFamily="49" charset="0"/>
               </a:rPr>
-              <a:t>95 Dec 120530</a:t>
+              <a:t>1995-12-12T05:30:00Z</a:t>
             </a:r>
           </a:p>
         </p:txBody>
@@ -10035,7 +10035,7 @@
                 <a:ea typeface="Open Sans" panose="020B0606030504020204" pitchFamily="34" charset="0"/>
                 <a:cs typeface="Courier New" panose="02070309020205020404" pitchFamily="49" charset="0"/>
               </a:rPr>
-              <a:t>95 Dec 120535</a:t>
+              <a:t>1995-12-12T05:35:00Z</a:t>
             </a:r>
           </a:p>
         </p:txBody>
@@ -10168,7 +10168,7 @@
                 <a:ea typeface="Open Sans" panose="020B0606030504020204" pitchFamily="34" charset="0"/>
                 <a:cs typeface="Courier New" panose="02070309020205020404" pitchFamily="49" charset="0"/>
               </a:rPr>
-              <a:t>95 Dec 120540</a:t>
+              <a:t>1995-12-12T05:40:00Z</a:t>
             </a:r>
           </a:p>
         </p:txBody>
@@ -10301,7 +10301,7 @@
                 <a:ea typeface="Open Sans" panose="020B0606030504020204" pitchFamily="34" charset="0"/>
                 <a:cs typeface="Courier New" panose="02070309020205020404" pitchFamily="49" charset="0"/>
               </a:rPr>
-              <a:t>95 Dec 120545</a:t>
+              <a:t>1995-12-12T05:45:00Z</a:t>
             </a:r>
           </a:p>
         </p:txBody>
@@ -10434,7 +10434,7 @@
                 <a:ea typeface="Open Sans" panose="020B0606030504020204" pitchFamily="34" charset="0"/>
                 <a:cs typeface="Courier New" panose="02070309020205020404" pitchFamily="49" charset="0"/>
               </a:rPr>
-              <a:t>95 Dec 120550</a:t>
+              <a:t>1995-12-12T05:50:00Z</a:t>
             </a:r>
           </a:p>
         </p:txBody>
@@ -10567,7 +10567,7 @@
                 <a:ea typeface="Open Sans" panose="020B0606030504020204" pitchFamily="34" charset="0"/>
                 <a:cs typeface="Courier New" panose="02070309020205020404" pitchFamily="49" charset="0"/>
               </a:rPr>
-              <a:t>95 Dec 120555</a:t>
+              <a:t>1995-12-12T05:55:00Z</a:t>
             </a:r>
           </a:p>
         </p:txBody>
@@ -10700,7 +10700,7 @@
                 <a:ea typeface="Open Sans" panose="020B0606030504020204" pitchFamily="34" charset="0"/>
                 <a:cs typeface="Courier New" panose="02070309020205020404" pitchFamily="49" charset="0"/>
               </a:rPr>
-              <a:t>95 Dec 120600</a:t>
+              <a:t>1995-12-12T06:00:00Z</a:t>
             </a:r>
           </a:p>
         </p:txBody>
@@ -10833,7 +10833,7 @@
                 <a:ea typeface="Open Sans" panose="020B0606030504020204" pitchFamily="34" charset="0"/>
                 <a:cs typeface="Courier New" panose="02070309020205020404" pitchFamily="49" charset="0"/>
               </a:rPr>
-              <a:t>95 Dec 120605</a:t>
+              <a:t>1995-12-12T06:05:00Z</a:t>
             </a:r>
           </a:p>
         </p:txBody>
@@ -10966,7 +10966,7 @@
                 <a:ea typeface="Open Sans" panose="020B0606030504020204" pitchFamily="34" charset="0"/>
                 <a:cs typeface="Courier New" panose="02070309020205020404" pitchFamily="49" charset="0"/>
               </a:rPr>
-              <a:t>95 Dec 120610</a:t>
+              <a:t>1995-12-12T06:10:00Z</a:t>
             </a:r>
           </a:p>
         </p:txBody>
@@ -11099,7 +11099,7 @@
                 <a:ea typeface="Open Sans" panose="020B0606030504020204" pitchFamily="34" charset="0"/>
                 <a:cs typeface="Courier New" panose="02070309020205020404" pitchFamily="49" charset="0"/>
               </a:rPr>
-              <a:t>95 Dec 120615</a:t>
+              <a:t>1995-12-12T06:15:00Z</a:t>
             </a:r>
           </a:p>
         </p:txBody>
@@ -11232,7 +11232,7 @@
                 <a:ea typeface="Open Sans" panose="020B0606030504020204" pitchFamily="34" charset="0"/>
                 <a:cs typeface="Courier New" panose="02070309020205020404" pitchFamily="49" charset="0"/>
               </a:rPr>
-              <a:t>95 Dec 120620</a:t>
+              <a:t>1995-12-12T06:20:00Z</a:t>
             </a:r>
           </a:p>
         </p:txBody>
@@ -11365,7 +11365,7 @@
                 <a:ea typeface="Open Sans" panose="020B0606030504020204" pitchFamily="34" charset="0"/>
                 <a:cs typeface="Courier New" panose="02070309020205020404" pitchFamily="49" charset="0"/>
               </a:rPr>
-              <a:t>95 Dec 120625</a:t>
+              <a:t>1995-12-12T06:25:00Z</a:t>
             </a:r>
           </a:p>
         </p:txBody>
@@ -11498,7 +11498,7 @@
                 <a:ea typeface="Open Sans" panose="020B0606030504020204" pitchFamily="34" charset="0"/>
                 <a:cs typeface="Courier New" panose="02070309020205020404" pitchFamily="49" charset="0"/>
               </a:rPr>
-              <a:t>95 Dec 120630</a:t>
+              <a:t>1995-12-12T06:30:00Z</a:t>
             </a:r>
           </a:p>
         </p:txBody>
@@ -11631,7 +11631,7 @@
                 <a:ea typeface="Open Sans" panose="020B0606030504020204" pitchFamily="34" charset="0"/>
                 <a:cs typeface="Courier New" panose="02070309020205020404" pitchFamily="49" charset="0"/>
               </a:rPr>
-              <a:t>95 Dec 120635</a:t>
+              <a:t>1995-12-12T06:35:00Z</a:t>
             </a:r>
           </a:p>
         </p:txBody>
@@ -11764,7 +11764,7 @@
                 <a:ea typeface="Open Sans" panose="020B0606030504020204" pitchFamily="34" charset="0"/>
                 <a:cs typeface="Courier New" panose="02070309020205020404" pitchFamily="49" charset="0"/>
               </a:rPr>
-              <a:t>95 Dec 120640</a:t>
+              <a:t>1995-12-12T06:40:00Z</a:t>
             </a:r>
           </a:p>
         </p:txBody>
@@ -11897,7 +11897,7 @@
                 <a:ea typeface="Open Sans" panose="020B0606030504020204" pitchFamily="34" charset="0"/>
                 <a:cs typeface="Courier New" panose="02070309020205020404" pitchFamily="49" charset="0"/>
               </a:rPr>
-              <a:t>95 Dec 120645</a:t>
+              <a:t>1995-12-12T06:45:00Z</a:t>
             </a:r>
           </a:p>
         </p:txBody>
@@ -12030,7 +12030,7 @@
                 <a:ea typeface="Open Sans" panose="020B0606030504020204" pitchFamily="34" charset="0"/>
                 <a:cs typeface="Courier New" panose="02070309020205020404" pitchFamily="49" charset="0"/>
               </a:rPr>
-              <a:t>95 Dec 120650</a:t>
+              <a:t>1995-12-12T06:50:00Z</a:t>
             </a:r>
           </a:p>
         </p:txBody>
@@ -12163,7 +12163,7 @@
                 <a:ea typeface="Open Sans" panose="020B0606030504020204" pitchFamily="34" charset="0"/>
                 <a:cs typeface="Courier New" panose="02070309020205020404" pitchFamily="49" charset="0"/>
               </a:rPr>
-              <a:t>95 Dec 120655</a:t>
+              <a:t>1995-12-12T06:55:00Z</a:t>
             </a:r>
           </a:p>
         </p:txBody>
@@ -12296,7 +12296,7 @@
                 <a:ea typeface="Open Sans" panose="020B0606030504020204" pitchFamily="34" charset="0"/>
                 <a:cs typeface="Courier New" panose="02070309020205020404" pitchFamily="49" charset="0"/>
               </a:rPr>
-              <a:t>95 Dec 120700</a:t>
+              <a:t>1995-12-12T07:00:00Z</a:t>
             </a:r>
           </a:p>
         </p:txBody>
@@ -12429,7 +12429,7 @@
                 <a:ea typeface="Open Sans" panose="020B0606030504020204" pitchFamily="34" charset="0"/>
                 <a:cs typeface="Courier New" panose="02070309020205020404" pitchFamily="49" charset="0"/>
               </a:rPr>
-              <a:t>95 Dec 120705</a:t>
+              <a:t>1995-12-12T07:05:00Z</a:t>
             </a:r>
           </a:p>
         </p:txBody>
@@ -12562,7 +12562,7 @@
                 <a:ea typeface="Open Sans" panose="020B0606030504020204" pitchFamily="34" charset="0"/>
                 <a:cs typeface="Courier New" panose="02070309020205020404" pitchFamily="49" charset="0"/>
               </a:rPr>
-              <a:t>95 Dec 120710</a:t>
+              <a:t>1995-12-12T07:10:00Z</a:t>
             </a:r>
           </a:p>
         </p:txBody>
@@ -12695,7 +12695,7 @@
                 <a:ea typeface="Open Sans" panose="020B0606030504020204" pitchFamily="34" charset="0"/>
                 <a:cs typeface="Courier New" panose="02070309020205020404" pitchFamily="49" charset="0"/>
               </a:rPr>
-              <a:t>95 Dec 120715</a:t>
+              <a:t>1995-12-12T07:15:00Z</a:t>
             </a:r>
           </a:p>
         </p:txBody>
@@ -12828,7 +12828,7 @@
                 <a:ea typeface="Open Sans" panose="020B0606030504020204" pitchFamily="34" charset="0"/>
                 <a:cs typeface="Courier New" panose="02070309020205020404" pitchFamily="49" charset="0"/>
               </a:rPr>
-              <a:t>95 Dec 120720</a:t>
+              <a:t>1995-12-12T07:20:00Z</a:t>
             </a:r>
           </a:p>
         </p:txBody>
@@ -12961,7 +12961,7 @@
                 <a:ea typeface="Open Sans" panose="020B0606030504020204" pitchFamily="34" charset="0"/>
                 <a:cs typeface="Courier New" panose="02070309020205020404" pitchFamily="49" charset="0"/>
               </a:rPr>
-              <a:t>95 Dec 120725</a:t>
+              <a:t>1995-12-12T07:25:00Z</a:t>
             </a:r>
           </a:p>
         </p:txBody>
@@ -13094,7 +13094,7 @@
                 <a:ea typeface="Open Sans" panose="020B0606030504020204" pitchFamily="34" charset="0"/>
                 <a:cs typeface="Courier New" panose="02070309020205020404" pitchFamily="49" charset="0"/>
               </a:rPr>
-              <a:t>95 Dec 120730</a:t>
+              <a:t>1995-12-12T07:30:00Z</a:t>
             </a:r>
           </a:p>
         </p:txBody>
@@ -13227,7 +13227,7 @@
                 <a:ea typeface="Open Sans" panose="020B0606030504020204" pitchFamily="34" charset="0"/>
                 <a:cs typeface="Courier New" panose="02070309020205020404" pitchFamily="49" charset="0"/>
               </a:rPr>
-              <a:t>95 Dec 120735</a:t>
+              <a:t>1995-12-12T07:35:00Z</a:t>
             </a:r>
           </a:p>
         </p:txBody>
@@ -13360,7 +13360,7 @@
                 <a:ea typeface="Open Sans" panose="020B0606030504020204" pitchFamily="34" charset="0"/>
                 <a:cs typeface="Courier New" panose="02070309020205020404" pitchFamily="49" charset="0"/>
               </a:rPr>
-              <a:t>95 Dec 120740</a:t>
+              <a:t>1995-12-12T07:40:00Z</a:t>
             </a:r>
           </a:p>
         </p:txBody>
@@ -13493,7 +13493,7 @@
                 <a:ea typeface="Open Sans" panose="020B0606030504020204" pitchFamily="34" charset="0"/>
                 <a:cs typeface="Courier New" panose="02070309020205020404" pitchFamily="49" charset="0"/>
               </a:rPr>
-              <a:t>95 Dec 120745</a:t>
+              <a:t>1995-12-12T07:45:00Z</a:t>
             </a:r>
           </a:p>
         </p:txBody>
@@ -13626,7 +13626,7 @@
                 <a:ea typeface="Open Sans" panose="020B0606030504020204" pitchFamily="34" charset="0"/>
                 <a:cs typeface="Courier New" panose="02070309020205020404" pitchFamily="49" charset="0"/>
               </a:rPr>
-              <a:t>95 Dec 120750</a:t>
+              <a:t>1995-12-12T07:50:00Z</a:t>
             </a:r>
           </a:p>
         </p:txBody>
@@ -13759,7 +13759,7 @@
                 <a:ea typeface="Open Sans" panose="020B0606030504020204" pitchFamily="34" charset="0"/>
                 <a:cs typeface="Courier New" panose="02070309020205020404" pitchFamily="49" charset="0"/>
               </a:rPr>
-              <a:t>95 Dec 120755</a:t>
+              <a:t>1995-12-12T07:55:00Z</a:t>
             </a:r>
           </a:p>
         </p:txBody>
@@ -13892,7 +13892,7 @@
                 <a:ea typeface="Open Sans" panose="020B0606030504020204" pitchFamily="34" charset="0"/>
                 <a:cs typeface="Courier New" panose="02070309020205020404" pitchFamily="49" charset="0"/>
               </a:rPr>
-              <a:t>95 Dec 120800</a:t>
+              <a:t>1995-12-12T08:00:00Z</a:t>
             </a:r>
           </a:p>
         </p:txBody>
@@ -14025,7 +14025,7 @@
                 <a:ea typeface="Open Sans" panose="020B0606030504020204" pitchFamily="34" charset="0"/>
                 <a:cs typeface="Courier New" panose="02070309020205020404" pitchFamily="49" charset="0"/>
               </a:rPr>
-              <a:t>95 Dec 120805</a:t>
+              <a:t>1995-12-12T08:05:00Z</a:t>
             </a:r>
           </a:p>
         </p:txBody>
@@ -14158,7 +14158,7 @@
                 <a:ea typeface="Open Sans" panose="020B0606030504020204" pitchFamily="34" charset="0"/>
                 <a:cs typeface="Courier New" panose="02070309020205020404" pitchFamily="49" charset="0"/>
               </a:rPr>
-              <a:t>95 Dec 120810</a:t>
+              <a:t>1995-12-12T08:10:00Z</a:t>
             </a:r>
           </a:p>
         </p:txBody>
@@ -14291,7 +14291,7 @@
                 <a:ea typeface="Open Sans" panose="020B0606030504020204" pitchFamily="34" charset="0"/>
                 <a:cs typeface="Courier New" panose="02070309020205020404" pitchFamily="49" charset="0"/>
               </a:rPr>
-              <a:t>95 Dec 120815</a:t>
+              <a:t>1995-12-12T08:15:00Z</a:t>
             </a:r>
           </a:p>
         </p:txBody>
@@ -14424,7 +14424,7 @@
                 <a:ea typeface="Open Sans" panose="020B0606030504020204" pitchFamily="34" charset="0"/>
                 <a:cs typeface="Courier New" panose="02070309020205020404" pitchFamily="49" charset="0"/>
               </a:rPr>
-              <a:t>95 Dec 120820</a:t>
+              <a:t>1995-12-12T08:20:00Z</a:t>
             </a:r>
           </a:p>
         </p:txBody>
@@ -14557,7 +14557,7 @@
                 <a:ea typeface="Open Sans" panose="020B0606030504020204" pitchFamily="34" charset="0"/>
                 <a:cs typeface="Courier New" panose="02070309020205020404" pitchFamily="49" charset="0"/>
               </a:rPr>
-              <a:t>95 Dec 120825</a:t>
+              <a:t>1995-12-12T08:25:00Z</a:t>
             </a:r>
           </a:p>
         </p:txBody>
@@ -14690,7 +14690,7 @@
                 <a:ea typeface="Open Sans" panose="020B0606030504020204" pitchFamily="34" charset="0"/>
                 <a:cs typeface="Courier New" panose="02070309020205020404" pitchFamily="49" charset="0"/>
               </a:rPr>
-              <a:t>95 Dec 120830</a:t>
+              <a:t>1995-12-12T08:30:00Z</a:t>
             </a:r>
           </a:p>
         </p:txBody>
@@ -14823,7 +14823,7 @@
                 <a:ea typeface="Open Sans" panose="020B0606030504020204" pitchFamily="34" charset="0"/>
                 <a:cs typeface="Courier New" panose="02070309020205020404" pitchFamily="49" charset="0"/>
               </a:rPr>
-              <a:t>95 Dec 120835</a:t>
+              <a:t>1995-12-12T08:35:00Z</a:t>
             </a:r>
           </a:p>
         </p:txBody>
@@ -14956,7 +14956,7 @@
                 <a:ea typeface="Open Sans" panose="020B0606030504020204" pitchFamily="34" charset="0"/>
                 <a:cs typeface="Courier New" panose="02070309020205020404" pitchFamily="49" charset="0"/>
               </a:rPr>
-              <a:t>95 Dec 120840</a:t>
+              <a:t>1995-12-12T08:40:00Z</a:t>
             </a:r>
           </a:p>
         </p:txBody>
@@ -15089,7 +15089,7 @@
                 <a:ea typeface="Open Sans" panose="020B0606030504020204" pitchFamily="34" charset="0"/>
                 <a:cs typeface="Courier New" panose="02070309020205020404" pitchFamily="49" charset="0"/>
               </a:rPr>
-              <a:t>95 Dec 120845</a:t>
+              <a:t>1995-12-12T08:45:00Z</a:t>
             </a:r>
           </a:p>
         </p:txBody>
@@ -15222,7 +15222,7 @@
                 <a:ea typeface="Open Sans" panose="020B0606030504020204" pitchFamily="34" charset="0"/>
                 <a:cs typeface="Courier New" panose="02070309020205020404" pitchFamily="49" charset="0"/>
               </a:rPr>
-              <a:t>95 Dec 120850</a:t>
+              <a:t>1995-12-12T08:50:00Z</a:t>
             </a:r>
           </a:p>
         </p:txBody>
@@ -15355,7 +15355,7 @@
                 <a:ea typeface="Open Sans" panose="020B0606030504020204" pitchFamily="34" charset="0"/>
                 <a:cs typeface="Courier New" panose="02070309020205020404" pitchFamily="49" charset="0"/>
               </a:rPr>
-              <a:t>95 Dec 120855</a:t>
+              <a:t>1995-12-12T08:55:00Z</a:t>
             </a:r>
           </a:p>
         </p:txBody>
@@ -15488,7 +15488,7 @@
                 <a:ea typeface="Open Sans" panose="020B0606030504020204" pitchFamily="34" charset="0"/>
                 <a:cs typeface="Courier New" panose="02070309020205020404" pitchFamily="49" charset="0"/>
               </a:rPr>
-              <a:t>95 Dec 120900</a:t>
+              <a:t>1995-12-12T09:00:00Z</a:t>
             </a:r>
           </a:p>
         </p:txBody>
@@ -15621,7 +15621,7 @@
                 <a:ea typeface="Open Sans" panose="020B0606030504020204" pitchFamily="34" charset="0"/>
                 <a:cs typeface="Courier New" panose="02070309020205020404" pitchFamily="49" charset="0"/>
               </a:rPr>
-              <a:t>95 Dec 120905</a:t>
+              <a:t>1995-12-12T09:05:00Z</a:t>
             </a:r>
           </a:p>
         </p:txBody>
@@ -15754,7 +15754,7 @@
                 <a:ea typeface="Open Sans" panose="020B0606030504020204" pitchFamily="34" charset="0"/>
                 <a:cs typeface="Courier New" panose="02070309020205020404" pitchFamily="49" charset="0"/>
               </a:rPr>
-              <a:t>95 Dec 120910</a:t>
+              <a:t>1995-12-12T09:10:00Z</a:t>
             </a:r>
           </a:p>
         </p:txBody>
@@ -15887,7 +15887,7 @@
                 <a:ea typeface="Open Sans" panose="020B0606030504020204" pitchFamily="34" charset="0"/>
                 <a:cs typeface="Courier New" panose="02070309020205020404" pitchFamily="49" charset="0"/>
               </a:rPr>
-              <a:t>95 Dec 120915</a:t>
+              <a:t>1995-12-12T09:15:00Z</a:t>
             </a:r>
           </a:p>
         </p:txBody>
@@ -16020,7 +16020,7 @@
                 <a:ea typeface="Open Sans" panose="020B0606030504020204" pitchFamily="34" charset="0"/>
                 <a:cs typeface="Courier New" panose="02070309020205020404" pitchFamily="49" charset="0"/>
               </a:rPr>
-              <a:t>95 Dec 120920</a:t>
+              <a:t>1995-12-12T09:20:00Z</a:t>
             </a:r>
           </a:p>
         </p:txBody>
@@ -16153,7 +16153,7 @@
                 <a:ea typeface="Open Sans" panose="020B0606030504020204" pitchFamily="34" charset="0"/>
                 <a:cs typeface="Courier New" panose="02070309020205020404" pitchFamily="49" charset="0"/>
               </a:rPr>
-              <a:t>95 Dec 120925</a:t>
+              <a:t>1995-12-12T09:25:00Z</a:t>
             </a:r>
           </a:p>
         </p:txBody>
@@ -16286,7 +16286,7 @@
                 <a:ea typeface="Open Sans" panose="020B0606030504020204" pitchFamily="34" charset="0"/>
                 <a:cs typeface="Courier New" panose="02070309020205020404" pitchFamily="49" charset="0"/>
               </a:rPr>
-              <a:t>95 Dec 120930</a:t>
+              <a:t>1995-12-12T09:30:00Z</a:t>
             </a:r>
           </a:p>
         </p:txBody>
@@ -16419,7 +16419,7 @@
                 <a:ea typeface="Open Sans" panose="020B0606030504020204" pitchFamily="34" charset="0"/>
                 <a:cs typeface="Courier New" panose="02070309020205020404" pitchFamily="49" charset="0"/>
               </a:rPr>
-              <a:t>95 Dec 120935</a:t>
+              <a:t>1995-12-12T09:35:00Z</a:t>
             </a:r>
           </a:p>
         </p:txBody>
@@ -16552,7 +16552,7 @@
                 <a:ea typeface="Open Sans" panose="020B0606030504020204" pitchFamily="34" charset="0"/>
                 <a:cs typeface="Courier New" panose="02070309020205020404" pitchFamily="49" charset="0"/>
               </a:rPr>
-              <a:t>95 Dec 120940</a:t>
+              <a:t>1995-12-12T09:40:00Z</a:t>
             </a:r>
           </a:p>
         </p:txBody>
@@ -16685,7 +16685,7 @@
                 <a:ea typeface="Open Sans" panose="020B0606030504020204" pitchFamily="34" charset="0"/>
                 <a:cs typeface="Courier New" panose="02070309020205020404" pitchFamily="49" charset="0"/>
               </a:rPr>
-              <a:t>95 Dec 120945</a:t>
+              <a:t>1995-12-12T09:45:00Z</a:t>
             </a:r>
           </a:p>
         </p:txBody>
@@ -16818,7 +16818,7 @@
                 <a:ea typeface="Open Sans" panose="020B0606030504020204" pitchFamily="34" charset="0"/>
                 <a:cs typeface="Courier New" panose="02070309020205020404" pitchFamily="49" charset="0"/>
               </a:rPr>
-              <a:t>95 Dec 120950</a:t>
+              <a:t>1995-12-12T09:50:00Z</a:t>
             </a:r>
           </a:p>
         </p:txBody>
@@ -16951,7 +16951,7 @@
                 <a:ea typeface="Open Sans" panose="020B0606030504020204" pitchFamily="34" charset="0"/>
                 <a:cs typeface="Courier New" panose="02070309020205020404" pitchFamily="49" charset="0"/>
               </a:rPr>
-              <a:t>95 Dec 120955</a:t>
+              <a:t>1995-12-12T09:55:00Z</a:t>
             </a:r>
           </a:p>
         </p:txBody>
@@ -17084,7 +17084,7 @@
                 <a:ea typeface="Open Sans" panose="020B0606030504020204" pitchFamily="34" charset="0"/>
                 <a:cs typeface="Courier New" panose="02070309020205020404" pitchFamily="49" charset="0"/>
               </a:rPr>
-              <a:t>95 Dec 121000</a:t>
+              <a:t>1995-12-12T10:00:00Z</a:t>
             </a:r>
           </a:p>
         </p:txBody>
@@ -17217,7 +17217,7 @@
                 <a:ea typeface="Open Sans" panose="020B0606030504020204" pitchFamily="34" charset="0"/>
                 <a:cs typeface="Courier New" panose="02070309020205020404" pitchFamily="49" charset="0"/>
               </a:rPr>
-              <a:t>95 Dec 121005</a:t>
+              <a:t>1995-12-12T10:05:00Z</a:t>
             </a:r>
           </a:p>
         </p:txBody>
@@ -17350,7 +17350,7 @@
                 <a:ea typeface="Open Sans" panose="020B0606030504020204" pitchFamily="34" charset="0"/>
                 <a:cs typeface="Courier New" panose="02070309020205020404" pitchFamily="49" charset="0"/>
               </a:rPr>
-              <a:t>95 Dec 121010</a:t>
+              <a:t>1995-12-12T10:10:00Z</a:t>
             </a:r>
           </a:p>
         </p:txBody>
@@ -18285,8 +18285,62 @@
                               <p:cond delay="0"/>
                             </p:stCondLst>
                             <p:childTnLst>
+                              <p:par>
+                                <p:cTn id="8" presetID="1" presetClass="entr" presetSubtype="0" fill="hold" grpId="0" nodeType="withEffect">
+                                  <p:stCondLst>
+                                    <p:cond delay="0"/>
+                                  </p:stCondLst>
+                                  <p:childTnLst>
+                                    <p:set>
+                                      <p:cBhvr>
+                                        <p:cTn id="9" dur="1" fill="hold">
+                                          <p:stCondLst>
+                                            <p:cond delay="0"/>
+                                          </p:stCondLst>
+                                        </p:cTn>
+                                        <p:tgtEl>
+                                          <p:spTgt spid="601"/>
+                                        </p:tgtEl>
+                                        <p:attrNameLst>
+                                          <p:attrName>style.visibility</p:attrName>
+                                        </p:attrNameLst>
+                                      </p:cBhvr>
+                                      <p:to>
+                                        <p:strVal val="visible"/>
+                                      </p:to>
+                                    </p:set>
+                                  </p:childTnLst>
+                                </p:cTn>
+                              </p:par>
+                              <p:par>
+                                <p:cTn id="8" presetID="1" presetClass="entr" presetSubtype="0" fill="hold" grpId="0" nodeType="withEffect">
+                                  <p:stCondLst>
+                                    <p:cond delay="0"/>
+                                  </p:stCondLst>
+                                  <p:childTnLst>
+                                    <p:set>
+                                      <p:cBhvr>
+                                        <p:cTn id="9" dur="1" fill="hold">
+                                          <p:stCondLst>
+                                            <p:cond delay="0"/>
+                                          </p:stCondLst>
+                                        </p:cTn>
+                                        <p:tgtEl>
+                                          <p:spTgt spid="127"/>
+                                        </p:tgtEl>
+                                        <p:attrNameLst>
+                                          <p:attrName>style.visibility</p:attrName>
+                                        </p:attrNameLst>
+                                      </p:cBhvr>
+                                      <p:to>
+                                        <p:strVal val="visible"/>
+                                      </p:to>
+                                    </p:set>
+                                  </p:childTnLst>
+                                </p:cTn>
+                              </p:par>
                               <p:seq>
-                                <p:cTn id="1" presetID="0" presetClass="path" presetSubtype="0" fill="hold" grpId="0" nodeType="clickEffect">
+                                <p:cTn id="1" presetID="0" presetClass="path" presetSubtype="0" fill="hold" grpId="1" nodeType="withEffect">
                                   <p:stCondLst>
                                     <p:cond delay="0"/>
                                   </p:stCondLst>
@@ -19101,7 +19155,7 @@
                                 </p:cTn>
                               </p:seq>
                               <p:seq>
-                                <p:cTn id="2" presetID="0" presetClass="path" presetSubtype="0" fill="hold" grpId="0" nodeType="clickEffect">
+                                <p:cTn id="2" presetID="0" presetClass="path" presetSubtype="0" fill="hold" grpId="1" nodeType="withEffect">
                                   <p:stCondLst>
                                     <p:cond delay="0"/>
                                   </p:stCondLst>

--- a/org.mwc.debrief.legacy/test_data/master_template/scenario_long_range/scenario_long_range_temp.pptx
+++ b/org.mwc.debrief.legacy/test_data/master_template/scenario_long_range/scenario_long_range_temp.pptx
@@ -208,7 +208,7 @@
           <a:p>
             <a:fld id="{5DBDFAF8-9CD3-4716-8CF2-6121A8FDDE9B}" type="datetimeFigureOut">
               <a:rPr lang="en-US" smtClean="0"/>
-              <a:t>9/27/2018</a:t>
+              <a:t>10/14/2018</a:t>
             </a:fld>
             <a:endParaRPr lang="en-US"/>
           </a:p>
@@ -366,7 +366,7 @@
           <a:p>
             <a:fld id="{C901C09C-499D-45C7-B51C-6D106952E995}" type="slidenum">
               <a:rPr lang="en-US" smtClean="0"/>
-              <a:t>‹#›</a:t>
+              <a:t>‹Nº›</a:t>
             </a:fld>
             <a:endParaRPr lang="en-US"/>
           </a:p>
@@ -763,7 +763,7 @@
           <a:p>
             <a:fld id="{07AF7C9C-3FFC-F543-8CD5-56B058077314}" type="datetimeFigureOut">
               <a:rPr lang="en-US" smtClean="0"/>
-              <a:t>9/27/2018</a:t>
+              <a:t>10/14/2018</a:t>
             </a:fld>
             <a:endParaRPr lang="en-US"/>
           </a:p>
@@ -805,7 +805,7 @@
           <a:p>
             <a:fld id="{E0E3E4AF-3478-F94E-9240-CA1945652EFF}" type="slidenum">
               <a:rPr lang="en-US" smtClean="0"/>
-              <a:t>‹#›</a:t>
+              <a:t>‹Nº›</a:t>
             </a:fld>
             <a:endParaRPr lang="en-US"/>
           </a:p>
@@ -933,7 +933,7 @@
           <a:p>
             <a:fld id="{07AF7C9C-3FFC-F543-8CD5-56B058077314}" type="datetimeFigureOut">
               <a:rPr lang="en-US" smtClean="0"/>
-              <a:t>9/27/2018</a:t>
+              <a:t>10/14/2018</a:t>
             </a:fld>
             <a:endParaRPr lang="en-US"/>
           </a:p>
@@ -975,7 +975,7 @@
           <a:p>
             <a:fld id="{E0E3E4AF-3478-F94E-9240-CA1945652EFF}" type="slidenum">
               <a:rPr lang="en-US" smtClean="0"/>
-              <a:t>‹#›</a:t>
+              <a:t>‹Nº›</a:t>
             </a:fld>
             <a:endParaRPr lang="en-US"/>
           </a:p>
@@ -1113,7 +1113,7 @@
           <a:p>
             <a:fld id="{07AF7C9C-3FFC-F543-8CD5-56B058077314}" type="datetimeFigureOut">
               <a:rPr lang="en-US" smtClean="0"/>
-              <a:t>9/27/2018</a:t>
+              <a:t>10/14/2018</a:t>
             </a:fld>
             <a:endParaRPr lang="en-US"/>
           </a:p>
@@ -1155,7 +1155,7 @@
           <a:p>
             <a:fld id="{E0E3E4AF-3478-F94E-9240-CA1945652EFF}" type="slidenum">
               <a:rPr lang="en-US" smtClean="0"/>
-              <a:t>‹#›</a:t>
+              <a:t>‹Nº›</a:t>
             </a:fld>
             <a:endParaRPr lang="en-US"/>
           </a:p>
@@ -1283,7 +1283,7 @@
           <a:p>
             <a:fld id="{07AF7C9C-3FFC-F543-8CD5-56B058077314}" type="datetimeFigureOut">
               <a:rPr lang="en-US" smtClean="0"/>
-              <a:t>9/27/2018</a:t>
+              <a:t>10/14/2018</a:t>
             </a:fld>
             <a:endParaRPr lang="en-US"/>
           </a:p>
@@ -1325,7 +1325,7 @@
           <a:p>
             <a:fld id="{E0E3E4AF-3478-F94E-9240-CA1945652EFF}" type="slidenum">
               <a:rPr lang="en-US" smtClean="0"/>
-              <a:t>‹#›</a:t>
+              <a:t>‹Nº›</a:t>
             </a:fld>
             <a:endParaRPr lang="en-US"/>
           </a:p>
@@ -1529,7 +1529,7 @@
           <a:p>
             <a:fld id="{07AF7C9C-3FFC-F543-8CD5-56B058077314}" type="datetimeFigureOut">
               <a:rPr lang="en-US" smtClean="0"/>
-              <a:t>9/27/2018</a:t>
+              <a:t>10/14/2018</a:t>
             </a:fld>
             <a:endParaRPr lang="en-US"/>
           </a:p>
@@ -1571,7 +1571,7 @@
           <a:p>
             <a:fld id="{E0E3E4AF-3478-F94E-9240-CA1945652EFF}" type="slidenum">
               <a:rPr lang="en-US" smtClean="0"/>
-              <a:t>‹#›</a:t>
+              <a:t>‹Nº›</a:t>
             </a:fld>
             <a:endParaRPr lang="en-US"/>
           </a:p>
@@ -1817,7 +1817,7 @@
           <a:p>
             <a:fld id="{07AF7C9C-3FFC-F543-8CD5-56B058077314}" type="datetimeFigureOut">
               <a:rPr lang="en-US" smtClean="0"/>
-              <a:t>9/27/2018</a:t>
+              <a:t>10/14/2018</a:t>
             </a:fld>
             <a:endParaRPr lang="en-US"/>
           </a:p>
@@ -1859,7 +1859,7 @@
           <a:p>
             <a:fld id="{E0E3E4AF-3478-F94E-9240-CA1945652EFF}" type="slidenum">
               <a:rPr lang="en-US" smtClean="0"/>
-              <a:t>‹#›</a:t>
+              <a:t>‹Nº›</a:t>
             </a:fld>
             <a:endParaRPr lang="en-US"/>
           </a:p>
@@ -2239,7 +2239,7 @@
           <a:p>
             <a:fld id="{07AF7C9C-3FFC-F543-8CD5-56B058077314}" type="datetimeFigureOut">
               <a:rPr lang="en-US" smtClean="0"/>
-              <a:t>9/27/2018</a:t>
+              <a:t>10/14/2018</a:t>
             </a:fld>
             <a:endParaRPr lang="en-US"/>
           </a:p>
@@ -2281,7 +2281,7 @@
           <a:p>
             <a:fld id="{E0E3E4AF-3478-F94E-9240-CA1945652EFF}" type="slidenum">
               <a:rPr lang="en-US" smtClean="0"/>
-              <a:t>‹#›</a:t>
+              <a:t>‹Nº›</a:t>
             </a:fld>
             <a:endParaRPr lang="en-US"/>
           </a:p>
@@ -2357,7 +2357,7 @@
           <a:p>
             <a:fld id="{07AF7C9C-3FFC-F543-8CD5-56B058077314}" type="datetimeFigureOut">
               <a:rPr lang="en-US" smtClean="0"/>
-              <a:t>9/27/2018</a:t>
+              <a:t>10/14/2018</a:t>
             </a:fld>
             <a:endParaRPr lang="en-US"/>
           </a:p>
@@ -2399,7 +2399,7 @@
           <a:p>
             <a:fld id="{E0E3E4AF-3478-F94E-9240-CA1945652EFF}" type="slidenum">
               <a:rPr lang="en-US" smtClean="0"/>
-              <a:t>‹#›</a:t>
+              <a:t>‹Nº›</a:t>
             </a:fld>
             <a:endParaRPr lang="en-US"/>
           </a:p>
@@ -2452,7 +2452,7 @@
           <a:p>
             <a:fld id="{07AF7C9C-3FFC-F543-8CD5-56B058077314}" type="datetimeFigureOut">
               <a:rPr lang="en-US" smtClean="0"/>
-              <a:t>9/27/2018</a:t>
+              <a:t>10/14/2018</a:t>
             </a:fld>
             <a:endParaRPr lang="en-US"/>
           </a:p>
@@ -2494,7 +2494,7 @@
           <a:p>
             <a:fld id="{E0E3E4AF-3478-F94E-9240-CA1945652EFF}" type="slidenum">
               <a:rPr lang="en-US" smtClean="0"/>
-              <a:t>‹#›</a:t>
+              <a:t>‹Nº›</a:t>
             </a:fld>
             <a:endParaRPr lang="en-US"/>
           </a:p>
@@ -2729,7 +2729,7 @@
           <a:p>
             <a:fld id="{07AF7C9C-3FFC-F543-8CD5-56B058077314}" type="datetimeFigureOut">
               <a:rPr lang="en-US" smtClean="0"/>
-              <a:t>9/27/2018</a:t>
+              <a:t>10/14/2018</a:t>
             </a:fld>
             <a:endParaRPr lang="en-US"/>
           </a:p>
@@ -2771,7 +2771,7 @@
           <a:p>
             <a:fld id="{E0E3E4AF-3478-F94E-9240-CA1945652EFF}" type="slidenum">
               <a:rPr lang="en-US" smtClean="0"/>
-              <a:t>‹#›</a:t>
+              <a:t>‹Nº›</a:t>
             </a:fld>
             <a:endParaRPr lang="en-US"/>
           </a:p>
@@ -2982,7 +2982,7 @@
           <a:p>
             <a:fld id="{07AF7C9C-3FFC-F543-8CD5-56B058077314}" type="datetimeFigureOut">
               <a:rPr lang="en-US" smtClean="0"/>
-              <a:t>9/27/2018</a:t>
+              <a:t>10/14/2018</a:t>
             </a:fld>
             <a:endParaRPr lang="en-US"/>
           </a:p>
@@ -3024,7 +3024,7 @@
           <a:p>
             <a:fld id="{E0E3E4AF-3478-F94E-9240-CA1945652EFF}" type="slidenum">
               <a:rPr lang="en-US" smtClean="0"/>
-              <a:t>‹#›</a:t>
+              <a:t>‹Nº›</a:t>
             </a:fld>
             <a:endParaRPr lang="en-US"/>
           </a:p>
@@ -3195,7 +3195,7 @@
           <a:p>
             <a:fld id="{07AF7C9C-3FFC-F543-8CD5-56B058077314}" type="datetimeFigureOut">
               <a:rPr lang="en-US" smtClean="0"/>
-              <a:t>9/27/2018</a:t>
+              <a:t>10/14/2018</a:t>
             </a:fld>
             <a:endParaRPr lang="en-US"/>
           </a:p>
@@ -3273,7 +3273,7 @@
           <a:p>
             <a:fld id="{E0E3E4AF-3478-F94E-9240-CA1945652EFF}" type="slidenum">
               <a:rPr lang="en-US" smtClean="0"/>
-              <a:t>‹#›</a:t>
+              <a:t>‹Nº›</a:t>
             </a:fld>
             <a:endParaRPr lang="en-US"/>
           </a:p>
@@ -3822,7 +3822,7 @@
                 <a:ea typeface="Open Sans" panose="020B0606030504020204" pitchFamily="34" charset="0"/>
                 <a:cs typeface="Open Sans" panose="020B0606030504020204" pitchFamily="34" charset="0"/>
               </a:rPr>
-              <a:t>AMERICAS CUP </a:t>
+              <a:t>EXERCISE TITLE </a:t>
             </a:r>
           </a:p>
           <a:p>
@@ -3835,7 +3835,7 @@
                 <a:ea typeface="Open Sans" panose="020B0606030504020204" pitchFamily="34" charset="0"/>
                 <a:cs typeface="Open Sans" panose="020B0606030504020204" pitchFamily="34" charset="0"/>
               </a:rPr>
-              <a:t>2018. RACE 2A</a:t>
+              <a:t>2018 SERIAL 12D</a:t>
             </a:r>
           </a:p>
         </p:txBody>
@@ -17390,16 +17390,6 @@
               </a:rPr>
               <a:t/>
             </a:r>
-            <a:r>
-              <a:rPr lang="mr-IN" sz="2000" dirty="0">
-                <a:solidFill>
-                  <a:schemeClr val="bg1"/>
-                </a:solidFill>
-                <a:latin typeface="Open Sans" panose="020B0606030504020204" pitchFamily="34" charset="0"/>
-                <a:ea typeface="Open Sans" panose="020B0606030504020204" pitchFamily="34" charset="0"/>
-              </a:rPr>
-              <a:t/>
-            </a:r>
             <a:endParaRPr lang="en-US" sz="2000" dirty="0">
               <a:solidFill>
                 <a:schemeClr val="bg1"/>
@@ -17465,16 +17455,6 @@
               </a:rPr>
               <a:t>120500.00 COMEX. Rule amendment Charlie 3</a:t>
             </a:r>
-            <a:r>
-              <a:rPr lang="mr-IN" sz="2000" dirty="0">
-                <a:solidFill>
-                  <a:schemeClr val="bg1"/>
-                </a:solidFill>
-                <a:latin typeface="Open Sans" panose="020B0606030504020204" pitchFamily="34" charset="0"/>
-                <a:ea typeface="Open Sans" panose="020B0606030504020204" pitchFamily="34" charset="0"/>
-              </a:rPr>
-              <a:t/>
-            </a:r>
             <a:endParaRPr lang="en-US" sz="2000" dirty="0">
               <a:solidFill>
                 <a:schemeClr val="bg1"/>
@@ -17540,16 +17520,6 @@
               </a:rPr>
               <a:t>120501.00 Intend patrolling to the South, to take advantage of dawn light</a:t>
             </a:r>
-            <a:r>
-              <a:rPr lang="mr-IN" sz="2000" dirty="0">
-                <a:solidFill>
-                  <a:schemeClr val="bg1"/>
-                </a:solidFill>
-                <a:latin typeface="Open Sans" panose="020B0606030504020204" pitchFamily="34" charset="0"/>
-                <a:ea typeface="Open Sans" panose="020B0606030504020204" pitchFamily="34" charset="0"/>
-              </a:rPr>
-              <a:t/>
-            </a:r>
             <a:endParaRPr lang="en-US" sz="2000" dirty="0">
               <a:solidFill>
                 <a:schemeClr val="bg1"/>
@@ -17615,16 +17585,6 @@
               </a:rPr>
               <a:t>120502.00 System Echo Trial 3 commencing</a:t>
             </a:r>
-            <a:r>
-              <a:rPr lang="mr-IN" sz="2000" dirty="0">
-                <a:solidFill>
-                  <a:schemeClr val="bg1"/>
-                </a:solidFill>
-                <a:latin typeface="Open Sans" panose="020B0606030504020204" pitchFamily="34" charset="0"/>
-                <a:ea typeface="Open Sans" panose="020B0606030504020204" pitchFamily="34" charset="0"/>
-              </a:rPr>
-              <a:t/>
-            </a:r>
             <a:endParaRPr lang="en-US" sz="2000" dirty="0">
               <a:solidFill>
                 <a:schemeClr val="bg1"/>
@@ -17690,16 +17650,6 @@
               </a:rPr>
               <a:t>120522.00 Invsetigating System Echo Power-up failure</a:t>
             </a:r>
-            <a:r>
-              <a:rPr lang="mr-IN" sz="2000" dirty="0">
-                <a:solidFill>
-                  <a:schemeClr val="bg1"/>
-                </a:solidFill>
-                <a:latin typeface="Open Sans" panose="020B0606030504020204" pitchFamily="34" charset="0"/>
-                <a:ea typeface="Open Sans" panose="020B0606030504020204" pitchFamily="34" charset="0"/>
-              </a:rPr>
-              <a:t/>
-            </a:r>
             <a:endParaRPr lang="en-US" sz="2000" dirty="0">
               <a:solidFill>
                 <a:schemeClr val="bg1"/>
@@ -17765,16 +17715,6 @@
               </a:rPr>
               <a:t>120612.00 System Echo working satisfactoritly</a:t>
             </a:r>
-            <a:r>
-              <a:rPr lang="mr-IN" sz="2000" dirty="0">
-                <a:solidFill>
-                  <a:schemeClr val="bg1"/>
-                </a:solidFill>
-                <a:latin typeface="Open Sans" panose="020B0606030504020204" pitchFamily="34" charset="0"/>
-                <a:ea typeface="Open Sans" panose="020B0606030504020204" pitchFamily="34" charset="0"/>
-              </a:rPr>
-              <a:t/>
-            </a:r>
             <a:endParaRPr lang="en-US" sz="2000" dirty="0">
               <a:solidFill>
                 <a:schemeClr val="bg1"/>
@@ -17840,16 +17780,6 @@
               </a:rPr>
               <a:t>120622.00 System Echo given 3 invalid hits. Adjusting Gain to -2Db</a:t>
             </a:r>
-            <a:r>
-              <a:rPr lang="mr-IN" sz="2000" dirty="0">
-                <a:solidFill>
-                  <a:schemeClr val="bg1"/>
-                </a:solidFill>
-                <a:latin typeface="Open Sans" panose="020B0606030504020204" pitchFamily="34" charset="0"/>
-                <a:ea typeface="Open Sans" panose="020B0606030504020204" pitchFamily="34" charset="0"/>
-              </a:rPr>
-              <a:t/>
-            </a:r>
             <a:endParaRPr lang="en-US" sz="2000" dirty="0">
               <a:solidFill>
                 <a:schemeClr val="bg1"/>
@@ -17915,16 +17845,6 @@
               </a:rPr>
               <a:t>120642.00 System Echo optimal level is 16.5 Db</a:t>
             </a:r>
-            <a:r>
-              <a:rPr lang="mr-IN" sz="2000" dirty="0">
-                <a:solidFill>
-                  <a:schemeClr val="bg1"/>
-                </a:solidFill>
-                <a:latin typeface="Open Sans" panose="020B0606030504020204" pitchFamily="34" charset="0"/>
-                <a:ea typeface="Open Sans" panose="020B0606030504020204" pitchFamily="34" charset="0"/>
-              </a:rPr>
-              <a:t/>
-            </a:r>
             <a:endParaRPr lang="en-US" sz="2000" dirty="0">
               <a:solidFill>
                 <a:schemeClr val="bg1"/>
@@ -17990,16 +17910,6 @@
               </a:rPr>
               <a:t>120953.00 Moving search area to North, Dawn advantage gone</a:t>
             </a:r>
-            <a:r>
-              <a:rPr lang="mr-IN" sz="2000" dirty="0">
-                <a:solidFill>
-                  <a:schemeClr val="bg1"/>
-                </a:solidFill>
-                <a:latin typeface="Open Sans" panose="020B0606030504020204" pitchFamily="34" charset="0"/>
-                <a:ea typeface="Open Sans" panose="020B0606030504020204" pitchFamily="34" charset="0"/>
-              </a:rPr>
-              <a:t/>
-            </a:r>
             <a:endParaRPr lang="en-US" sz="2000" dirty="0">
               <a:solidFill>
                 <a:schemeClr val="bg1"/>
@@ -18065,16 +17975,6 @@
               </a:rPr>
               <a:t>120954.00 Requset relaxation of amendment Charlie 13 from 120000 today;</a:t>
             </a:r>
-            <a:r>
-              <a:rPr lang="mr-IN" sz="2000" dirty="0">
-                <a:solidFill>
-                  <a:schemeClr val="bg1"/>
-                </a:solidFill>
-                <a:latin typeface="Open Sans" panose="020B0606030504020204" pitchFamily="34" charset="0"/>
-                <a:ea typeface="Open Sans" panose="020B0606030504020204" pitchFamily="34" charset="0"/>
-              </a:rPr>
-              <a:t/>
-            </a:r>
             <a:endParaRPr lang="en-US" sz="2000" dirty="0">
               <a:solidFill>
                 <a:schemeClr val="bg1"/>
@@ -18140,16 +18040,6 @@
               </a:rPr>
               <a:t>120957.00 SUSPECTED DETECTION OF RED</a:t>
             </a:r>
-            <a:r>
-              <a:rPr lang="mr-IN" sz="2000" dirty="0">
-                <a:solidFill>
-                  <a:schemeClr val="bg1"/>
-                </a:solidFill>
-                <a:latin typeface="Open Sans" panose="020B0606030504020204" pitchFamily="34" charset="0"/>
-                <a:ea typeface="Open Sans" panose="020B0606030504020204" pitchFamily="34" charset="0"/>
-              </a:rPr>
-              <a:t/>
-            </a:r>
             <a:endParaRPr lang="en-US" sz="2000" dirty="0">
               <a:solidFill>
                 <a:schemeClr val="bg1"/>
@@ -18214,16 +18104,6 @@
                 <a:cs typeface="Open Sans" panose="020B0606030504020204" pitchFamily="34" charset="0"/>
               </a:rPr>
               <a:t>121003.00 CONFIRMED. OBTAIN SOLUTION</a:t>
-            </a:r>
-            <a:r>
-              <a:rPr lang="mr-IN" sz="2000" dirty="0">
-                <a:solidFill>
-                  <a:schemeClr val="bg1"/>
-                </a:solidFill>
-                <a:latin typeface="Open Sans" panose="020B0606030504020204" pitchFamily="34" charset="0"/>
-                <a:ea typeface="Open Sans" panose="020B0606030504020204" pitchFamily="34" charset="0"/>
-              </a:rPr>
-              <a:t/>
             </a:r>
             <a:endParaRPr lang="en-US" sz="2000" dirty="0">
               <a:solidFill>

--- a/org.mwc.debrief.legacy/test_data/master_template/scenario_long_range/scenario_long_range_temp.pptx
+++ b/org.mwc.debrief.legacy/test_data/master_template/scenario_long_range/scenario_long_range_temp.pptx
@@ -3905,7 +3905,7 @@
       </p:pic>
       <p:sp>
         <p:nvSpPr>
-          <p:cNvPr id="2000" name="footprint"/>
+          <p:cNvPr id="20600" name="footprint"/>
           <p:cNvSpPr/>
           <p:nvPr/>
         </p:nvSpPr>
@@ -3946,7 +3946,7 @@
       </p:sp>
       <p:sp>
         <p:nvSpPr>
-          <p:cNvPr id="2001" name="footprint"/>
+          <p:cNvPr id="20601" name="footprint"/>
           <p:cNvSpPr/>
           <p:nvPr/>
         </p:nvSpPr>
@@ -3987,7 +3987,7 @@
       </p:sp>
       <p:sp>
         <p:nvSpPr>
-          <p:cNvPr id="2002" name="footprint"/>
+          <p:cNvPr id="20602" name="footprint"/>
           <p:cNvSpPr/>
           <p:nvPr/>
         </p:nvSpPr>
@@ -4028,7 +4028,7 @@
       </p:sp>
       <p:sp>
         <p:nvSpPr>
-          <p:cNvPr id="2003" name="footprint"/>
+          <p:cNvPr id="20603" name="footprint"/>
           <p:cNvSpPr/>
           <p:nvPr/>
         </p:nvSpPr>
@@ -4069,7 +4069,7 @@
       </p:sp>
       <p:sp>
         <p:nvSpPr>
-          <p:cNvPr id="2004" name="footprint"/>
+          <p:cNvPr id="20604" name="footprint"/>
           <p:cNvSpPr/>
           <p:nvPr/>
         </p:nvSpPr>
@@ -4110,7 +4110,7 @@
       </p:sp>
       <p:sp>
         <p:nvSpPr>
-          <p:cNvPr id="2005" name="footprint"/>
+          <p:cNvPr id="20605" name="footprint"/>
           <p:cNvSpPr/>
           <p:nvPr/>
         </p:nvSpPr>
@@ -4151,7 +4151,7 @@
       </p:sp>
       <p:sp>
         <p:nvSpPr>
-          <p:cNvPr id="2006" name="footprint"/>
+          <p:cNvPr id="20606" name="footprint"/>
           <p:cNvSpPr/>
           <p:nvPr/>
         </p:nvSpPr>
@@ -4192,7 +4192,7 @@
       </p:sp>
       <p:sp>
         <p:nvSpPr>
-          <p:cNvPr id="2007" name="footprint"/>
+          <p:cNvPr id="20607" name="footprint"/>
           <p:cNvSpPr/>
           <p:nvPr/>
         </p:nvSpPr>
@@ -4233,7 +4233,7 @@
       </p:sp>
       <p:sp>
         <p:nvSpPr>
-          <p:cNvPr id="2008" name="footprint"/>
+          <p:cNvPr id="20608" name="footprint"/>
           <p:cNvSpPr/>
           <p:nvPr/>
         </p:nvSpPr>
@@ -4274,7 +4274,7 @@
       </p:sp>
       <p:sp>
         <p:nvSpPr>
-          <p:cNvPr id="2009" name="footprint"/>
+          <p:cNvPr id="20609" name="footprint"/>
           <p:cNvSpPr/>
           <p:nvPr/>
         </p:nvSpPr>
@@ -4315,7 +4315,7 @@
       </p:sp>
       <p:sp>
         <p:nvSpPr>
-          <p:cNvPr id="2010" name="footprint"/>
+          <p:cNvPr id="20610" name="footprint"/>
           <p:cNvSpPr/>
           <p:nvPr/>
         </p:nvSpPr>
@@ -4356,7 +4356,7 @@
       </p:sp>
       <p:sp>
         <p:nvSpPr>
-          <p:cNvPr id="2011" name="footprint"/>
+          <p:cNvPr id="20611" name="footprint"/>
           <p:cNvSpPr/>
           <p:nvPr/>
         </p:nvSpPr>
@@ -4397,7 +4397,7 @@
       </p:sp>
       <p:sp>
         <p:nvSpPr>
-          <p:cNvPr id="2012" name="footprint"/>
+          <p:cNvPr id="20612" name="footprint"/>
           <p:cNvSpPr/>
           <p:nvPr/>
         </p:nvSpPr>
@@ -4438,7 +4438,7 @@
       </p:sp>
       <p:sp>
         <p:nvSpPr>
-          <p:cNvPr id="2013" name="footprint"/>
+          <p:cNvPr id="20613" name="footprint"/>
           <p:cNvSpPr/>
           <p:nvPr/>
         </p:nvSpPr>
@@ -4479,7 +4479,7 @@
       </p:sp>
       <p:sp>
         <p:nvSpPr>
-          <p:cNvPr id="2014" name="footprint"/>
+          <p:cNvPr id="20614" name="footprint"/>
           <p:cNvSpPr/>
           <p:nvPr/>
         </p:nvSpPr>
@@ -4520,7 +4520,7 @@
       </p:sp>
       <p:sp>
         <p:nvSpPr>
-          <p:cNvPr id="2015" name="footprint"/>
+          <p:cNvPr id="20615" name="footprint"/>
           <p:cNvSpPr/>
           <p:nvPr/>
         </p:nvSpPr>
@@ -4561,7 +4561,7 @@
       </p:sp>
       <p:sp>
         <p:nvSpPr>
-          <p:cNvPr id="2016" name="footprint"/>
+          <p:cNvPr id="20616" name="footprint"/>
           <p:cNvSpPr/>
           <p:nvPr/>
         </p:nvSpPr>
@@ -4602,7 +4602,7 @@
       </p:sp>
       <p:sp>
         <p:nvSpPr>
-          <p:cNvPr id="2017" name="footprint"/>
+          <p:cNvPr id="20617" name="footprint"/>
           <p:cNvSpPr/>
           <p:nvPr/>
         </p:nvSpPr>
@@ -4643,7 +4643,7 @@
       </p:sp>
       <p:sp>
         <p:nvSpPr>
-          <p:cNvPr id="2018" name="footprint"/>
+          <p:cNvPr id="20618" name="footprint"/>
           <p:cNvSpPr/>
           <p:nvPr/>
         </p:nvSpPr>
@@ -4684,7 +4684,7 @@
       </p:sp>
       <p:sp>
         <p:nvSpPr>
-          <p:cNvPr id="2019" name="footprint"/>
+          <p:cNvPr id="20619" name="footprint"/>
           <p:cNvSpPr/>
           <p:nvPr/>
         </p:nvSpPr>
@@ -4725,7 +4725,7 @@
       </p:sp>
       <p:sp>
         <p:nvSpPr>
-          <p:cNvPr id="2020" name="footprint"/>
+          <p:cNvPr id="20620" name="footprint"/>
           <p:cNvSpPr/>
           <p:nvPr/>
         </p:nvSpPr>
@@ -4766,7 +4766,7 @@
       </p:sp>
       <p:sp>
         <p:nvSpPr>
-          <p:cNvPr id="2021" name="footprint"/>
+          <p:cNvPr id="20621" name="footprint"/>
           <p:cNvSpPr/>
           <p:nvPr/>
         </p:nvSpPr>
@@ -4807,7 +4807,7 @@
       </p:sp>
       <p:sp>
         <p:nvSpPr>
-          <p:cNvPr id="2022" name="footprint"/>
+          <p:cNvPr id="20622" name="footprint"/>
           <p:cNvSpPr/>
           <p:nvPr/>
         </p:nvSpPr>
@@ -4848,7 +4848,7 @@
       </p:sp>
       <p:sp>
         <p:nvSpPr>
-          <p:cNvPr id="2023" name="footprint"/>
+          <p:cNvPr id="20623" name="footprint"/>
           <p:cNvSpPr/>
           <p:nvPr/>
         </p:nvSpPr>
@@ -4889,7 +4889,7 @@
       </p:sp>
       <p:sp>
         <p:nvSpPr>
-          <p:cNvPr id="2024" name="footprint"/>
+          <p:cNvPr id="20624" name="footprint"/>
           <p:cNvSpPr/>
           <p:nvPr/>
         </p:nvSpPr>
@@ -4930,7 +4930,7 @@
       </p:sp>
       <p:sp>
         <p:nvSpPr>
-          <p:cNvPr id="2025" name="footprint"/>
+          <p:cNvPr id="20625" name="footprint"/>
           <p:cNvSpPr/>
           <p:nvPr/>
         </p:nvSpPr>
@@ -4971,7 +4971,7 @@
       </p:sp>
       <p:sp>
         <p:nvSpPr>
-          <p:cNvPr id="2026" name="footprint"/>
+          <p:cNvPr id="20626" name="footprint"/>
           <p:cNvSpPr/>
           <p:nvPr/>
         </p:nvSpPr>
@@ -5012,7 +5012,7 @@
       </p:sp>
       <p:sp>
         <p:nvSpPr>
-          <p:cNvPr id="2027" name="footprint"/>
+          <p:cNvPr id="20627" name="footprint"/>
           <p:cNvSpPr/>
           <p:nvPr/>
         </p:nvSpPr>
@@ -5053,7 +5053,7 @@
       </p:sp>
       <p:sp>
         <p:nvSpPr>
-          <p:cNvPr id="2028" name="footprint"/>
+          <p:cNvPr id="20628" name="footprint"/>
           <p:cNvSpPr/>
           <p:nvPr/>
         </p:nvSpPr>
@@ -5094,7 +5094,7 @@
       </p:sp>
       <p:sp>
         <p:nvSpPr>
-          <p:cNvPr id="2029" name="footprint"/>
+          <p:cNvPr id="20629" name="footprint"/>
           <p:cNvSpPr/>
           <p:nvPr/>
         </p:nvSpPr>
@@ -5135,7 +5135,7 @@
       </p:sp>
       <p:sp>
         <p:nvSpPr>
-          <p:cNvPr id="2030" name="footprint"/>
+          <p:cNvPr id="20630" name="footprint"/>
           <p:cNvSpPr/>
           <p:nvPr/>
         </p:nvSpPr>
@@ -5176,7 +5176,7 @@
       </p:sp>
       <p:sp>
         <p:nvSpPr>
-          <p:cNvPr id="2031" name="footprint"/>
+          <p:cNvPr id="20631" name="footprint"/>
           <p:cNvSpPr/>
           <p:nvPr/>
         </p:nvSpPr>
@@ -5217,7 +5217,7 @@
       </p:sp>
       <p:sp>
         <p:nvSpPr>
-          <p:cNvPr id="2032" name="footprint"/>
+          <p:cNvPr id="20632" name="footprint"/>
           <p:cNvSpPr/>
           <p:nvPr/>
         </p:nvSpPr>
@@ -5258,7 +5258,7 @@
       </p:sp>
       <p:sp>
         <p:nvSpPr>
-          <p:cNvPr id="2033" name="footprint"/>
+          <p:cNvPr id="20633" name="footprint"/>
           <p:cNvSpPr/>
           <p:nvPr/>
         </p:nvSpPr>
@@ -5299,7 +5299,7 @@
       </p:sp>
       <p:sp>
         <p:nvSpPr>
-          <p:cNvPr id="2034" name="footprint"/>
+          <p:cNvPr id="20634" name="footprint"/>
           <p:cNvSpPr/>
           <p:nvPr/>
         </p:nvSpPr>
@@ -5340,7 +5340,7 @@
       </p:sp>
       <p:sp>
         <p:nvSpPr>
-          <p:cNvPr id="2035" name="footprint"/>
+          <p:cNvPr id="20635" name="footprint"/>
           <p:cNvSpPr/>
           <p:nvPr/>
         </p:nvSpPr>
@@ -5381,7 +5381,7 @@
       </p:sp>
       <p:sp>
         <p:nvSpPr>
-          <p:cNvPr id="2036" name="footprint"/>
+          <p:cNvPr id="20636" name="footprint"/>
           <p:cNvSpPr/>
           <p:nvPr/>
         </p:nvSpPr>
@@ -5422,7 +5422,7 @@
       </p:sp>
       <p:sp>
         <p:nvSpPr>
-          <p:cNvPr id="2037" name="footprint"/>
+          <p:cNvPr id="20637" name="footprint"/>
           <p:cNvSpPr/>
           <p:nvPr/>
         </p:nvSpPr>
@@ -5463,7 +5463,7 @@
       </p:sp>
       <p:sp>
         <p:nvSpPr>
-          <p:cNvPr id="2038" name="footprint"/>
+          <p:cNvPr id="20638" name="footprint"/>
           <p:cNvSpPr/>
           <p:nvPr/>
         </p:nvSpPr>
@@ -5504,7 +5504,7 @@
       </p:sp>
       <p:sp>
         <p:nvSpPr>
-          <p:cNvPr id="2039" name="footprint"/>
+          <p:cNvPr id="20639" name="footprint"/>
           <p:cNvSpPr/>
           <p:nvPr/>
         </p:nvSpPr>
@@ -5545,7 +5545,7 @@
       </p:sp>
       <p:sp>
         <p:nvSpPr>
-          <p:cNvPr id="2040" name="footprint"/>
+          <p:cNvPr id="20640" name="footprint"/>
           <p:cNvSpPr/>
           <p:nvPr/>
         </p:nvSpPr>
@@ -5586,7 +5586,7 @@
       </p:sp>
       <p:sp>
         <p:nvSpPr>
-          <p:cNvPr id="2041" name="footprint"/>
+          <p:cNvPr id="20641" name="footprint"/>
           <p:cNvSpPr/>
           <p:nvPr/>
         </p:nvSpPr>
@@ -5627,7 +5627,7 @@
       </p:sp>
       <p:sp>
         <p:nvSpPr>
-          <p:cNvPr id="2042" name="footprint"/>
+          <p:cNvPr id="20642" name="footprint"/>
           <p:cNvSpPr/>
           <p:nvPr/>
         </p:nvSpPr>
@@ -5668,7 +5668,7 @@
       </p:sp>
       <p:sp>
         <p:nvSpPr>
-          <p:cNvPr id="2043" name="footprint"/>
+          <p:cNvPr id="20643" name="footprint"/>
           <p:cNvSpPr/>
           <p:nvPr/>
         </p:nvSpPr>
@@ -5709,7 +5709,7 @@
       </p:sp>
       <p:sp>
         <p:nvSpPr>
-          <p:cNvPr id="2044" name="footprint"/>
+          <p:cNvPr id="20644" name="footprint"/>
           <p:cNvSpPr/>
           <p:nvPr/>
         </p:nvSpPr>
@@ -5750,7 +5750,7 @@
       </p:sp>
       <p:sp>
         <p:nvSpPr>
-          <p:cNvPr id="2045" name="footprint"/>
+          <p:cNvPr id="20645" name="footprint"/>
           <p:cNvSpPr/>
           <p:nvPr/>
         </p:nvSpPr>
@@ -5791,7 +5791,7 @@
       </p:sp>
       <p:sp>
         <p:nvSpPr>
-          <p:cNvPr id="2046" name="footprint"/>
+          <p:cNvPr id="20646" name="footprint"/>
           <p:cNvSpPr/>
           <p:nvPr/>
         </p:nvSpPr>
@@ -5832,7 +5832,7 @@
       </p:sp>
       <p:sp>
         <p:nvSpPr>
-          <p:cNvPr id="2047" name="footprint"/>
+          <p:cNvPr id="20647" name="footprint"/>
           <p:cNvSpPr/>
           <p:nvPr/>
         </p:nvSpPr>
@@ -5873,7 +5873,7 @@
       </p:sp>
       <p:sp>
         <p:nvSpPr>
-          <p:cNvPr id="2048" name="footprint"/>
+          <p:cNvPr id="20648" name="footprint"/>
           <p:cNvSpPr/>
           <p:nvPr/>
         </p:nvSpPr>
@@ -5914,7 +5914,7 @@
       </p:sp>
       <p:sp>
         <p:nvSpPr>
-          <p:cNvPr id="2049" name="footprint"/>
+          <p:cNvPr id="20649" name="footprint"/>
           <p:cNvSpPr/>
           <p:nvPr/>
         </p:nvSpPr>
@@ -5955,7 +5955,7 @@
       </p:sp>
       <p:sp>
         <p:nvSpPr>
-          <p:cNvPr id="2050" name="footprint"/>
+          <p:cNvPr id="20650" name="footprint"/>
           <p:cNvSpPr/>
           <p:nvPr/>
         </p:nvSpPr>
@@ -5996,7 +5996,7 @@
       </p:sp>
       <p:sp>
         <p:nvSpPr>
-          <p:cNvPr id="2051" name="footprint"/>
+          <p:cNvPr id="20651" name="footprint"/>
           <p:cNvSpPr/>
           <p:nvPr/>
         </p:nvSpPr>
@@ -6037,7 +6037,7 @@
       </p:sp>
       <p:sp>
         <p:nvSpPr>
-          <p:cNvPr id="2052" name="footprint"/>
+          <p:cNvPr id="20652" name="footprint"/>
           <p:cNvSpPr/>
           <p:nvPr/>
         </p:nvSpPr>
@@ -6078,7 +6078,7 @@
       </p:sp>
       <p:sp>
         <p:nvSpPr>
-          <p:cNvPr id="2053" name="footprint"/>
+          <p:cNvPr id="20653" name="footprint"/>
           <p:cNvSpPr/>
           <p:nvPr/>
         </p:nvSpPr>
@@ -6119,7 +6119,7 @@
       </p:sp>
       <p:sp>
         <p:nvSpPr>
-          <p:cNvPr id="2054" name="footprint"/>
+          <p:cNvPr id="20654" name="footprint"/>
           <p:cNvSpPr/>
           <p:nvPr/>
         </p:nvSpPr>
@@ -6160,7 +6160,7 @@
       </p:sp>
       <p:sp>
         <p:nvSpPr>
-          <p:cNvPr id="2055" name="footprint"/>
+          <p:cNvPr id="20655" name="footprint"/>
           <p:cNvSpPr/>
           <p:nvPr/>
         </p:nvSpPr>
@@ -6201,7 +6201,7 @@
       </p:sp>
       <p:sp>
         <p:nvSpPr>
-          <p:cNvPr id="2056" name="footprint"/>
+          <p:cNvPr id="20656" name="footprint"/>
           <p:cNvSpPr/>
           <p:nvPr/>
         </p:nvSpPr>
@@ -6242,7 +6242,7 @@
       </p:sp>
       <p:sp>
         <p:nvSpPr>
-          <p:cNvPr id="2057" name="footprint"/>
+          <p:cNvPr id="20657" name="footprint"/>
           <p:cNvSpPr/>
           <p:nvPr/>
         </p:nvSpPr>
@@ -6283,7 +6283,7 @@
       </p:sp>
       <p:sp>
         <p:nvSpPr>
-          <p:cNvPr id="2058" name="footprint"/>
+          <p:cNvPr id="20658" name="footprint"/>
           <p:cNvSpPr/>
           <p:nvPr/>
         </p:nvSpPr>
@@ -6324,7 +6324,7 @@
       </p:sp>
       <p:sp>
         <p:nvSpPr>
-          <p:cNvPr id="2059" name="footprint"/>
+          <p:cNvPr id="20659" name="footprint"/>
           <p:cNvSpPr/>
           <p:nvPr/>
         </p:nvSpPr>
@@ -6365,7 +6365,7 @@
       </p:sp>
       <p:sp>
         <p:nvSpPr>
-          <p:cNvPr id="2060" name="footprint"/>
+          <p:cNvPr id="20660" name="footprint"/>
           <p:cNvSpPr/>
           <p:nvPr/>
         </p:nvSpPr>
@@ -6406,7 +6406,7 @@
       </p:sp>
       <p:sp>
         <p:nvSpPr>
-          <p:cNvPr id="2061" name="footprint"/>
+          <p:cNvPr id="20661" name="footprint"/>
           <p:cNvSpPr/>
           <p:nvPr/>
         </p:nvSpPr>
@@ -6447,7 +6447,7 @@
       </p:sp>
       <p:sp>
         <p:nvSpPr>
-          <p:cNvPr id="2062" name="footprint"/>
+          <p:cNvPr id="20662" name="footprint"/>
           <p:cNvSpPr/>
           <p:nvPr/>
         </p:nvSpPr>
@@ -6488,7 +6488,7 @@
       </p:sp>
       <p:sp>
         <p:nvSpPr>
-          <p:cNvPr id="2063" name="footprint"/>
+          <p:cNvPr id="20663" name="footprint"/>
           <p:cNvSpPr/>
           <p:nvPr/>
         </p:nvSpPr>
@@ -6529,7 +6529,7 @@
       </p:sp>
       <p:sp>
         <p:nvSpPr>
-          <p:cNvPr id="2064" name="footprint"/>
+          <p:cNvPr id="20664" name="footprint"/>
           <p:cNvSpPr/>
           <p:nvPr/>
         </p:nvSpPr>
@@ -6570,7 +6570,7 @@
       </p:sp>
       <p:sp>
         <p:nvSpPr>
-          <p:cNvPr id="2065" name="footprint"/>
+          <p:cNvPr id="20665" name="footprint"/>
           <p:cNvSpPr/>
           <p:nvPr/>
         </p:nvSpPr>
@@ -6611,7 +6611,7 @@
       </p:sp>
       <p:sp>
         <p:nvSpPr>
-          <p:cNvPr id="2066" name="footprint"/>
+          <p:cNvPr id="20666" name="footprint"/>
           <p:cNvSpPr/>
           <p:nvPr/>
         </p:nvSpPr>
@@ -6652,7 +6652,7 @@
       </p:sp>
       <p:sp>
         <p:nvSpPr>
-          <p:cNvPr id="2067" name="footprint"/>
+          <p:cNvPr id="20667" name="footprint"/>
           <p:cNvSpPr/>
           <p:nvPr/>
         </p:nvSpPr>
@@ -6693,7 +6693,7 @@
       </p:sp>
       <p:sp>
         <p:nvSpPr>
-          <p:cNvPr id="2068" name="footprint"/>
+          <p:cNvPr id="20668" name="footprint"/>
           <p:cNvSpPr/>
           <p:nvPr/>
         </p:nvSpPr>
@@ -6734,7 +6734,7 @@
       </p:sp>
       <p:sp>
         <p:nvSpPr>
-          <p:cNvPr id="2069" name="footprint"/>
+          <p:cNvPr id="20669" name="footprint"/>
           <p:cNvSpPr/>
           <p:nvPr/>
         </p:nvSpPr>
@@ -6775,7 +6775,7 @@
       </p:sp>
       <p:sp>
         <p:nvSpPr>
-          <p:cNvPr id="2070" name="footprint"/>
+          <p:cNvPr id="20670" name="footprint"/>
           <p:cNvSpPr/>
           <p:nvPr/>
         </p:nvSpPr>
@@ -6816,7 +6816,7 @@
       </p:sp>
       <p:sp>
         <p:nvSpPr>
-          <p:cNvPr id="2071" name="footprint"/>
+          <p:cNvPr id="20671" name="footprint"/>
           <p:cNvSpPr/>
           <p:nvPr/>
         </p:nvSpPr>
@@ -6857,7 +6857,7 @@
       </p:sp>
       <p:sp>
         <p:nvSpPr>
-          <p:cNvPr id="2072" name="footprint"/>
+          <p:cNvPr id="20672" name="footprint"/>
           <p:cNvSpPr/>
           <p:nvPr/>
         </p:nvSpPr>
@@ -6898,7 +6898,7 @@
       </p:sp>
       <p:sp>
         <p:nvSpPr>
-          <p:cNvPr id="2073" name="footprint"/>
+          <p:cNvPr id="20673" name="footprint"/>
           <p:cNvSpPr/>
           <p:nvPr/>
         </p:nvSpPr>
@@ -6939,7 +6939,7 @@
       </p:sp>
       <p:sp>
         <p:nvSpPr>
-          <p:cNvPr id="2074" name="footprint"/>
+          <p:cNvPr id="20674" name="footprint"/>
           <p:cNvSpPr/>
           <p:nvPr/>
         </p:nvSpPr>
@@ -6980,7 +6980,7 @@
       </p:sp>
       <p:sp>
         <p:nvSpPr>
-          <p:cNvPr id="2075" name="footprint"/>
+          <p:cNvPr id="20675" name="footprint"/>
           <p:cNvSpPr/>
           <p:nvPr/>
         </p:nvSpPr>
@@ -7021,7 +7021,7 @@
       </p:sp>
       <p:sp>
         <p:nvSpPr>
-          <p:cNvPr id="2076" name="footprint"/>
+          <p:cNvPr id="20676" name="footprint"/>
           <p:cNvSpPr/>
           <p:nvPr/>
         </p:nvSpPr>
@@ -7062,7 +7062,7 @@
       </p:sp>
       <p:sp>
         <p:nvSpPr>
-          <p:cNvPr id="2077" name="footprint"/>
+          <p:cNvPr id="20677" name="footprint"/>
           <p:cNvSpPr/>
           <p:nvPr/>
         </p:nvSpPr>
@@ -7103,7 +7103,7 @@
       </p:sp>
       <p:sp>
         <p:nvSpPr>
-          <p:cNvPr id="2078" name="footprint"/>
+          <p:cNvPr id="20678" name="footprint"/>
           <p:cNvSpPr/>
           <p:nvPr/>
         </p:nvSpPr>
@@ -7144,7 +7144,7 @@
       </p:sp>
       <p:sp>
         <p:nvSpPr>
-          <p:cNvPr id="2079" name="footprint"/>
+          <p:cNvPr id="20679" name="footprint"/>
           <p:cNvSpPr/>
           <p:nvPr/>
         </p:nvSpPr>
@@ -7185,7 +7185,7 @@
       </p:sp>
       <p:sp>
         <p:nvSpPr>
-          <p:cNvPr id="2080" name="footprint"/>
+          <p:cNvPr id="20680" name="footprint"/>
           <p:cNvSpPr/>
           <p:nvPr/>
         </p:nvSpPr>
@@ -7226,7 +7226,7 @@
       </p:sp>
       <p:sp>
         <p:nvSpPr>
-          <p:cNvPr id="2081" name="footprint"/>
+          <p:cNvPr id="20681" name="footprint"/>
           <p:cNvSpPr/>
           <p:nvPr/>
         </p:nvSpPr>
@@ -7267,7 +7267,7 @@
       </p:sp>
       <p:sp>
         <p:nvSpPr>
-          <p:cNvPr id="2082" name="footprint"/>
+          <p:cNvPr id="20682" name="footprint"/>
           <p:cNvSpPr/>
           <p:nvPr/>
         </p:nvSpPr>
@@ -7308,7 +7308,7 @@
       </p:sp>
       <p:sp>
         <p:nvSpPr>
-          <p:cNvPr id="2083" name="footprint"/>
+          <p:cNvPr id="20683" name="footprint"/>
           <p:cNvSpPr/>
           <p:nvPr/>
         </p:nvSpPr>
@@ -7349,7 +7349,7 @@
       </p:sp>
       <p:sp>
         <p:nvSpPr>
-          <p:cNvPr id="2084" name="footprint"/>
+          <p:cNvPr id="20684" name="footprint"/>
           <p:cNvSpPr/>
           <p:nvPr/>
         </p:nvSpPr>
@@ -7390,7 +7390,7 @@
       </p:sp>
       <p:sp>
         <p:nvSpPr>
-          <p:cNvPr id="2085" name="footprint"/>
+          <p:cNvPr id="20685" name="footprint"/>
           <p:cNvSpPr/>
           <p:nvPr/>
         </p:nvSpPr>
@@ -7431,7 +7431,7 @@
       </p:sp>
       <p:sp>
         <p:nvSpPr>
-          <p:cNvPr id="2086" name="footprint"/>
+          <p:cNvPr id="20686" name="footprint"/>
           <p:cNvSpPr/>
           <p:nvPr/>
         </p:nvSpPr>
@@ -7472,7 +7472,7 @@
       </p:sp>
       <p:sp>
         <p:nvSpPr>
-          <p:cNvPr id="2087" name="footprint"/>
+          <p:cNvPr id="20687" name="footprint"/>
           <p:cNvSpPr/>
           <p:nvPr/>
         </p:nvSpPr>
@@ -7513,7 +7513,7 @@
       </p:sp>
       <p:sp>
         <p:nvSpPr>
-          <p:cNvPr id="2088" name="footprint"/>
+          <p:cNvPr id="20688" name="footprint"/>
           <p:cNvSpPr/>
           <p:nvPr/>
         </p:nvSpPr>
@@ -7554,7 +7554,7 @@
       </p:sp>
       <p:sp>
         <p:nvSpPr>
-          <p:cNvPr id="2089" name="footprint"/>
+          <p:cNvPr id="20689" name="footprint"/>
           <p:cNvSpPr/>
           <p:nvPr/>
         </p:nvSpPr>
@@ -7595,7 +7595,7 @@
       </p:sp>
       <p:sp>
         <p:nvSpPr>
-          <p:cNvPr id="2090" name="footprint"/>
+          <p:cNvPr id="20690" name="footprint"/>
           <p:cNvSpPr/>
           <p:nvPr/>
         </p:nvSpPr>
@@ -7636,7 +7636,7 @@
       </p:sp>
       <p:sp>
         <p:nvSpPr>
-          <p:cNvPr id="2091" name="footprint"/>
+          <p:cNvPr id="20691" name="footprint"/>
           <p:cNvSpPr/>
           <p:nvPr/>
         </p:nvSpPr>
@@ -7677,7 +7677,7 @@
       </p:sp>
       <p:sp>
         <p:nvSpPr>
-          <p:cNvPr id="2092" name="footprint"/>
+          <p:cNvPr id="20692" name="footprint"/>
           <p:cNvSpPr/>
           <p:nvPr/>
         </p:nvSpPr>
@@ -7718,7 +7718,7 @@
       </p:sp>
       <p:sp>
         <p:nvSpPr>
-          <p:cNvPr id="2093" name="footprint"/>
+          <p:cNvPr id="20693" name="footprint"/>
           <p:cNvSpPr/>
           <p:nvPr/>
         </p:nvSpPr>
@@ -7759,7 +7759,7 @@
       </p:sp>
       <p:sp>
         <p:nvSpPr>
-          <p:cNvPr id="2094" name="footprint"/>
+          <p:cNvPr id="20694" name="footprint"/>
           <p:cNvSpPr/>
           <p:nvPr/>
         </p:nvSpPr>
@@ -7800,7 +7800,7 @@
       </p:sp>
       <p:sp>
         <p:nvSpPr>
-          <p:cNvPr id="2095" name="footprint"/>
+          <p:cNvPr id="20695" name="footprint"/>
           <p:cNvSpPr/>
           <p:nvPr/>
         </p:nvSpPr>
@@ -7841,7 +7841,7 @@
       </p:sp>
       <p:sp>
         <p:nvSpPr>
-          <p:cNvPr id="2096" name="footprint"/>
+          <p:cNvPr id="20696" name="footprint"/>
           <p:cNvSpPr/>
           <p:nvPr/>
         </p:nvSpPr>
@@ -7882,7 +7882,7 @@
       </p:sp>
       <p:sp>
         <p:nvSpPr>
-          <p:cNvPr id="2097" name="footprint"/>
+          <p:cNvPr id="20697" name="footprint"/>
           <p:cNvSpPr/>
           <p:nvPr/>
         </p:nvSpPr>
@@ -7923,7 +7923,7 @@
       </p:sp>
       <p:sp>
         <p:nvSpPr>
-          <p:cNvPr id="2098" name="footprint"/>
+          <p:cNvPr id="20698" name="footprint"/>
           <p:cNvSpPr/>
           <p:nvPr/>
         </p:nvSpPr>
@@ -7964,7 +7964,7 @@
       </p:sp>
       <p:sp>
         <p:nvSpPr>
-          <p:cNvPr id="2099" name="footprint"/>
+          <p:cNvPr id="20699" name="footprint"/>
           <p:cNvSpPr/>
           <p:nvPr/>
         </p:nvSpPr>
@@ -8005,7 +8005,7 @@
       </p:sp>
       <p:sp>
         <p:nvSpPr>
-          <p:cNvPr id="2100" name="footprint"/>
+          <p:cNvPr id="20700" name="footprint"/>
           <p:cNvSpPr/>
           <p:nvPr/>
         </p:nvSpPr>
@@ -8046,7 +8046,7 @@
       </p:sp>
       <p:sp>
         <p:nvSpPr>
-          <p:cNvPr id="2101" name="footprint"/>
+          <p:cNvPr id="20701" name="footprint"/>
           <p:cNvSpPr/>
           <p:nvPr/>
         </p:nvSpPr>
@@ -8087,7 +8087,7 @@
       </p:sp>
       <p:sp>
         <p:nvSpPr>
-          <p:cNvPr id="2102" name="footprint"/>
+          <p:cNvPr id="20702" name="footprint"/>
           <p:cNvSpPr/>
           <p:nvPr/>
         </p:nvSpPr>
@@ -8128,7 +8128,7 @@
       </p:sp>
       <p:sp>
         <p:nvSpPr>
-          <p:cNvPr id="2103" name="footprint"/>
+          <p:cNvPr id="20703" name="footprint"/>
           <p:cNvSpPr/>
           <p:nvPr/>
         </p:nvSpPr>
@@ -8169,7 +8169,7 @@
       </p:sp>
       <p:sp>
         <p:nvSpPr>
-          <p:cNvPr id="2104" name="footprint"/>
+          <p:cNvPr id="20704" name="footprint"/>
           <p:cNvSpPr/>
           <p:nvPr/>
         </p:nvSpPr>
@@ -8210,7 +8210,7 @@
       </p:sp>
       <p:sp>
         <p:nvSpPr>
-          <p:cNvPr id="2105" name="footprint"/>
+          <p:cNvPr id="20705" name="footprint"/>
           <p:cNvSpPr/>
           <p:nvPr/>
         </p:nvSpPr>
@@ -8251,7 +8251,7 @@
       </p:sp>
       <p:sp>
         <p:nvSpPr>
-          <p:cNvPr id="2106" name="footprint"/>
+          <p:cNvPr id="20706" name="footprint"/>
           <p:cNvSpPr/>
           <p:nvPr/>
         </p:nvSpPr>
@@ -8292,7 +8292,7 @@
       </p:sp>
       <p:sp>
         <p:nvSpPr>
-          <p:cNvPr id="2107" name="footprint"/>
+          <p:cNvPr id="20707" name="footprint"/>
           <p:cNvSpPr/>
           <p:nvPr/>
         </p:nvSpPr>
@@ -8333,7 +8333,7 @@
       </p:sp>
       <p:sp>
         <p:nvSpPr>
-          <p:cNvPr id="2108" name="footprint"/>
+          <p:cNvPr id="20708" name="footprint"/>
           <p:cNvSpPr/>
           <p:nvPr/>
         </p:nvSpPr>
@@ -8374,7 +8374,7 @@
       </p:sp>
       <p:sp>
         <p:nvSpPr>
-          <p:cNvPr id="2109" name="footprint"/>
+          <p:cNvPr id="20709" name="footprint"/>
           <p:cNvSpPr/>
           <p:nvPr/>
         </p:nvSpPr>
@@ -8415,7 +8415,7 @@
       </p:sp>
       <p:sp>
         <p:nvSpPr>
-          <p:cNvPr id="2110" name="footprint"/>
+          <p:cNvPr id="20710" name="footprint"/>
           <p:cNvSpPr/>
           <p:nvPr/>
         </p:nvSpPr>
@@ -8456,7 +8456,7 @@
       </p:sp>
       <p:sp>
         <p:nvSpPr>
-          <p:cNvPr id="2111" name="footprint"/>
+          <p:cNvPr id="20711" name="footprint"/>
           <p:cNvSpPr/>
           <p:nvPr/>
         </p:nvSpPr>
@@ -8497,7 +8497,7 @@
       </p:sp>
       <p:sp>
         <p:nvSpPr>
-          <p:cNvPr id="2112" name="footprint"/>
+          <p:cNvPr id="20712" name="footprint"/>
           <p:cNvSpPr/>
           <p:nvPr/>
         </p:nvSpPr>
@@ -8538,7 +8538,7 @@
       </p:sp>
       <p:sp>
         <p:nvSpPr>
-          <p:cNvPr id="2113" name="footprint"/>
+          <p:cNvPr id="20713" name="footprint"/>
           <p:cNvSpPr/>
           <p:nvPr/>
         </p:nvSpPr>
@@ -8579,7 +8579,7 @@
       </p:sp>
       <p:sp>
         <p:nvSpPr>
-          <p:cNvPr id="2114" name="footprint"/>
+          <p:cNvPr id="20714" name="footprint"/>
           <p:cNvSpPr/>
           <p:nvPr/>
         </p:nvSpPr>
@@ -8620,7 +8620,7 @@
       </p:sp>
       <p:sp>
         <p:nvSpPr>
-          <p:cNvPr id="2115" name="footprint"/>
+          <p:cNvPr id="20715" name="footprint"/>
           <p:cNvSpPr/>
           <p:nvPr/>
         </p:nvSpPr>
@@ -8661,7 +8661,7 @@
       </p:sp>
       <p:sp>
         <p:nvSpPr>
-          <p:cNvPr id="2116" name="footprint"/>
+          <p:cNvPr id="20716" name="footprint"/>
           <p:cNvSpPr/>
           <p:nvPr/>
         </p:nvSpPr>
@@ -8702,7 +8702,7 @@
       </p:sp>
       <p:sp>
         <p:nvSpPr>
-          <p:cNvPr id="2117" name="footprint"/>
+          <p:cNvPr id="20717" name="footprint"/>
           <p:cNvSpPr/>
           <p:nvPr/>
         </p:nvSpPr>
@@ -8743,7 +8743,7 @@
       </p:sp>
       <p:sp>
         <p:nvSpPr>
-          <p:cNvPr id="2118" name="footprint"/>
+          <p:cNvPr id="20718" name="footprint"/>
           <p:cNvSpPr/>
           <p:nvPr/>
         </p:nvSpPr>
@@ -8784,7 +8784,7 @@
       </p:sp>
       <p:sp>
         <p:nvSpPr>
-          <p:cNvPr id="2119" name="footprint"/>
+          <p:cNvPr id="20719" name="footprint"/>
           <p:cNvSpPr/>
           <p:nvPr/>
         </p:nvSpPr>
@@ -8825,7 +8825,7 @@
       </p:sp>
       <p:sp>
         <p:nvSpPr>
-          <p:cNvPr id="2120" name="footprint"/>
+          <p:cNvPr id="20720" name="footprint"/>
           <p:cNvSpPr/>
           <p:nvPr/>
         </p:nvSpPr>
@@ -8866,7 +8866,7 @@
       </p:sp>
       <p:sp>
         <p:nvSpPr>
-          <p:cNvPr id="2121" name="footprint"/>
+          <p:cNvPr id="20721" name="footprint"/>
           <p:cNvSpPr/>
           <p:nvPr/>
         </p:nvSpPr>
@@ -8907,7 +8907,7 @@
       </p:sp>
       <p:sp>
         <p:nvSpPr>
-          <p:cNvPr id="2122" name="footprint"/>
+          <p:cNvPr id="20722" name="footprint"/>
           <p:cNvSpPr/>
           <p:nvPr/>
         </p:nvSpPr>
@@ -8948,7 +8948,7 @@
       </p:sp>
       <p:sp>
         <p:nvSpPr>
-          <p:cNvPr id="2123" name="footprint"/>
+          <p:cNvPr id="20723" name="footprint"/>
           <p:cNvSpPr/>
           <p:nvPr/>
         </p:nvSpPr>
@@ -19983,7 +19983,7 @@
                                           </p:stCondLst>
                                         </p:cTn>
                                         <p:tgtEl>
-                                          <p:spTgt spid="2000"/>
+                                          <p:spTgt spid="20600"/>
                                         </p:tgtEl>
                                         <p:attrNameLst>
                                           <p:attrName>style.visibility</p:attrName>
@@ -20010,7 +20010,7 @@
                                           </p:stCondLst>
                                         </p:cTn>
                                         <p:tgtEl>
-                                          <p:spTgt spid="2001"/>
+                                          <p:spTgt spid="20601"/>
                                         </p:tgtEl>
                                         <p:attrNameLst>
                                           <p:attrName>style.visibility</p:attrName>
@@ -20037,7 +20037,7 @@
                                           </p:stCondLst>
                                         </p:cTn>
                                         <p:tgtEl>
-                                          <p:spTgt spid="2002"/>
+                                          <p:spTgt spid="20602"/>
                                         </p:tgtEl>
                                         <p:attrNameLst>
                                           <p:attrName>style.visibility</p:attrName>
@@ -20064,7 +20064,7 @@
                                           </p:stCondLst>
                                         </p:cTn>
                                         <p:tgtEl>
-                                          <p:spTgt spid="2003"/>
+                                          <p:spTgt spid="20603"/>
                                         </p:tgtEl>
                                         <p:attrNameLst>
                                           <p:attrName>style.visibility</p:attrName>
@@ -20091,7 +20091,7 @@
                                           </p:stCondLst>
                                         </p:cTn>
                                         <p:tgtEl>
-                                          <p:spTgt spid="2004"/>
+                                          <p:spTgt spid="20604"/>
                                         </p:tgtEl>
                                         <p:attrNameLst>
                                           <p:attrName>style.visibility</p:attrName>
@@ -20118,7 +20118,7 @@
                                           </p:stCondLst>
                                         </p:cTn>
                                         <p:tgtEl>
-                                          <p:spTgt spid="2005"/>
+                                          <p:spTgt spid="20605"/>
                                         </p:tgtEl>
                                         <p:attrNameLst>
                                           <p:attrName>style.visibility</p:attrName>
@@ -20145,7 +20145,7 @@
                                           </p:stCondLst>
                                         </p:cTn>
                                         <p:tgtEl>
-                                          <p:spTgt spid="2006"/>
+                                          <p:spTgt spid="20606"/>
                                         </p:tgtEl>
                                         <p:attrNameLst>
                                           <p:attrName>style.visibility</p:attrName>
@@ -20172,7 +20172,7 @@
                                           </p:stCondLst>
                                         </p:cTn>
                                         <p:tgtEl>
-                                          <p:spTgt spid="2007"/>
+                                          <p:spTgt spid="20607"/>
                                         </p:tgtEl>
                                         <p:attrNameLst>
                                           <p:attrName>style.visibility</p:attrName>
@@ -20199,7 +20199,7 @@
                                           </p:stCondLst>
                                         </p:cTn>
                                         <p:tgtEl>
-                                          <p:spTgt spid="2008"/>
+                                          <p:spTgt spid="20608"/>
                                         </p:tgtEl>
                                         <p:attrNameLst>
                                           <p:attrName>style.visibility</p:attrName>
@@ -20226,7 +20226,7 @@
                                           </p:stCondLst>
                                         </p:cTn>
                                         <p:tgtEl>
-                                          <p:spTgt spid="2009"/>
+                                          <p:spTgt spid="20609"/>
                                         </p:tgtEl>
                                         <p:attrNameLst>
                                           <p:attrName>style.visibility</p:attrName>
@@ -20253,7 +20253,7 @@
                                           </p:stCondLst>
                                         </p:cTn>
                                         <p:tgtEl>
-                                          <p:spTgt spid="2010"/>
+                                          <p:spTgt spid="20610"/>
                                         </p:tgtEl>
                                         <p:attrNameLst>
                                           <p:attrName>style.visibility</p:attrName>
@@ -20280,7 +20280,7 @@
                                           </p:stCondLst>
                                         </p:cTn>
                                         <p:tgtEl>
-                                          <p:spTgt spid="2011"/>
+                                          <p:spTgt spid="20611"/>
                                         </p:tgtEl>
                                         <p:attrNameLst>
                                           <p:attrName>style.visibility</p:attrName>
@@ -20307,7 +20307,7 @@
                                           </p:stCondLst>
                                         </p:cTn>
                                         <p:tgtEl>
-                                          <p:spTgt spid="2012"/>
+                                          <p:spTgt spid="20612"/>
                                         </p:tgtEl>
                                         <p:attrNameLst>
                                           <p:attrName>style.visibility</p:attrName>
@@ -20334,7 +20334,7 @@
                                           </p:stCondLst>
                                         </p:cTn>
                                         <p:tgtEl>
-                                          <p:spTgt spid="2013"/>
+                                          <p:spTgt spid="20613"/>
                                         </p:tgtEl>
                                         <p:attrNameLst>
                                           <p:attrName>style.visibility</p:attrName>
@@ -20361,7 +20361,7 @@
                                           </p:stCondLst>
                                         </p:cTn>
                                         <p:tgtEl>
-                                          <p:spTgt spid="2014"/>
+                                          <p:spTgt spid="20614"/>
                                         </p:tgtEl>
                                         <p:attrNameLst>
                                           <p:attrName>style.visibility</p:attrName>
@@ -20388,7 +20388,7 @@
                                           </p:stCondLst>
                                         </p:cTn>
                                         <p:tgtEl>
-                                          <p:spTgt spid="2015"/>
+                                          <p:spTgt spid="20615"/>
                                         </p:tgtEl>
                                         <p:attrNameLst>
                                           <p:attrName>style.visibility</p:attrName>
@@ -20415,7 +20415,7 @@
                                           </p:stCondLst>
                                         </p:cTn>
                                         <p:tgtEl>
-                                          <p:spTgt spid="2016"/>
+                                          <p:spTgt spid="20616"/>
                                         </p:tgtEl>
                                         <p:attrNameLst>
                                           <p:attrName>style.visibility</p:attrName>
@@ -20442,7 +20442,7 @@
                                           </p:stCondLst>
                                         </p:cTn>
                                         <p:tgtEl>
-                                          <p:spTgt spid="2017"/>
+                                          <p:spTgt spid="20617"/>
                                         </p:tgtEl>
                                         <p:attrNameLst>
                                           <p:attrName>style.visibility</p:attrName>
@@ -20469,7 +20469,7 @@
                                           </p:stCondLst>
                                         </p:cTn>
                                         <p:tgtEl>
-                                          <p:spTgt spid="2018"/>
+                                          <p:spTgt spid="20618"/>
                                         </p:tgtEl>
                                         <p:attrNameLst>
                                           <p:attrName>style.visibility</p:attrName>
@@ -20496,7 +20496,7 @@
                                           </p:stCondLst>
                                         </p:cTn>
                                         <p:tgtEl>
-                                          <p:spTgt spid="2019"/>
+                                          <p:spTgt spid="20619"/>
                                         </p:tgtEl>
                                         <p:attrNameLst>
                                           <p:attrName>style.visibility</p:attrName>
@@ -20523,7 +20523,7 @@
                                           </p:stCondLst>
                                         </p:cTn>
                                         <p:tgtEl>
-                                          <p:spTgt spid="2020"/>
+                                          <p:spTgt spid="20620"/>
                                         </p:tgtEl>
                                         <p:attrNameLst>
                                           <p:attrName>style.visibility</p:attrName>
@@ -20550,7 +20550,7 @@
                                           </p:stCondLst>
                                         </p:cTn>
                                         <p:tgtEl>
-                                          <p:spTgt spid="2021"/>
+                                          <p:spTgt spid="20621"/>
                                         </p:tgtEl>
                                         <p:attrNameLst>
                                           <p:attrName>style.visibility</p:attrName>
@@ -20577,7 +20577,7 @@
                                           </p:stCondLst>
                                         </p:cTn>
                                         <p:tgtEl>
-                                          <p:spTgt spid="2022"/>
+                                          <p:spTgt spid="20622"/>
                                         </p:tgtEl>
                                         <p:attrNameLst>
                                           <p:attrName>style.visibility</p:attrName>
@@ -20604,7 +20604,7 @@
                                           </p:stCondLst>
                                         </p:cTn>
                                         <p:tgtEl>
-                                          <p:spTgt spid="2023"/>
+                                          <p:spTgt spid="20623"/>
                                         </p:tgtEl>
                                         <p:attrNameLst>
                                           <p:attrName>style.visibility</p:attrName>
@@ -20631,7 +20631,7 @@
                                           </p:stCondLst>
                                         </p:cTn>
                                         <p:tgtEl>
-                                          <p:spTgt spid="2024"/>
+                                          <p:spTgt spid="20624"/>
                                         </p:tgtEl>
                                         <p:attrNameLst>
                                           <p:attrName>style.visibility</p:attrName>
@@ -20658,7 +20658,7 @@
                                           </p:stCondLst>
                                         </p:cTn>
                                         <p:tgtEl>
-                                          <p:spTgt spid="2025"/>
+                                          <p:spTgt spid="20625"/>
                                         </p:tgtEl>
                                         <p:attrNameLst>
                                           <p:attrName>style.visibility</p:attrName>
@@ -20685,7 +20685,7 @@
                                           </p:stCondLst>
                                         </p:cTn>
                                         <p:tgtEl>
-                                          <p:spTgt spid="2026"/>
+                                          <p:spTgt spid="20626"/>
                                         </p:tgtEl>
                                         <p:attrNameLst>
                                           <p:attrName>style.visibility</p:attrName>
@@ -20712,7 +20712,7 @@
                                           </p:stCondLst>
                                         </p:cTn>
                                         <p:tgtEl>
-                                          <p:spTgt spid="2027"/>
+                                          <p:spTgt spid="20627"/>
                                         </p:tgtEl>
                                         <p:attrNameLst>
                                           <p:attrName>style.visibility</p:attrName>
@@ -20739,7 +20739,7 @@
                                           </p:stCondLst>
                                         </p:cTn>
                                         <p:tgtEl>
-                                          <p:spTgt spid="2028"/>
+                                          <p:spTgt spid="20628"/>
                                         </p:tgtEl>
                                         <p:attrNameLst>
                                           <p:attrName>style.visibility</p:attrName>
@@ -20766,7 +20766,7 @@
                                           </p:stCondLst>
                                         </p:cTn>
                                         <p:tgtEl>
-                                          <p:spTgt spid="2029"/>
+                                          <p:spTgt spid="20629"/>
                                         </p:tgtEl>
                                         <p:attrNameLst>
                                           <p:attrName>style.visibility</p:attrName>
@@ -20793,7 +20793,7 @@
                                           </p:stCondLst>
                                         </p:cTn>
                                         <p:tgtEl>
-                                          <p:spTgt spid="2030"/>
+                                          <p:spTgt spid="20630"/>
                                         </p:tgtEl>
                                         <p:attrNameLst>
                                           <p:attrName>style.visibility</p:attrName>
@@ -20820,7 +20820,7 @@
                                           </p:stCondLst>
                                         </p:cTn>
                                         <p:tgtEl>
-                                          <p:spTgt spid="2031"/>
+                                          <p:spTgt spid="20631"/>
                                         </p:tgtEl>
                                         <p:attrNameLst>
                                           <p:attrName>style.visibility</p:attrName>
@@ -20847,7 +20847,7 @@
                                           </p:stCondLst>
                                         </p:cTn>
                                         <p:tgtEl>
-                                          <p:spTgt spid="2032"/>
+                                          <p:spTgt spid="20632"/>
                                         </p:tgtEl>
                                         <p:attrNameLst>
                                           <p:attrName>style.visibility</p:attrName>
@@ -20874,7 +20874,7 @@
                                           </p:stCondLst>
                                         </p:cTn>
                                         <p:tgtEl>
-                                          <p:spTgt spid="2033"/>
+                                          <p:spTgt spid="20633"/>
                                         </p:tgtEl>
                                         <p:attrNameLst>
                                           <p:attrName>style.visibility</p:attrName>
@@ -20901,7 +20901,7 @@
                                           </p:stCondLst>
                                         </p:cTn>
                                         <p:tgtEl>
-                                          <p:spTgt spid="2034"/>
+                                          <p:spTgt spid="20634"/>
                                         </p:tgtEl>
                                         <p:attrNameLst>
                                           <p:attrName>style.visibility</p:attrName>
@@ -20928,7 +20928,7 @@
                                           </p:stCondLst>
                                         </p:cTn>
                                         <p:tgtEl>
-                                          <p:spTgt spid="2035"/>
+                                          <p:spTgt spid="20635"/>
                                         </p:tgtEl>
                                         <p:attrNameLst>
                                           <p:attrName>style.visibility</p:attrName>
@@ -20955,7 +20955,7 @@
                                           </p:stCondLst>
                                         </p:cTn>
                                         <p:tgtEl>
-                                          <p:spTgt spid="2036"/>
+                                          <p:spTgt spid="20636"/>
                                         </p:tgtEl>
                                         <p:attrNameLst>
                                           <p:attrName>style.visibility</p:attrName>
@@ -20982,7 +20982,7 @@
                                           </p:stCondLst>
                                         </p:cTn>
                                         <p:tgtEl>
-                                          <p:spTgt spid="2037"/>
+                                          <p:spTgt spid="20637"/>
                                         </p:tgtEl>
                                         <p:attrNameLst>
                                           <p:attrName>style.visibility</p:attrName>
@@ -21009,7 +21009,7 @@
                                           </p:stCondLst>
                                         </p:cTn>
                                         <p:tgtEl>
-                                          <p:spTgt spid="2038"/>
+                                          <p:spTgt spid="20638"/>
                                         </p:tgtEl>
                                         <p:attrNameLst>
                                           <p:attrName>style.visibility</p:attrName>
@@ -21036,7 +21036,7 @@
                                           </p:stCondLst>
                                         </p:cTn>
                                         <p:tgtEl>
-                                          <p:spTgt spid="2039"/>
+                                          <p:spTgt spid="20639"/>
                                         </p:tgtEl>
                                         <p:attrNameLst>
                                           <p:attrName>style.visibility</p:attrName>
@@ -21063,7 +21063,7 @@
                                           </p:stCondLst>
                                         </p:cTn>
                                         <p:tgtEl>
-                                          <p:spTgt spid="2040"/>
+                                          <p:spTgt spid="20640"/>
                                         </p:tgtEl>
                                         <p:attrNameLst>
                                           <p:attrName>style.visibility</p:attrName>
@@ -21090,7 +21090,7 @@
                                           </p:stCondLst>
                                         </p:cTn>
                                         <p:tgtEl>
-                                          <p:spTgt spid="2041"/>
+                                          <p:spTgt spid="20641"/>
                                         </p:tgtEl>
                                         <p:attrNameLst>
                                           <p:attrName>style.visibility</p:attrName>
@@ -21117,7 +21117,7 @@
                                           </p:stCondLst>
                                         </p:cTn>
                                         <p:tgtEl>
-                                          <p:spTgt spid="2042"/>
+                                          <p:spTgt spid="20642"/>
                                         </p:tgtEl>
                                         <p:attrNameLst>
                                           <p:attrName>style.visibility</p:attrName>
@@ -21144,7 +21144,7 @@
                                           </p:stCondLst>
                                         </p:cTn>
                                         <p:tgtEl>
-                                          <p:spTgt spid="2043"/>
+                                          <p:spTgt spid="20643"/>
                                         </p:tgtEl>
                                         <p:attrNameLst>
                                           <p:attrName>style.visibility</p:attrName>
@@ -21171,7 +21171,7 @@
                                           </p:stCondLst>
                                         </p:cTn>
                                         <p:tgtEl>
-                                          <p:spTgt spid="2044"/>
+                                          <p:spTgt spid="20644"/>
                                         </p:tgtEl>
                                         <p:attrNameLst>
                                           <p:attrName>style.visibility</p:attrName>
@@ -21198,7 +21198,7 @@
                                           </p:stCondLst>
                                         </p:cTn>
                                         <p:tgtEl>
-                                          <p:spTgt spid="2045"/>
+                                          <p:spTgt spid="20645"/>
                                         </p:tgtEl>
                                         <p:attrNameLst>
                                           <p:attrName>style.visibility</p:attrName>
@@ -21225,7 +21225,7 @@
                                           </p:stCondLst>
                                         </p:cTn>
                                         <p:tgtEl>
-                                          <p:spTgt spid="2046"/>
+                                          <p:spTgt spid="20646"/>
                                         </p:tgtEl>
                                         <p:attrNameLst>
                                           <p:attrName>style.visibility</p:attrName>
@@ -21252,7 +21252,7 @@
                                           </p:stCondLst>
                                         </p:cTn>
                                         <p:tgtEl>
-                                          <p:spTgt spid="2047"/>
+                                          <p:spTgt spid="20647"/>
                                         </p:tgtEl>
                                         <p:attrNameLst>
                                           <p:attrName>style.visibility</p:attrName>
@@ -21279,7 +21279,7 @@
                                           </p:stCondLst>
                                         </p:cTn>
                                         <p:tgtEl>
-                                          <p:spTgt spid="2048"/>
+                                          <p:spTgt spid="20648"/>
                                         </p:tgtEl>
                                         <p:attrNameLst>
                                           <p:attrName>style.visibility</p:attrName>
@@ -21306,7 +21306,7 @@
                                           </p:stCondLst>
                                         </p:cTn>
                                         <p:tgtEl>
-                                          <p:spTgt spid="2049"/>
+                                          <p:spTgt spid="20649"/>
                                         </p:tgtEl>
                                         <p:attrNameLst>
                                           <p:attrName>style.visibility</p:attrName>
@@ -21333,7 +21333,7 @@
                                           </p:stCondLst>
                                         </p:cTn>
                                         <p:tgtEl>
-                                          <p:spTgt spid="2050"/>
+                                          <p:spTgt spid="20650"/>
                                         </p:tgtEl>
                                         <p:attrNameLst>
                                           <p:attrName>style.visibility</p:attrName>
@@ -21360,7 +21360,7 @@
                                           </p:stCondLst>
                                         </p:cTn>
                                         <p:tgtEl>
-                                          <p:spTgt spid="2051"/>
+                                          <p:spTgt spid="20651"/>
                                         </p:tgtEl>
                                         <p:attrNameLst>
                                           <p:attrName>style.visibility</p:attrName>
@@ -21387,7 +21387,7 @@
                                           </p:stCondLst>
                                         </p:cTn>
                                         <p:tgtEl>
-                                          <p:spTgt spid="2052"/>
+                                          <p:spTgt spid="20652"/>
                                         </p:tgtEl>
                                         <p:attrNameLst>
                                           <p:attrName>style.visibility</p:attrName>
@@ -21414,7 +21414,7 @@
                                           </p:stCondLst>
                                         </p:cTn>
                                         <p:tgtEl>
-                                          <p:spTgt spid="2053"/>
+                                          <p:spTgt spid="20653"/>
                                         </p:tgtEl>
                                         <p:attrNameLst>
                                           <p:attrName>style.visibility</p:attrName>
@@ -21441,7 +21441,7 @@
                                           </p:stCondLst>
                                         </p:cTn>
                                         <p:tgtEl>
-                                          <p:spTgt spid="2054"/>
+                                          <p:spTgt spid="20654"/>
                                         </p:tgtEl>
                                         <p:attrNameLst>
                                           <p:attrName>style.visibility</p:attrName>
@@ -21468,7 +21468,7 @@
                                           </p:stCondLst>
                                         </p:cTn>
                                         <p:tgtEl>
-                                          <p:spTgt spid="2055"/>
+                                          <p:spTgt spid="20655"/>
                                         </p:tgtEl>
                                         <p:attrNameLst>
                                           <p:attrName>style.visibility</p:attrName>
@@ -21495,7 +21495,7 @@
                                           </p:stCondLst>
                                         </p:cTn>
                                         <p:tgtEl>
-                                          <p:spTgt spid="2056"/>
+                                          <p:spTgt spid="20656"/>
                                         </p:tgtEl>
                                         <p:attrNameLst>
                                           <p:attrName>style.visibility</p:attrName>
@@ -21522,7 +21522,7 @@
                                           </p:stCondLst>
                                         </p:cTn>
                                         <p:tgtEl>
-                                          <p:spTgt spid="2057"/>
+                                          <p:spTgt spid="20657"/>
                                         </p:tgtEl>
                                         <p:attrNameLst>
                                           <p:attrName>style.visibility</p:attrName>
@@ -21549,7 +21549,7 @@
                                           </p:stCondLst>
                                         </p:cTn>
                                         <p:tgtEl>
-                                          <p:spTgt spid="2058"/>
+                                          <p:spTgt spid="20658"/>
                                         </p:tgtEl>
                                         <p:attrNameLst>
                                           <p:attrName>style.visibility</p:attrName>
@@ -21576,7 +21576,7 @@
                                           </p:stCondLst>
                                         </p:cTn>
                                         <p:tgtEl>
-                                          <p:spTgt spid="2059"/>
+                                          <p:spTgt spid="20659"/>
                                         </p:tgtEl>
                                         <p:attrNameLst>
                                           <p:attrName>style.visibility</p:attrName>
@@ -21603,7 +21603,7 @@
                                           </p:stCondLst>
                                         </p:cTn>
                                         <p:tgtEl>
-                                          <p:spTgt spid="2060"/>
+                                          <p:spTgt spid="20660"/>
                                         </p:tgtEl>
                                         <p:attrNameLst>
                                           <p:attrName>style.visibility</p:attrName>
@@ -21630,7 +21630,7 @@
                                           </p:stCondLst>
                                         </p:cTn>
                                         <p:tgtEl>
-                                          <p:spTgt spid="2061"/>
+                                          <p:spTgt spid="20661"/>
                                         </p:tgtEl>
                                         <p:attrNameLst>
                                           <p:attrName>style.visibility</p:attrName>
@@ -21657,7 +21657,7 @@
                                           </p:stCondLst>
                                         </p:cTn>
                                         <p:tgtEl>
-                                          <p:spTgt spid="2062"/>
+                                          <p:spTgt spid="20662"/>
                                         </p:tgtEl>
                                         <p:attrNameLst>
                                           <p:attrName>style.visibility</p:attrName>
@@ -21684,7 +21684,7 @@
                                           </p:stCondLst>
                                         </p:cTn>
                                         <p:tgtEl>
-                                          <p:spTgt spid="2063"/>
+                                          <p:spTgt spid="20663"/>
                                         </p:tgtEl>
                                         <p:attrNameLst>
                                           <p:attrName>style.visibility</p:attrName>
@@ -21711,7 +21711,7 @@
                                           </p:stCondLst>
                                         </p:cTn>
                                         <p:tgtEl>
-                                          <p:spTgt spid="2064"/>
+                                          <p:spTgt spid="20664"/>
                                         </p:tgtEl>
                                         <p:attrNameLst>
                                           <p:attrName>style.visibility</p:attrName>
@@ -21738,7 +21738,7 @@
                                           </p:stCondLst>
                                         </p:cTn>
                                         <p:tgtEl>
-                                          <p:spTgt spid="2065"/>
+                                          <p:spTgt spid="20665"/>
                                         </p:tgtEl>
                                         <p:attrNameLst>
                                           <p:attrName>style.visibility</p:attrName>
@@ -21765,7 +21765,7 @@
                                           </p:stCondLst>
                                         </p:cTn>
                                         <p:tgtEl>
-                                          <p:spTgt spid="2066"/>
+                                          <p:spTgt spid="20666"/>
                                         </p:tgtEl>
                                         <p:attrNameLst>
                                           <p:attrName>style.visibility</p:attrName>
@@ -21792,7 +21792,7 @@
                                           </p:stCondLst>
                                         </p:cTn>
                                         <p:tgtEl>
-                                          <p:spTgt spid="2067"/>
+                                          <p:spTgt spid="20667"/>
                                         </p:tgtEl>
                                         <p:attrNameLst>
                                           <p:attrName>style.visibility</p:attrName>
@@ -21819,7 +21819,7 @@
                                           </p:stCondLst>
                                         </p:cTn>
                                         <p:tgtEl>
-                                          <p:spTgt spid="2068"/>
+                                          <p:spTgt spid="20668"/>
                                         </p:tgtEl>
                                         <p:attrNameLst>
                                           <p:attrName>style.visibility</p:attrName>
@@ -21846,7 +21846,7 @@
                                           </p:stCondLst>
                                         </p:cTn>
                                         <p:tgtEl>
-                                          <p:spTgt spid="2069"/>
+                                          <p:spTgt spid="20669"/>
                                         </p:tgtEl>
                                         <p:attrNameLst>
                                           <p:attrName>style.visibility</p:attrName>
@@ -21873,7 +21873,7 @@
                                           </p:stCondLst>
                                         </p:cTn>
                                         <p:tgtEl>
-                                          <p:spTgt spid="2070"/>
+                                          <p:spTgt spid="20670"/>
                                         </p:tgtEl>
                                         <p:attrNameLst>
                                           <p:attrName>style.visibility</p:attrName>
@@ -21900,7 +21900,7 @@
                                           </p:stCondLst>
                                         </p:cTn>
                                         <p:tgtEl>
-                                          <p:spTgt spid="2071"/>
+                                          <p:spTgt spid="20671"/>
                                         </p:tgtEl>
                                         <p:attrNameLst>
                                           <p:attrName>style.visibility</p:attrName>
@@ -21927,7 +21927,7 @@
                                           </p:stCondLst>
                                         </p:cTn>
                                         <p:tgtEl>
-                                          <p:spTgt spid="2072"/>
+                                          <p:spTgt spid="20672"/>
                                         </p:tgtEl>
                                         <p:attrNameLst>
                                           <p:attrName>style.visibility</p:attrName>
@@ -21954,7 +21954,7 @@
                                           </p:stCondLst>
                                         </p:cTn>
                                         <p:tgtEl>
-                                          <p:spTgt spid="2073"/>
+                                          <p:spTgt spid="20673"/>
                                         </p:tgtEl>
                                         <p:attrNameLst>
                                           <p:attrName>style.visibility</p:attrName>
@@ -21981,7 +21981,7 @@
                                           </p:stCondLst>
                                         </p:cTn>
                                         <p:tgtEl>
-                                          <p:spTgt spid="2074"/>
+                                          <p:spTgt spid="20674"/>
                                         </p:tgtEl>
                                         <p:attrNameLst>
                                           <p:attrName>style.visibility</p:attrName>
@@ -22008,7 +22008,7 @@
                                           </p:stCondLst>
                                         </p:cTn>
                                         <p:tgtEl>
-                                          <p:spTgt spid="2075"/>
+                                          <p:spTgt spid="20675"/>
                                         </p:tgtEl>
                                         <p:attrNameLst>
                                           <p:attrName>style.visibility</p:attrName>
@@ -22035,7 +22035,7 @@
                                           </p:stCondLst>
                                         </p:cTn>
                                         <p:tgtEl>
-                                          <p:spTgt spid="2076"/>
+                                          <p:spTgt spid="20676"/>
                                         </p:tgtEl>
                                         <p:attrNameLst>
                                           <p:attrName>style.visibility</p:attrName>
@@ -22062,7 +22062,7 @@
                                           </p:stCondLst>
                                         </p:cTn>
                                         <p:tgtEl>
-                                          <p:spTgt spid="2077"/>
+                                          <p:spTgt spid="20677"/>
                                         </p:tgtEl>
                                         <p:attrNameLst>
                                           <p:attrName>style.visibility</p:attrName>
@@ -22089,7 +22089,7 @@
                                           </p:stCondLst>
                                         </p:cTn>
                                         <p:tgtEl>
-                                          <p:spTgt spid="2078"/>
+                                          <p:spTgt spid="20678"/>
                                         </p:tgtEl>
                                         <p:attrNameLst>
                                           <p:attrName>style.visibility</p:attrName>
@@ -22116,7 +22116,7 @@
                                           </p:stCondLst>
                                         </p:cTn>
                                         <p:tgtEl>
-                                          <p:spTgt spid="2079"/>
+                                          <p:spTgt spid="20679"/>
                                         </p:tgtEl>
                                         <p:attrNameLst>
                                           <p:attrName>style.visibility</p:attrName>
@@ -22143,7 +22143,7 @@
                                           </p:stCondLst>
                                         </p:cTn>
                                         <p:tgtEl>
-                                          <p:spTgt spid="2080"/>
+                                          <p:spTgt spid="20680"/>
                                         </p:tgtEl>
                                         <p:attrNameLst>
                                           <p:attrName>style.visibility</p:attrName>
@@ -22170,7 +22170,7 @@
                                           </p:stCondLst>
                                         </p:cTn>
                                         <p:tgtEl>
-                                          <p:spTgt spid="2081"/>
+                                          <p:spTgt spid="20681"/>
                                         </p:tgtEl>
                                         <p:attrNameLst>
                                           <p:attrName>style.visibility</p:attrName>
@@ -22197,7 +22197,7 @@
                                           </p:stCondLst>
                                         </p:cTn>
                                         <p:tgtEl>
-                                          <p:spTgt spid="2082"/>
+                                          <p:spTgt spid="20682"/>
                                         </p:tgtEl>
                                         <p:attrNameLst>
                                           <p:attrName>style.visibility</p:attrName>
@@ -22224,7 +22224,7 @@
                                           </p:stCondLst>
                                         </p:cTn>
                                         <p:tgtEl>
-                                          <p:spTgt spid="2083"/>
+                                          <p:spTgt spid="20683"/>
                                         </p:tgtEl>
                                         <p:attrNameLst>
                                           <p:attrName>style.visibility</p:attrName>
@@ -22251,7 +22251,7 @@
                                           </p:stCondLst>
                                         </p:cTn>
                                         <p:tgtEl>
-                                          <p:spTgt spid="2084"/>
+                                          <p:spTgt spid="20684"/>
                                         </p:tgtEl>
                                         <p:attrNameLst>
                                           <p:attrName>style.visibility</p:attrName>
@@ -22278,7 +22278,7 @@
                                           </p:stCondLst>
                                         </p:cTn>
                                         <p:tgtEl>
-                                          <p:spTgt spid="2085"/>
+                                          <p:spTgt spid="20685"/>
                                         </p:tgtEl>
                                         <p:attrNameLst>
                                           <p:attrName>style.visibility</p:attrName>
@@ -22305,7 +22305,7 @@
                                           </p:stCondLst>
                                         </p:cTn>
                                         <p:tgtEl>
-                                          <p:spTgt spid="2086"/>
+                                          <p:spTgt spid="20686"/>
                                         </p:tgtEl>
                                         <p:attrNameLst>
                                           <p:attrName>style.visibility</p:attrName>
@@ -22332,7 +22332,7 @@
                                           </p:stCondLst>
                                         </p:cTn>
                                         <p:tgtEl>
-                                          <p:spTgt spid="2087"/>
+                                          <p:spTgt spid="20687"/>
                                         </p:tgtEl>
                                         <p:attrNameLst>
                                           <p:attrName>style.visibility</p:attrName>
@@ -22359,7 +22359,7 @@
                                           </p:stCondLst>
                                         </p:cTn>
                                         <p:tgtEl>
-                                          <p:spTgt spid="2088"/>
+                                          <p:spTgt spid="20688"/>
                                         </p:tgtEl>
                                         <p:attrNameLst>
                                           <p:attrName>style.visibility</p:attrName>
@@ -22386,7 +22386,7 @@
                                           </p:stCondLst>
                                         </p:cTn>
                                         <p:tgtEl>
-                                          <p:spTgt spid="2089"/>
+                                          <p:spTgt spid="20689"/>
                                         </p:tgtEl>
                                         <p:attrNameLst>
                                           <p:attrName>style.visibility</p:attrName>
@@ -22413,7 +22413,7 @@
                                           </p:stCondLst>
                                         </p:cTn>
                                         <p:tgtEl>
-                                          <p:spTgt spid="2090"/>
+                                          <p:spTgt spid="20690"/>
                                         </p:tgtEl>
                                         <p:attrNameLst>
                                           <p:attrName>style.visibility</p:attrName>
@@ -22440,7 +22440,7 @@
                                           </p:stCondLst>
                                         </p:cTn>
                                         <p:tgtEl>
-                                          <p:spTgt spid="2091"/>
+                                          <p:spTgt spid="20691"/>
                                         </p:tgtEl>
                                         <p:attrNameLst>
                                           <p:attrName>style.visibility</p:attrName>
@@ -22467,7 +22467,7 @@
                                           </p:stCondLst>
                                         </p:cTn>
                                         <p:tgtEl>
-                                          <p:spTgt spid="2092"/>
+                                          <p:spTgt spid="20692"/>
                                         </p:tgtEl>
                                         <p:attrNameLst>
                                           <p:attrName>style.visibility</p:attrName>
@@ -22494,7 +22494,7 @@
                                           </p:stCondLst>
                                         </p:cTn>
                                         <p:tgtEl>
-                                          <p:spTgt spid="2093"/>
+                                          <p:spTgt spid="20693"/>
                                         </p:tgtEl>
                                         <p:attrNameLst>
                                           <p:attrName>style.visibility</p:attrName>
@@ -22521,7 +22521,7 @@
                                           </p:stCondLst>
                                         </p:cTn>
                                         <p:tgtEl>
-                                          <p:spTgt spid="2094"/>
+                                          <p:spTgt spid="20694"/>
                                         </p:tgtEl>
                                         <p:attrNameLst>
                                           <p:attrName>style.visibility</p:attrName>
@@ -22548,7 +22548,7 @@
                                           </p:stCondLst>
                                         </p:cTn>
                                         <p:tgtEl>
-                                          <p:spTgt spid="2095"/>
+                                          <p:spTgt spid="20695"/>
                                         </p:tgtEl>
                                         <p:attrNameLst>
                                           <p:attrName>style.visibility</p:attrName>
@@ -22575,7 +22575,7 @@
                                           </p:stCondLst>
                                         </p:cTn>
                                         <p:tgtEl>
-                                          <p:spTgt spid="2096"/>
+                                          <p:spTgt spid="20696"/>
                                         </p:tgtEl>
                                         <p:attrNameLst>
                                           <p:attrName>style.visibility</p:attrName>
@@ -22602,7 +22602,7 @@
                                           </p:stCondLst>
                                         </p:cTn>
                                         <p:tgtEl>
-                                          <p:spTgt spid="2097"/>
+                                          <p:spTgt spid="20697"/>
                                         </p:tgtEl>
                                         <p:attrNameLst>
                                           <p:attrName>style.visibility</p:attrName>
@@ -22629,7 +22629,7 @@
                                           </p:stCondLst>
                                         </p:cTn>
                                         <p:tgtEl>
-                                          <p:spTgt spid="2098"/>
+                                          <p:spTgt spid="20698"/>
                                         </p:tgtEl>
                                         <p:attrNameLst>
                                           <p:attrName>style.visibility</p:attrName>
@@ -22656,7 +22656,7 @@
                                           </p:stCondLst>
                                         </p:cTn>
                                         <p:tgtEl>
-                                          <p:spTgt spid="2099"/>
+                                          <p:spTgt spid="20699"/>
                                         </p:tgtEl>
                                         <p:attrNameLst>
                                           <p:attrName>style.visibility</p:attrName>
@@ -22683,7 +22683,7 @@
                                           </p:stCondLst>
                                         </p:cTn>
                                         <p:tgtEl>
-                                          <p:spTgt spid="2100"/>
+                                          <p:spTgt spid="20700"/>
                                         </p:tgtEl>
                                         <p:attrNameLst>
                                           <p:attrName>style.visibility</p:attrName>
@@ -22710,7 +22710,7 @@
                                           </p:stCondLst>
                                         </p:cTn>
                                         <p:tgtEl>
-                                          <p:spTgt spid="2101"/>
+                                          <p:spTgt spid="20701"/>
                                         </p:tgtEl>
                                         <p:attrNameLst>
                                           <p:attrName>style.visibility</p:attrName>
@@ -22737,7 +22737,7 @@
                                           </p:stCondLst>
                                         </p:cTn>
                                         <p:tgtEl>
-                                          <p:spTgt spid="2102"/>
+                                          <p:spTgt spid="20702"/>
                                         </p:tgtEl>
                                         <p:attrNameLst>
                                           <p:attrName>style.visibility</p:attrName>
@@ -22764,7 +22764,7 @@
                                           </p:stCondLst>
                                         </p:cTn>
                                         <p:tgtEl>
-                                          <p:spTgt spid="2103"/>
+                                          <p:spTgt spid="20703"/>
                                         </p:tgtEl>
                                         <p:attrNameLst>
                                           <p:attrName>style.visibility</p:attrName>
@@ -22791,7 +22791,7 @@
                                           </p:stCondLst>
                                         </p:cTn>
                                         <p:tgtEl>
-                                          <p:spTgt spid="2104"/>
+                                          <p:spTgt spid="20704"/>
                                         </p:tgtEl>
                                         <p:attrNameLst>
                                           <p:attrName>style.visibility</p:attrName>
@@ -22818,7 +22818,7 @@
                                           </p:stCondLst>
                                         </p:cTn>
                                         <p:tgtEl>
-                                          <p:spTgt spid="2105"/>
+                                          <p:spTgt spid="20705"/>
                                         </p:tgtEl>
                                         <p:attrNameLst>
                                           <p:attrName>style.visibility</p:attrName>
@@ -22845,7 +22845,7 @@
                                           </p:stCondLst>
                                         </p:cTn>
                                         <p:tgtEl>
-                                          <p:spTgt spid="2106"/>
+                                          <p:spTgt spid="20706"/>
                                         </p:tgtEl>
                                         <p:attrNameLst>
                                           <p:attrName>style.visibility</p:attrName>
@@ -22872,7 +22872,7 @@
                                           </p:stCondLst>
                                         </p:cTn>
                                         <p:tgtEl>
-                                          <p:spTgt spid="2107"/>
+                                          <p:spTgt spid="20707"/>
                                         </p:tgtEl>
                                         <p:attrNameLst>
                                           <p:attrName>style.visibility</p:attrName>
@@ -22899,7 +22899,7 @@
                                           </p:stCondLst>
                                         </p:cTn>
                                         <p:tgtEl>
-                                          <p:spTgt spid="2108"/>
+                                          <p:spTgt spid="20708"/>
                                         </p:tgtEl>
                                         <p:attrNameLst>
                                           <p:attrName>style.visibility</p:attrName>
@@ -22926,7 +22926,7 @@
                                           </p:stCondLst>
                                         </p:cTn>
                                         <p:tgtEl>
-                                          <p:spTgt spid="2109"/>
+                                          <p:spTgt spid="20709"/>
                                         </p:tgtEl>
                                         <p:attrNameLst>
                                           <p:attrName>style.visibility</p:attrName>
@@ -22953,7 +22953,7 @@
                                           </p:stCondLst>
                                         </p:cTn>
                                         <p:tgtEl>
-                                          <p:spTgt spid="2110"/>
+                                          <p:spTgt spid="20710"/>
                                         </p:tgtEl>
                                         <p:attrNameLst>
                                           <p:attrName>style.visibility</p:attrName>
@@ -22980,7 +22980,7 @@
                                           </p:stCondLst>
                                         </p:cTn>
                                         <p:tgtEl>
-                                          <p:spTgt spid="2111"/>
+                                          <p:spTgt spid="20711"/>
                                         </p:tgtEl>
                                         <p:attrNameLst>
                                           <p:attrName>style.visibility</p:attrName>
@@ -23007,7 +23007,7 @@
                                           </p:stCondLst>
                                         </p:cTn>
                                         <p:tgtEl>
-                                          <p:spTgt spid="2112"/>
+                                          <p:spTgt spid="20712"/>
                                         </p:tgtEl>
                                         <p:attrNameLst>
                                           <p:attrName>style.visibility</p:attrName>
@@ -23034,7 +23034,7 @@
                                           </p:stCondLst>
                                         </p:cTn>
                                         <p:tgtEl>
-                                          <p:spTgt spid="2113"/>
+                                          <p:spTgt spid="20713"/>
                                         </p:tgtEl>
                                         <p:attrNameLst>
                                           <p:attrName>style.visibility</p:attrName>
@@ -23061,7 +23061,7 @@
                                           </p:stCondLst>
                                         </p:cTn>
                                         <p:tgtEl>
-                                          <p:spTgt spid="2114"/>
+                                          <p:spTgt spid="20714"/>
                                         </p:tgtEl>
                                         <p:attrNameLst>
                                           <p:attrName>style.visibility</p:attrName>
@@ -23088,7 +23088,7 @@
                                           </p:stCondLst>
                                         </p:cTn>
                                         <p:tgtEl>
-                                          <p:spTgt spid="2115"/>
+                                          <p:spTgt spid="20715"/>
                                         </p:tgtEl>
                                         <p:attrNameLst>
                                           <p:attrName>style.visibility</p:attrName>
@@ -23115,7 +23115,7 @@
                                           </p:stCondLst>
                                         </p:cTn>
                                         <p:tgtEl>
-                                          <p:spTgt spid="2116"/>
+                                          <p:spTgt spid="20716"/>
                                         </p:tgtEl>
                                         <p:attrNameLst>
                                           <p:attrName>style.visibility</p:attrName>
@@ -23142,7 +23142,7 @@
                                           </p:stCondLst>
                                         </p:cTn>
                                         <p:tgtEl>
-                                          <p:spTgt spid="2117"/>
+                                          <p:spTgt spid="20717"/>
                                         </p:tgtEl>
                                         <p:attrNameLst>
                                           <p:attrName>style.visibility</p:attrName>
@@ -23169,7 +23169,7 @@
                                           </p:stCondLst>
                                         </p:cTn>
                                         <p:tgtEl>
-                                          <p:spTgt spid="2118"/>
+                                          <p:spTgt spid="20718"/>
                                         </p:tgtEl>
                                         <p:attrNameLst>
                                           <p:attrName>style.visibility</p:attrName>
@@ -23196,7 +23196,7 @@
                                           </p:stCondLst>
                                         </p:cTn>
                                         <p:tgtEl>
-                                          <p:spTgt spid="2119"/>
+                                          <p:spTgt spid="20719"/>
                                         </p:tgtEl>
                                         <p:attrNameLst>
                                           <p:attrName>style.visibility</p:attrName>
@@ -23223,7 +23223,7 @@
                                           </p:stCondLst>
                                         </p:cTn>
                                         <p:tgtEl>
-                                          <p:spTgt spid="2120"/>
+                                          <p:spTgt spid="20720"/>
                                         </p:tgtEl>
                                         <p:attrNameLst>
                                           <p:attrName>style.visibility</p:attrName>
@@ -23250,7 +23250,7 @@
                                           </p:stCondLst>
                                         </p:cTn>
                                         <p:tgtEl>
-                                          <p:spTgt spid="2121"/>
+                                          <p:spTgt spid="20721"/>
                                         </p:tgtEl>
                                         <p:attrNameLst>
                                           <p:attrName>style.visibility</p:attrName>
@@ -23277,7 +23277,7 @@
                                           </p:stCondLst>
                                         </p:cTn>
                                         <p:tgtEl>
-                                          <p:spTgt spid="2122"/>
+                                          <p:spTgt spid="20722"/>
                                         </p:tgtEl>
                                         <p:attrNameLst>
                                           <p:attrName>style.visibility</p:attrName>
@@ -23304,7 +23304,7 @@
                                           </p:stCondLst>
                                         </p:cTn>
                                         <p:tgtEl>
-                                          <p:spTgt spid="2123"/>
+                                          <p:spTgt spid="20723"/>
                                         </p:tgtEl>
                                         <p:attrNameLst>
                                           <p:attrName>style.visibility</p:attrName>

--- a/org.mwc.debrief.legacy/test_data/master_template/scenario_long_range/scenario_long_range_temp.pptx
+++ b/org.mwc.debrief.legacy/test_data/master_template/scenario_long_range/scenario_long_range_temp.pptx
@@ -3905,7 +3905,7 @@
       </p:pic>
       <p:sp>
         <p:nvSpPr>
-          <p:cNvPr id="20600" name="footprint"/>
+          <p:cNvPr id="30000" name="footprint"/>
           <p:cNvSpPr/>
           <p:nvPr/>
         </p:nvSpPr>
@@ -3946,7 +3946,7 @@
       </p:sp>
       <p:sp>
         <p:nvSpPr>
-          <p:cNvPr id="20601" name="footprint"/>
+          <p:cNvPr id="30001" name="footprint"/>
           <p:cNvSpPr/>
           <p:nvPr/>
         </p:nvSpPr>
@@ -3987,7 +3987,7 @@
       </p:sp>
       <p:sp>
         <p:nvSpPr>
-          <p:cNvPr id="20602" name="footprint"/>
+          <p:cNvPr id="30002" name="footprint"/>
           <p:cNvSpPr/>
           <p:nvPr/>
         </p:nvSpPr>
@@ -4028,7 +4028,7 @@
       </p:sp>
       <p:sp>
         <p:nvSpPr>
-          <p:cNvPr id="20603" name="footprint"/>
+          <p:cNvPr id="30003" name="footprint"/>
           <p:cNvSpPr/>
           <p:nvPr/>
         </p:nvSpPr>
@@ -4069,7 +4069,7 @@
       </p:sp>
       <p:sp>
         <p:nvSpPr>
-          <p:cNvPr id="20604" name="footprint"/>
+          <p:cNvPr id="30004" name="footprint"/>
           <p:cNvSpPr/>
           <p:nvPr/>
         </p:nvSpPr>
@@ -4110,7 +4110,7 @@
       </p:sp>
       <p:sp>
         <p:nvSpPr>
-          <p:cNvPr id="20605" name="footprint"/>
+          <p:cNvPr id="30005" name="footprint"/>
           <p:cNvSpPr/>
           <p:nvPr/>
         </p:nvSpPr>
@@ -4151,7 +4151,7 @@
       </p:sp>
       <p:sp>
         <p:nvSpPr>
-          <p:cNvPr id="20606" name="footprint"/>
+          <p:cNvPr id="30006" name="footprint"/>
           <p:cNvSpPr/>
           <p:nvPr/>
         </p:nvSpPr>
@@ -4192,7 +4192,7 @@
       </p:sp>
       <p:sp>
         <p:nvSpPr>
-          <p:cNvPr id="20607" name="footprint"/>
+          <p:cNvPr id="30007" name="footprint"/>
           <p:cNvSpPr/>
           <p:nvPr/>
         </p:nvSpPr>
@@ -4233,7 +4233,7 @@
       </p:sp>
       <p:sp>
         <p:nvSpPr>
-          <p:cNvPr id="20608" name="footprint"/>
+          <p:cNvPr id="30008" name="footprint"/>
           <p:cNvSpPr/>
           <p:nvPr/>
         </p:nvSpPr>
@@ -4274,7 +4274,7 @@
       </p:sp>
       <p:sp>
         <p:nvSpPr>
-          <p:cNvPr id="20609" name="footprint"/>
+          <p:cNvPr id="30009" name="footprint"/>
           <p:cNvSpPr/>
           <p:nvPr/>
         </p:nvSpPr>
@@ -4315,7 +4315,7 @@
       </p:sp>
       <p:sp>
         <p:nvSpPr>
-          <p:cNvPr id="20610" name="footprint"/>
+          <p:cNvPr id="30010" name="footprint"/>
           <p:cNvSpPr/>
           <p:nvPr/>
         </p:nvSpPr>
@@ -4356,7 +4356,7 @@
       </p:sp>
       <p:sp>
         <p:nvSpPr>
-          <p:cNvPr id="20611" name="footprint"/>
+          <p:cNvPr id="30011" name="footprint"/>
           <p:cNvSpPr/>
           <p:nvPr/>
         </p:nvSpPr>
@@ -4397,7 +4397,7 @@
       </p:sp>
       <p:sp>
         <p:nvSpPr>
-          <p:cNvPr id="20612" name="footprint"/>
+          <p:cNvPr id="30012" name="footprint"/>
           <p:cNvSpPr/>
           <p:nvPr/>
         </p:nvSpPr>
@@ -4438,7 +4438,7 @@
       </p:sp>
       <p:sp>
         <p:nvSpPr>
-          <p:cNvPr id="20613" name="footprint"/>
+          <p:cNvPr id="30013" name="footprint"/>
           <p:cNvSpPr/>
           <p:nvPr/>
         </p:nvSpPr>
@@ -4479,7 +4479,7 @@
       </p:sp>
       <p:sp>
         <p:nvSpPr>
-          <p:cNvPr id="20614" name="footprint"/>
+          <p:cNvPr id="30014" name="footprint"/>
           <p:cNvSpPr/>
           <p:nvPr/>
         </p:nvSpPr>
@@ -4520,7 +4520,7 @@
       </p:sp>
       <p:sp>
         <p:nvSpPr>
-          <p:cNvPr id="20615" name="footprint"/>
+          <p:cNvPr id="30015" name="footprint"/>
           <p:cNvSpPr/>
           <p:nvPr/>
         </p:nvSpPr>
@@ -4561,7 +4561,7 @@
       </p:sp>
       <p:sp>
         <p:nvSpPr>
-          <p:cNvPr id="20616" name="footprint"/>
+          <p:cNvPr id="30016" name="footprint"/>
           <p:cNvSpPr/>
           <p:nvPr/>
         </p:nvSpPr>
@@ -4602,7 +4602,7 @@
       </p:sp>
       <p:sp>
         <p:nvSpPr>
-          <p:cNvPr id="20617" name="footprint"/>
+          <p:cNvPr id="30017" name="footprint"/>
           <p:cNvSpPr/>
           <p:nvPr/>
         </p:nvSpPr>
@@ -4643,7 +4643,7 @@
       </p:sp>
       <p:sp>
         <p:nvSpPr>
-          <p:cNvPr id="20618" name="footprint"/>
+          <p:cNvPr id="30018" name="footprint"/>
           <p:cNvSpPr/>
           <p:nvPr/>
         </p:nvSpPr>
@@ -4684,7 +4684,7 @@
       </p:sp>
       <p:sp>
         <p:nvSpPr>
-          <p:cNvPr id="20619" name="footprint"/>
+          <p:cNvPr id="30019" name="footprint"/>
           <p:cNvSpPr/>
           <p:nvPr/>
         </p:nvSpPr>
@@ -4725,7 +4725,7 @@
       </p:sp>
       <p:sp>
         <p:nvSpPr>
-          <p:cNvPr id="20620" name="footprint"/>
+          <p:cNvPr id="30020" name="footprint"/>
           <p:cNvSpPr/>
           <p:nvPr/>
         </p:nvSpPr>
@@ -4766,7 +4766,7 @@
       </p:sp>
       <p:sp>
         <p:nvSpPr>
-          <p:cNvPr id="20621" name="footprint"/>
+          <p:cNvPr id="30021" name="footprint"/>
           <p:cNvSpPr/>
           <p:nvPr/>
         </p:nvSpPr>
@@ -4807,7 +4807,7 @@
       </p:sp>
       <p:sp>
         <p:nvSpPr>
-          <p:cNvPr id="20622" name="footprint"/>
+          <p:cNvPr id="30022" name="footprint"/>
           <p:cNvSpPr/>
           <p:nvPr/>
         </p:nvSpPr>
@@ -4848,7 +4848,7 @@
       </p:sp>
       <p:sp>
         <p:nvSpPr>
-          <p:cNvPr id="20623" name="footprint"/>
+          <p:cNvPr id="30023" name="footprint"/>
           <p:cNvSpPr/>
           <p:nvPr/>
         </p:nvSpPr>
@@ -4889,7 +4889,7 @@
       </p:sp>
       <p:sp>
         <p:nvSpPr>
-          <p:cNvPr id="20624" name="footprint"/>
+          <p:cNvPr id="30024" name="footprint"/>
           <p:cNvSpPr/>
           <p:nvPr/>
         </p:nvSpPr>
@@ -4930,7 +4930,7 @@
       </p:sp>
       <p:sp>
         <p:nvSpPr>
-          <p:cNvPr id="20625" name="footprint"/>
+          <p:cNvPr id="30025" name="footprint"/>
           <p:cNvSpPr/>
           <p:nvPr/>
         </p:nvSpPr>
@@ -4971,7 +4971,7 @@
       </p:sp>
       <p:sp>
         <p:nvSpPr>
-          <p:cNvPr id="20626" name="footprint"/>
+          <p:cNvPr id="30026" name="footprint"/>
           <p:cNvSpPr/>
           <p:nvPr/>
         </p:nvSpPr>
@@ -5012,7 +5012,7 @@
       </p:sp>
       <p:sp>
         <p:nvSpPr>
-          <p:cNvPr id="20627" name="footprint"/>
+          <p:cNvPr id="30027" name="footprint"/>
           <p:cNvSpPr/>
           <p:nvPr/>
         </p:nvSpPr>
@@ -5053,7 +5053,7 @@
       </p:sp>
       <p:sp>
         <p:nvSpPr>
-          <p:cNvPr id="20628" name="footprint"/>
+          <p:cNvPr id="30028" name="footprint"/>
           <p:cNvSpPr/>
           <p:nvPr/>
         </p:nvSpPr>
@@ -5094,7 +5094,7 @@
       </p:sp>
       <p:sp>
         <p:nvSpPr>
-          <p:cNvPr id="20629" name="footprint"/>
+          <p:cNvPr id="30029" name="footprint"/>
           <p:cNvSpPr/>
           <p:nvPr/>
         </p:nvSpPr>
@@ -5135,7 +5135,7 @@
       </p:sp>
       <p:sp>
         <p:nvSpPr>
-          <p:cNvPr id="20630" name="footprint"/>
+          <p:cNvPr id="30030" name="footprint"/>
           <p:cNvSpPr/>
           <p:nvPr/>
         </p:nvSpPr>
@@ -5176,7 +5176,7 @@
       </p:sp>
       <p:sp>
         <p:nvSpPr>
-          <p:cNvPr id="20631" name="footprint"/>
+          <p:cNvPr id="30031" name="footprint"/>
           <p:cNvSpPr/>
           <p:nvPr/>
         </p:nvSpPr>
@@ -5217,7 +5217,7 @@
       </p:sp>
       <p:sp>
         <p:nvSpPr>
-          <p:cNvPr id="20632" name="footprint"/>
+          <p:cNvPr id="30032" name="footprint"/>
           <p:cNvSpPr/>
           <p:nvPr/>
         </p:nvSpPr>
@@ -5258,7 +5258,7 @@
       </p:sp>
       <p:sp>
         <p:nvSpPr>
-          <p:cNvPr id="20633" name="footprint"/>
+          <p:cNvPr id="30033" name="footprint"/>
           <p:cNvSpPr/>
           <p:nvPr/>
         </p:nvSpPr>
@@ -5299,7 +5299,7 @@
       </p:sp>
       <p:sp>
         <p:nvSpPr>
-          <p:cNvPr id="20634" name="footprint"/>
+          <p:cNvPr id="30034" name="footprint"/>
           <p:cNvSpPr/>
           <p:nvPr/>
         </p:nvSpPr>
@@ -5340,7 +5340,7 @@
       </p:sp>
       <p:sp>
         <p:nvSpPr>
-          <p:cNvPr id="20635" name="footprint"/>
+          <p:cNvPr id="30035" name="footprint"/>
           <p:cNvSpPr/>
           <p:nvPr/>
         </p:nvSpPr>
@@ -5381,7 +5381,7 @@
       </p:sp>
       <p:sp>
         <p:nvSpPr>
-          <p:cNvPr id="20636" name="footprint"/>
+          <p:cNvPr id="30036" name="footprint"/>
           <p:cNvSpPr/>
           <p:nvPr/>
         </p:nvSpPr>
@@ -5422,7 +5422,7 @@
       </p:sp>
       <p:sp>
         <p:nvSpPr>
-          <p:cNvPr id="20637" name="footprint"/>
+          <p:cNvPr id="30037" name="footprint"/>
           <p:cNvSpPr/>
           <p:nvPr/>
         </p:nvSpPr>
@@ -5463,7 +5463,7 @@
       </p:sp>
       <p:sp>
         <p:nvSpPr>
-          <p:cNvPr id="20638" name="footprint"/>
+          <p:cNvPr id="30038" name="footprint"/>
           <p:cNvSpPr/>
           <p:nvPr/>
         </p:nvSpPr>
@@ -5504,7 +5504,7 @@
       </p:sp>
       <p:sp>
         <p:nvSpPr>
-          <p:cNvPr id="20639" name="footprint"/>
+          <p:cNvPr id="30039" name="footprint"/>
           <p:cNvSpPr/>
           <p:nvPr/>
         </p:nvSpPr>
@@ -5545,7 +5545,7 @@
       </p:sp>
       <p:sp>
         <p:nvSpPr>
-          <p:cNvPr id="20640" name="footprint"/>
+          <p:cNvPr id="30040" name="footprint"/>
           <p:cNvSpPr/>
           <p:nvPr/>
         </p:nvSpPr>
@@ -5586,7 +5586,7 @@
       </p:sp>
       <p:sp>
         <p:nvSpPr>
-          <p:cNvPr id="20641" name="footprint"/>
+          <p:cNvPr id="30041" name="footprint"/>
           <p:cNvSpPr/>
           <p:nvPr/>
         </p:nvSpPr>
@@ -5627,7 +5627,7 @@
       </p:sp>
       <p:sp>
         <p:nvSpPr>
-          <p:cNvPr id="20642" name="footprint"/>
+          <p:cNvPr id="30042" name="footprint"/>
           <p:cNvSpPr/>
           <p:nvPr/>
         </p:nvSpPr>
@@ -5668,7 +5668,7 @@
       </p:sp>
       <p:sp>
         <p:nvSpPr>
-          <p:cNvPr id="20643" name="footprint"/>
+          <p:cNvPr id="30043" name="footprint"/>
           <p:cNvSpPr/>
           <p:nvPr/>
         </p:nvSpPr>
@@ -5709,7 +5709,7 @@
       </p:sp>
       <p:sp>
         <p:nvSpPr>
-          <p:cNvPr id="20644" name="footprint"/>
+          <p:cNvPr id="30044" name="footprint"/>
           <p:cNvSpPr/>
           <p:nvPr/>
         </p:nvSpPr>
@@ -5750,7 +5750,7 @@
       </p:sp>
       <p:sp>
         <p:nvSpPr>
-          <p:cNvPr id="20645" name="footprint"/>
+          <p:cNvPr id="30045" name="footprint"/>
           <p:cNvSpPr/>
           <p:nvPr/>
         </p:nvSpPr>
@@ -5791,7 +5791,7 @@
       </p:sp>
       <p:sp>
         <p:nvSpPr>
-          <p:cNvPr id="20646" name="footprint"/>
+          <p:cNvPr id="30046" name="footprint"/>
           <p:cNvSpPr/>
           <p:nvPr/>
         </p:nvSpPr>
@@ -5832,7 +5832,7 @@
       </p:sp>
       <p:sp>
         <p:nvSpPr>
-          <p:cNvPr id="20647" name="footprint"/>
+          <p:cNvPr id="30047" name="footprint"/>
           <p:cNvSpPr/>
           <p:nvPr/>
         </p:nvSpPr>
@@ -5873,7 +5873,7 @@
       </p:sp>
       <p:sp>
         <p:nvSpPr>
-          <p:cNvPr id="20648" name="footprint"/>
+          <p:cNvPr id="30048" name="footprint"/>
           <p:cNvSpPr/>
           <p:nvPr/>
         </p:nvSpPr>
@@ -5914,7 +5914,7 @@
       </p:sp>
       <p:sp>
         <p:nvSpPr>
-          <p:cNvPr id="20649" name="footprint"/>
+          <p:cNvPr id="30049" name="footprint"/>
           <p:cNvSpPr/>
           <p:nvPr/>
         </p:nvSpPr>
@@ -5955,7 +5955,7 @@
       </p:sp>
       <p:sp>
         <p:nvSpPr>
-          <p:cNvPr id="20650" name="footprint"/>
+          <p:cNvPr id="30050" name="footprint"/>
           <p:cNvSpPr/>
           <p:nvPr/>
         </p:nvSpPr>
@@ -5996,7 +5996,7 @@
       </p:sp>
       <p:sp>
         <p:nvSpPr>
-          <p:cNvPr id="20651" name="footprint"/>
+          <p:cNvPr id="30051" name="footprint"/>
           <p:cNvSpPr/>
           <p:nvPr/>
         </p:nvSpPr>
@@ -6037,7 +6037,7 @@
       </p:sp>
       <p:sp>
         <p:nvSpPr>
-          <p:cNvPr id="20652" name="footprint"/>
+          <p:cNvPr id="30052" name="footprint"/>
           <p:cNvSpPr/>
           <p:nvPr/>
         </p:nvSpPr>
@@ -6078,7 +6078,7 @@
       </p:sp>
       <p:sp>
         <p:nvSpPr>
-          <p:cNvPr id="20653" name="footprint"/>
+          <p:cNvPr id="30053" name="footprint"/>
           <p:cNvSpPr/>
           <p:nvPr/>
         </p:nvSpPr>
@@ -6119,7 +6119,7 @@
       </p:sp>
       <p:sp>
         <p:nvSpPr>
-          <p:cNvPr id="20654" name="footprint"/>
+          <p:cNvPr id="30054" name="footprint"/>
           <p:cNvSpPr/>
           <p:nvPr/>
         </p:nvSpPr>
@@ -6160,7 +6160,7 @@
       </p:sp>
       <p:sp>
         <p:nvSpPr>
-          <p:cNvPr id="20655" name="footprint"/>
+          <p:cNvPr id="30055" name="footprint"/>
           <p:cNvSpPr/>
           <p:nvPr/>
         </p:nvSpPr>
@@ -6201,7 +6201,7 @@
       </p:sp>
       <p:sp>
         <p:nvSpPr>
-          <p:cNvPr id="20656" name="footprint"/>
+          <p:cNvPr id="30056" name="footprint"/>
           <p:cNvSpPr/>
           <p:nvPr/>
         </p:nvSpPr>
@@ -6242,7 +6242,7 @@
       </p:sp>
       <p:sp>
         <p:nvSpPr>
-          <p:cNvPr id="20657" name="footprint"/>
+          <p:cNvPr id="30057" name="footprint"/>
           <p:cNvSpPr/>
           <p:nvPr/>
         </p:nvSpPr>
@@ -6283,7 +6283,7 @@
       </p:sp>
       <p:sp>
         <p:nvSpPr>
-          <p:cNvPr id="20658" name="footprint"/>
+          <p:cNvPr id="30058" name="footprint"/>
           <p:cNvSpPr/>
           <p:nvPr/>
         </p:nvSpPr>
@@ -6324,7 +6324,7 @@
       </p:sp>
       <p:sp>
         <p:nvSpPr>
-          <p:cNvPr id="20659" name="footprint"/>
+          <p:cNvPr id="30059" name="footprint"/>
           <p:cNvSpPr/>
           <p:nvPr/>
         </p:nvSpPr>
@@ -6365,7 +6365,7 @@
       </p:sp>
       <p:sp>
         <p:nvSpPr>
-          <p:cNvPr id="20660" name="footprint"/>
+          <p:cNvPr id="30060" name="footprint"/>
           <p:cNvSpPr/>
           <p:nvPr/>
         </p:nvSpPr>
@@ -6406,7 +6406,7 @@
       </p:sp>
       <p:sp>
         <p:nvSpPr>
-          <p:cNvPr id="20661" name="footprint"/>
+          <p:cNvPr id="30061" name="footprint"/>
           <p:cNvSpPr/>
           <p:nvPr/>
         </p:nvSpPr>
@@ -6447,7 +6447,7 @@
       </p:sp>
       <p:sp>
         <p:nvSpPr>
-          <p:cNvPr id="20662" name="footprint"/>
+          <p:cNvPr id="30062" name="footprint"/>
           <p:cNvSpPr/>
           <p:nvPr/>
         </p:nvSpPr>
@@ -6488,7 +6488,7 @@
       </p:sp>
       <p:sp>
         <p:nvSpPr>
-          <p:cNvPr id="20663" name="footprint"/>
+          <p:cNvPr id="30063" name="footprint"/>
           <p:cNvSpPr/>
           <p:nvPr/>
         </p:nvSpPr>
@@ -6529,7 +6529,7 @@
       </p:sp>
       <p:sp>
         <p:nvSpPr>
-          <p:cNvPr id="20664" name="footprint"/>
+          <p:cNvPr id="30064" name="footprint"/>
           <p:cNvSpPr/>
           <p:nvPr/>
         </p:nvSpPr>
@@ -6570,7 +6570,7 @@
       </p:sp>
       <p:sp>
         <p:nvSpPr>
-          <p:cNvPr id="20665" name="footprint"/>
+          <p:cNvPr id="30065" name="footprint"/>
           <p:cNvSpPr/>
           <p:nvPr/>
         </p:nvSpPr>
@@ -6611,7 +6611,7 @@
       </p:sp>
       <p:sp>
         <p:nvSpPr>
-          <p:cNvPr id="20666" name="footprint"/>
+          <p:cNvPr id="30066" name="footprint"/>
           <p:cNvSpPr/>
           <p:nvPr/>
         </p:nvSpPr>
@@ -6652,7 +6652,7 @@
       </p:sp>
       <p:sp>
         <p:nvSpPr>
-          <p:cNvPr id="20667" name="footprint"/>
+          <p:cNvPr id="30067" name="footprint"/>
           <p:cNvSpPr/>
           <p:nvPr/>
         </p:nvSpPr>
@@ -6693,7 +6693,7 @@
       </p:sp>
       <p:sp>
         <p:nvSpPr>
-          <p:cNvPr id="20668" name="footprint"/>
+          <p:cNvPr id="30068" name="footprint"/>
           <p:cNvSpPr/>
           <p:nvPr/>
         </p:nvSpPr>
@@ -6734,7 +6734,7 @@
       </p:sp>
       <p:sp>
         <p:nvSpPr>
-          <p:cNvPr id="20669" name="footprint"/>
+          <p:cNvPr id="30069" name="footprint"/>
           <p:cNvSpPr/>
           <p:nvPr/>
         </p:nvSpPr>
@@ -6775,7 +6775,7 @@
       </p:sp>
       <p:sp>
         <p:nvSpPr>
-          <p:cNvPr id="20670" name="footprint"/>
+          <p:cNvPr id="30070" name="footprint"/>
           <p:cNvSpPr/>
           <p:nvPr/>
         </p:nvSpPr>
@@ -6816,7 +6816,7 @@
       </p:sp>
       <p:sp>
         <p:nvSpPr>
-          <p:cNvPr id="20671" name="footprint"/>
+          <p:cNvPr id="30071" name="footprint"/>
           <p:cNvSpPr/>
           <p:nvPr/>
         </p:nvSpPr>
@@ -6857,7 +6857,7 @@
       </p:sp>
       <p:sp>
         <p:nvSpPr>
-          <p:cNvPr id="20672" name="footprint"/>
+          <p:cNvPr id="30072" name="footprint"/>
           <p:cNvSpPr/>
           <p:nvPr/>
         </p:nvSpPr>
@@ -6898,7 +6898,7 @@
       </p:sp>
       <p:sp>
         <p:nvSpPr>
-          <p:cNvPr id="20673" name="footprint"/>
+          <p:cNvPr id="30073" name="footprint"/>
           <p:cNvSpPr/>
           <p:nvPr/>
         </p:nvSpPr>
@@ -6939,7 +6939,7 @@
       </p:sp>
       <p:sp>
         <p:nvSpPr>
-          <p:cNvPr id="20674" name="footprint"/>
+          <p:cNvPr id="30074" name="footprint"/>
           <p:cNvSpPr/>
           <p:nvPr/>
         </p:nvSpPr>
@@ -6980,7 +6980,7 @@
       </p:sp>
       <p:sp>
         <p:nvSpPr>
-          <p:cNvPr id="20675" name="footprint"/>
+          <p:cNvPr id="30075" name="footprint"/>
           <p:cNvSpPr/>
           <p:nvPr/>
         </p:nvSpPr>
@@ -7021,7 +7021,7 @@
       </p:sp>
       <p:sp>
         <p:nvSpPr>
-          <p:cNvPr id="20676" name="footprint"/>
+          <p:cNvPr id="30076" name="footprint"/>
           <p:cNvSpPr/>
           <p:nvPr/>
         </p:nvSpPr>
@@ -7062,7 +7062,7 @@
       </p:sp>
       <p:sp>
         <p:nvSpPr>
-          <p:cNvPr id="20677" name="footprint"/>
+          <p:cNvPr id="30077" name="footprint"/>
           <p:cNvSpPr/>
           <p:nvPr/>
         </p:nvSpPr>
@@ -7103,7 +7103,7 @@
       </p:sp>
       <p:sp>
         <p:nvSpPr>
-          <p:cNvPr id="20678" name="footprint"/>
+          <p:cNvPr id="30078" name="footprint"/>
           <p:cNvSpPr/>
           <p:nvPr/>
         </p:nvSpPr>
@@ -7144,7 +7144,7 @@
       </p:sp>
       <p:sp>
         <p:nvSpPr>
-          <p:cNvPr id="20679" name="footprint"/>
+          <p:cNvPr id="30079" name="footprint"/>
           <p:cNvSpPr/>
           <p:nvPr/>
         </p:nvSpPr>
@@ -7185,7 +7185,7 @@
       </p:sp>
       <p:sp>
         <p:nvSpPr>
-          <p:cNvPr id="20680" name="footprint"/>
+          <p:cNvPr id="30080" name="footprint"/>
           <p:cNvSpPr/>
           <p:nvPr/>
         </p:nvSpPr>
@@ -7226,7 +7226,7 @@
       </p:sp>
       <p:sp>
         <p:nvSpPr>
-          <p:cNvPr id="20681" name="footprint"/>
+          <p:cNvPr id="30081" name="footprint"/>
           <p:cNvSpPr/>
           <p:nvPr/>
         </p:nvSpPr>
@@ -7267,7 +7267,7 @@
       </p:sp>
       <p:sp>
         <p:nvSpPr>
-          <p:cNvPr id="20682" name="footprint"/>
+          <p:cNvPr id="30082" name="footprint"/>
           <p:cNvSpPr/>
           <p:nvPr/>
         </p:nvSpPr>
@@ -7308,7 +7308,7 @@
       </p:sp>
       <p:sp>
         <p:nvSpPr>
-          <p:cNvPr id="20683" name="footprint"/>
+          <p:cNvPr id="30083" name="footprint"/>
           <p:cNvSpPr/>
           <p:nvPr/>
         </p:nvSpPr>
@@ -7349,7 +7349,7 @@
       </p:sp>
       <p:sp>
         <p:nvSpPr>
-          <p:cNvPr id="20684" name="footprint"/>
+          <p:cNvPr id="30084" name="footprint"/>
           <p:cNvSpPr/>
           <p:nvPr/>
         </p:nvSpPr>
@@ -7390,7 +7390,7 @@
       </p:sp>
       <p:sp>
         <p:nvSpPr>
-          <p:cNvPr id="20685" name="footprint"/>
+          <p:cNvPr id="30085" name="footprint"/>
           <p:cNvSpPr/>
           <p:nvPr/>
         </p:nvSpPr>
@@ -7431,7 +7431,7 @@
       </p:sp>
       <p:sp>
         <p:nvSpPr>
-          <p:cNvPr id="20686" name="footprint"/>
+          <p:cNvPr id="30086" name="footprint"/>
           <p:cNvSpPr/>
           <p:nvPr/>
         </p:nvSpPr>
@@ -7472,7 +7472,7 @@
       </p:sp>
       <p:sp>
         <p:nvSpPr>
-          <p:cNvPr id="20687" name="footprint"/>
+          <p:cNvPr id="30087" name="footprint"/>
           <p:cNvSpPr/>
           <p:nvPr/>
         </p:nvSpPr>
@@ -7513,7 +7513,7 @@
       </p:sp>
       <p:sp>
         <p:nvSpPr>
-          <p:cNvPr id="20688" name="footprint"/>
+          <p:cNvPr id="30088" name="footprint"/>
           <p:cNvSpPr/>
           <p:nvPr/>
         </p:nvSpPr>
@@ -7554,7 +7554,7 @@
       </p:sp>
       <p:sp>
         <p:nvSpPr>
-          <p:cNvPr id="20689" name="footprint"/>
+          <p:cNvPr id="30089" name="footprint"/>
           <p:cNvSpPr/>
           <p:nvPr/>
         </p:nvSpPr>
@@ -7595,7 +7595,7 @@
       </p:sp>
       <p:sp>
         <p:nvSpPr>
-          <p:cNvPr id="20690" name="footprint"/>
+          <p:cNvPr id="30090" name="footprint"/>
           <p:cNvSpPr/>
           <p:nvPr/>
         </p:nvSpPr>
@@ -7636,7 +7636,7 @@
       </p:sp>
       <p:sp>
         <p:nvSpPr>
-          <p:cNvPr id="20691" name="footprint"/>
+          <p:cNvPr id="30091" name="footprint"/>
           <p:cNvSpPr/>
           <p:nvPr/>
         </p:nvSpPr>
@@ -7677,7 +7677,7 @@
       </p:sp>
       <p:sp>
         <p:nvSpPr>
-          <p:cNvPr id="20692" name="footprint"/>
+          <p:cNvPr id="30092" name="footprint"/>
           <p:cNvSpPr/>
           <p:nvPr/>
         </p:nvSpPr>
@@ -7718,7 +7718,7 @@
       </p:sp>
       <p:sp>
         <p:nvSpPr>
-          <p:cNvPr id="20693" name="footprint"/>
+          <p:cNvPr id="30093" name="footprint"/>
           <p:cNvSpPr/>
           <p:nvPr/>
         </p:nvSpPr>
@@ -7759,7 +7759,7 @@
       </p:sp>
       <p:sp>
         <p:nvSpPr>
-          <p:cNvPr id="20694" name="footprint"/>
+          <p:cNvPr id="30094" name="footprint"/>
           <p:cNvSpPr/>
           <p:nvPr/>
         </p:nvSpPr>
@@ -7800,7 +7800,7 @@
       </p:sp>
       <p:sp>
         <p:nvSpPr>
-          <p:cNvPr id="20695" name="footprint"/>
+          <p:cNvPr id="30095" name="footprint"/>
           <p:cNvSpPr/>
           <p:nvPr/>
         </p:nvSpPr>
@@ -7841,7 +7841,7 @@
       </p:sp>
       <p:sp>
         <p:nvSpPr>
-          <p:cNvPr id="20696" name="footprint"/>
+          <p:cNvPr id="30096" name="footprint"/>
           <p:cNvSpPr/>
           <p:nvPr/>
         </p:nvSpPr>
@@ -7882,7 +7882,7 @@
       </p:sp>
       <p:sp>
         <p:nvSpPr>
-          <p:cNvPr id="20697" name="footprint"/>
+          <p:cNvPr id="30097" name="footprint"/>
           <p:cNvSpPr/>
           <p:nvPr/>
         </p:nvSpPr>
@@ -7923,7 +7923,7 @@
       </p:sp>
       <p:sp>
         <p:nvSpPr>
-          <p:cNvPr id="20698" name="footprint"/>
+          <p:cNvPr id="30098" name="footprint"/>
           <p:cNvSpPr/>
           <p:nvPr/>
         </p:nvSpPr>
@@ -7964,7 +7964,7 @@
       </p:sp>
       <p:sp>
         <p:nvSpPr>
-          <p:cNvPr id="20699" name="footprint"/>
+          <p:cNvPr id="30099" name="footprint"/>
           <p:cNvSpPr/>
           <p:nvPr/>
         </p:nvSpPr>
@@ -8005,7 +8005,7 @@
       </p:sp>
       <p:sp>
         <p:nvSpPr>
-          <p:cNvPr id="20700" name="footprint"/>
+          <p:cNvPr id="30100" name="footprint"/>
           <p:cNvSpPr/>
           <p:nvPr/>
         </p:nvSpPr>
@@ -8046,7 +8046,7 @@
       </p:sp>
       <p:sp>
         <p:nvSpPr>
-          <p:cNvPr id="20701" name="footprint"/>
+          <p:cNvPr id="30101" name="footprint"/>
           <p:cNvSpPr/>
           <p:nvPr/>
         </p:nvSpPr>
@@ -8087,7 +8087,7 @@
       </p:sp>
       <p:sp>
         <p:nvSpPr>
-          <p:cNvPr id="20702" name="footprint"/>
+          <p:cNvPr id="30102" name="footprint"/>
           <p:cNvSpPr/>
           <p:nvPr/>
         </p:nvSpPr>
@@ -8128,7 +8128,7 @@
       </p:sp>
       <p:sp>
         <p:nvSpPr>
-          <p:cNvPr id="20703" name="footprint"/>
+          <p:cNvPr id="30103" name="footprint"/>
           <p:cNvSpPr/>
           <p:nvPr/>
         </p:nvSpPr>
@@ -8169,7 +8169,7 @@
       </p:sp>
       <p:sp>
         <p:nvSpPr>
-          <p:cNvPr id="20704" name="footprint"/>
+          <p:cNvPr id="30104" name="footprint"/>
           <p:cNvSpPr/>
           <p:nvPr/>
         </p:nvSpPr>
@@ -8210,7 +8210,7 @@
       </p:sp>
       <p:sp>
         <p:nvSpPr>
-          <p:cNvPr id="20705" name="footprint"/>
+          <p:cNvPr id="30105" name="footprint"/>
           <p:cNvSpPr/>
           <p:nvPr/>
         </p:nvSpPr>
@@ -8251,7 +8251,7 @@
       </p:sp>
       <p:sp>
         <p:nvSpPr>
-          <p:cNvPr id="20706" name="footprint"/>
+          <p:cNvPr id="30106" name="footprint"/>
           <p:cNvSpPr/>
           <p:nvPr/>
         </p:nvSpPr>
@@ -8292,7 +8292,7 @@
       </p:sp>
       <p:sp>
         <p:nvSpPr>
-          <p:cNvPr id="20707" name="footprint"/>
+          <p:cNvPr id="30107" name="footprint"/>
           <p:cNvSpPr/>
           <p:nvPr/>
         </p:nvSpPr>
@@ -8333,7 +8333,7 @@
       </p:sp>
       <p:sp>
         <p:nvSpPr>
-          <p:cNvPr id="20708" name="footprint"/>
+          <p:cNvPr id="30108" name="footprint"/>
           <p:cNvSpPr/>
           <p:nvPr/>
         </p:nvSpPr>
@@ -8374,7 +8374,7 @@
       </p:sp>
       <p:sp>
         <p:nvSpPr>
-          <p:cNvPr id="20709" name="footprint"/>
+          <p:cNvPr id="30109" name="footprint"/>
           <p:cNvSpPr/>
           <p:nvPr/>
         </p:nvSpPr>
@@ -8415,7 +8415,7 @@
       </p:sp>
       <p:sp>
         <p:nvSpPr>
-          <p:cNvPr id="20710" name="footprint"/>
+          <p:cNvPr id="30110" name="footprint"/>
           <p:cNvSpPr/>
           <p:nvPr/>
         </p:nvSpPr>
@@ -8456,7 +8456,7 @@
       </p:sp>
       <p:sp>
         <p:nvSpPr>
-          <p:cNvPr id="20711" name="footprint"/>
+          <p:cNvPr id="30111" name="footprint"/>
           <p:cNvSpPr/>
           <p:nvPr/>
         </p:nvSpPr>
@@ -8497,7 +8497,7 @@
       </p:sp>
       <p:sp>
         <p:nvSpPr>
-          <p:cNvPr id="20712" name="footprint"/>
+          <p:cNvPr id="30112" name="footprint"/>
           <p:cNvSpPr/>
           <p:nvPr/>
         </p:nvSpPr>
@@ -8538,7 +8538,7 @@
       </p:sp>
       <p:sp>
         <p:nvSpPr>
-          <p:cNvPr id="20713" name="footprint"/>
+          <p:cNvPr id="30113" name="footprint"/>
           <p:cNvSpPr/>
           <p:nvPr/>
         </p:nvSpPr>
@@ -8579,7 +8579,7 @@
       </p:sp>
       <p:sp>
         <p:nvSpPr>
-          <p:cNvPr id="20714" name="footprint"/>
+          <p:cNvPr id="30114" name="footprint"/>
           <p:cNvSpPr/>
           <p:nvPr/>
         </p:nvSpPr>
@@ -8620,7 +8620,7 @@
       </p:sp>
       <p:sp>
         <p:nvSpPr>
-          <p:cNvPr id="20715" name="footprint"/>
+          <p:cNvPr id="30115" name="footprint"/>
           <p:cNvSpPr/>
           <p:nvPr/>
         </p:nvSpPr>
@@ -8661,7 +8661,7 @@
       </p:sp>
       <p:sp>
         <p:nvSpPr>
-          <p:cNvPr id="20716" name="footprint"/>
+          <p:cNvPr id="30116" name="footprint"/>
           <p:cNvSpPr/>
           <p:nvPr/>
         </p:nvSpPr>
@@ -8702,7 +8702,7 @@
       </p:sp>
       <p:sp>
         <p:nvSpPr>
-          <p:cNvPr id="20717" name="footprint"/>
+          <p:cNvPr id="30117" name="footprint"/>
           <p:cNvSpPr/>
           <p:nvPr/>
         </p:nvSpPr>
@@ -8743,7 +8743,7 @@
       </p:sp>
       <p:sp>
         <p:nvSpPr>
-          <p:cNvPr id="20718" name="footprint"/>
+          <p:cNvPr id="30118" name="footprint"/>
           <p:cNvSpPr/>
           <p:nvPr/>
         </p:nvSpPr>
@@ -8784,7 +8784,7 @@
       </p:sp>
       <p:sp>
         <p:nvSpPr>
-          <p:cNvPr id="20719" name="footprint"/>
+          <p:cNvPr id="30119" name="footprint"/>
           <p:cNvSpPr/>
           <p:nvPr/>
         </p:nvSpPr>
@@ -8825,7 +8825,7 @@
       </p:sp>
       <p:sp>
         <p:nvSpPr>
-          <p:cNvPr id="20720" name="footprint"/>
+          <p:cNvPr id="30120" name="footprint"/>
           <p:cNvSpPr/>
           <p:nvPr/>
         </p:nvSpPr>
@@ -8866,7 +8866,7 @@
       </p:sp>
       <p:sp>
         <p:nvSpPr>
-          <p:cNvPr id="20721" name="footprint"/>
+          <p:cNvPr id="30121" name="footprint"/>
           <p:cNvSpPr/>
           <p:nvPr/>
         </p:nvSpPr>
@@ -8907,7 +8907,7 @@
       </p:sp>
       <p:sp>
         <p:nvSpPr>
-          <p:cNvPr id="20722" name="footprint"/>
+          <p:cNvPr id="30122" name="footprint"/>
           <p:cNvSpPr/>
           <p:nvPr/>
         </p:nvSpPr>
@@ -8948,7 +8948,7 @@
       </p:sp>
       <p:sp>
         <p:nvSpPr>
-          <p:cNvPr id="20723" name="footprint"/>
+          <p:cNvPr id="30123" name="footprint"/>
           <p:cNvSpPr/>
           <p:nvPr/>
         </p:nvSpPr>
@@ -9050,7 +9050,7 @@
       </p:sp>
       <p:sp>
         <p:nvSpPr>
-          <p:cNvPr id="601" name="marker"/>
+          <p:cNvPr id="10001" name="marker"/>
           <p:cNvSpPr/>
           <p:nvPr/>
         </p:nvSpPr>
@@ -18179,7 +18179,7 @@
                                           </p:stCondLst>
                                         </p:cTn>
                                         <p:tgtEl>
-                                          <p:spTgt spid="601"/>
+                                          <p:spTgt spid="10001"/>
                                         </p:tgtEl>
                                         <p:attrNameLst>
                                           <p:attrName>style.visibility</p:attrName>
@@ -19044,7 +19044,7 @@
                                       <p:cBhvr>
                                         <p:cTn id="8" dur="200" fill="hold"/>
                                         <p:tgtEl>
-                                          <p:spTgt spid="601"/>
+                                          <p:spTgt spid="10001"/>
                                         </p:tgtEl>
                                         <p:attrNameLst>
                                           <p:attrName>ppt_x</p:attrName>
@@ -19057,7 +19057,7 @@
                                       <p:cBhvr>
                                         <p:cTn id="9" dur="200" fill="hold"/>
                                         <p:tgtEl>
-                                          <p:spTgt spid="601"/>
+                                          <p:spTgt spid="10001"/>
                                         </p:tgtEl>
                                         <p:attrNameLst>
                                           <p:attrName>ppt_x</p:attrName>
@@ -19070,7 +19070,7 @@
                                       <p:cBhvr>
                                         <p:cTn id="10" dur="200" fill="hold"/>
                                         <p:tgtEl>
-                                          <p:spTgt spid="601"/>
+                                          <p:spTgt spid="10001"/>
                                         </p:tgtEl>
                                         <p:attrNameLst>
                                           <p:attrName>ppt_x</p:attrName>
@@ -19083,7 +19083,7 @@
                                       <p:cBhvr>
                                         <p:cTn id="11" dur="200" fill="hold"/>
                                         <p:tgtEl>
-                                          <p:spTgt spid="601"/>
+                                          <p:spTgt spid="10001"/>
                                         </p:tgtEl>
                                         <p:attrNameLst>
                                           <p:attrName>ppt_x</p:attrName>
@@ -19096,7 +19096,7 @@
                                       <p:cBhvr>
                                         <p:cTn id="12" dur="200" fill="hold"/>
                                         <p:tgtEl>
-                                          <p:spTgt spid="601"/>
+                                          <p:spTgt spid="10001"/>
                                         </p:tgtEl>
                                         <p:attrNameLst>
                                           <p:attrName>ppt_x</p:attrName>
@@ -19109,7 +19109,7 @@
                                       <p:cBhvr>
                                         <p:cTn id="13" dur="200" fill="hold"/>
                                         <p:tgtEl>
-                                          <p:spTgt spid="601"/>
+                                          <p:spTgt spid="10001"/>
                                         </p:tgtEl>
                                         <p:attrNameLst>
                                           <p:attrName>ppt_x</p:attrName>
@@ -19122,7 +19122,7 @@
                                       <p:cBhvr>
                                         <p:cTn id="14" dur="200" fill="hold"/>
                                         <p:tgtEl>
-                                          <p:spTgt spid="601"/>
+                                          <p:spTgt spid="10001"/>
                                         </p:tgtEl>
                                         <p:attrNameLst>
                                           <p:attrName>ppt_x</p:attrName>
@@ -19135,7 +19135,7 @@
                                       <p:cBhvr>
                                         <p:cTn id="15" dur="200" fill="hold"/>
                                         <p:tgtEl>
-                                          <p:spTgt spid="601"/>
+                                          <p:spTgt spid="10001"/>
                                         </p:tgtEl>
                                         <p:attrNameLst>
                                           <p:attrName>ppt_x</p:attrName>
@@ -19148,7 +19148,7 @@
                                       <p:cBhvr>
                                         <p:cTn id="16" dur="200" fill="hold"/>
                                         <p:tgtEl>
-                                          <p:spTgt spid="601"/>
+                                          <p:spTgt spid="10001"/>
                                         </p:tgtEl>
                                         <p:attrNameLst>
                                           <p:attrName>ppt_x</p:attrName>
@@ -19161,7 +19161,7 @@
                                       <p:cBhvr>
                                         <p:cTn id="17" dur="200" fill="hold"/>
                                         <p:tgtEl>
-                                          <p:spTgt spid="601"/>
+                                          <p:spTgt spid="10001"/>
                                         </p:tgtEl>
                                         <p:attrNameLst>
                                           <p:attrName>ppt_x</p:attrName>
@@ -19174,7 +19174,7 @@
                                       <p:cBhvr>
                                         <p:cTn id="18" dur="200" fill="hold"/>
                                         <p:tgtEl>
-                                          <p:spTgt spid="601"/>
+                                          <p:spTgt spid="10001"/>
                                         </p:tgtEl>
                                         <p:attrNameLst>
                                           <p:attrName>ppt_x</p:attrName>
@@ -19187,7 +19187,7 @@
                                       <p:cBhvr>
                                         <p:cTn id="19" dur="200" fill="hold"/>
                                         <p:tgtEl>
-                                          <p:spTgt spid="601"/>
+                                          <p:spTgt spid="10001"/>
                                         </p:tgtEl>
                                         <p:attrNameLst>
                                           <p:attrName>ppt_x</p:attrName>
@@ -19200,7 +19200,7 @@
                                       <p:cBhvr>
                                         <p:cTn id="20" dur="200" fill="hold"/>
                                         <p:tgtEl>
-                                          <p:spTgt spid="601"/>
+                                          <p:spTgt spid="10001"/>
                                         </p:tgtEl>
                                         <p:attrNameLst>
                                           <p:attrName>ppt_x</p:attrName>
@@ -19213,7 +19213,7 @@
                                       <p:cBhvr>
                                         <p:cTn id="21" dur="200" fill="hold"/>
                                         <p:tgtEl>
-                                          <p:spTgt spid="601"/>
+                                          <p:spTgt spid="10001"/>
                                         </p:tgtEl>
                                         <p:attrNameLst>
                                           <p:attrName>ppt_x</p:attrName>
@@ -19226,7 +19226,7 @@
                                       <p:cBhvr>
                                         <p:cTn id="22" dur="200" fill="hold"/>
                                         <p:tgtEl>
-                                          <p:spTgt spid="601"/>
+                                          <p:spTgt spid="10001"/>
                                         </p:tgtEl>
                                         <p:attrNameLst>
                                           <p:attrName>ppt_x</p:attrName>
@@ -19239,7 +19239,7 @@
                                       <p:cBhvr>
                                         <p:cTn id="23" dur="200" fill="hold"/>
                                         <p:tgtEl>
-                                          <p:spTgt spid="601"/>
+                                          <p:spTgt spid="10001"/>
                                         </p:tgtEl>
                                         <p:attrNameLst>
                                           <p:attrName>ppt_x</p:attrName>
@@ -19252,7 +19252,7 @@
                                       <p:cBhvr>
                                         <p:cTn id="24" dur="200" fill="hold"/>
                                         <p:tgtEl>
-                                          <p:spTgt spid="601"/>
+                                          <p:spTgt spid="10001"/>
                                         </p:tgtEl>
                                         <p:attrNameLst>
                                           <p:attrName>ppt_x</p:attrName>
@@ -19265,7 +19265,7 @@
                                       <p:cBhvr>
                                         <p:cTn id="25" dur="200" fill="hold"/>
                                         <p:tgtEl>
-                                          <p:spTgt spid="601"/>
+                                          <p:spTgt spid="10001"/>
                                         </p:tgtEl>
                                         <p:attrNameLst>
                                           <p:attrName>ppt_x</p:attrName>
@@ -19278,7 +19278,7 @@
                                       <p:cBhvr>
                                         <p:cTn id="26" dur="200" fill="hold"/>
                                         <p:tgtEl>
-                                          <p:spTgt spid="601"/>
+                                          <p:spTgt spid="10001"/>
                                         </p:tgtEl>
                                         <p:attrNameLst>
                                           <p:attrName>ppt_x</p:attrName>
@@ -19291,7 +19291,7 @@
                                       <p:cBhvr>
                                         <p:cTn id="27" dur="200" fill="hold"/>
                                         <p:tgtEl>
-                                          <p:spTgt spid="601"/>
+                                          <p:spTgt spid="10001"/>
                                         </p:tgtEl>
                                         <p:attrNameLst>
                                           <p:attrName>ppt_x</p:attrName>
@@ -19304,7 +19304,7 @@
                                       <p:cBhvr>
                                         <p:cTn id="28" dur="200" fill="hold"/>
                                         <p:tgtEl>
-                                          <p:spTgt spid="601"/>
+                                          <p:spTgt spid="10001"/>
                                         </p:tgtEl>
                                         <p:attrNameLst>
                                           <p:attrName>ppt_x</p:attrName>
@@ -19317,7 +19317,7 @@
                                       <p:cBhvr>
                                         <p:cTn id="29" dur="200" fill="hold"/>
                                         <p:tgtEl>
-                                          <p:spTgt spid="601"/>
+                                          <p:spTgt spid="10001"/>
                                         </p:tgtEl>
                                         <p:attrNameLst>
                                           <p:attrName>ppt_x</p:attrName>
@@ -19330,7 +19330,7 @@
                                       <p:cBhvr>
                                         <p:cTn id="30" dur="200" fill="hold"/>
                                         <p:tgtEl>
-                                          <p:spTgt spid="601"/>
+                                          <p:spTgt spid="10001"/>
                                         </p:tgtEl>
                                         <p:attrNameLst>
                                           <p:attrName>ppt_x</p:attrName>
@@ -19343,7 +19343,7 @@
                                       <p:cBhvr>
                                         <p:cTn id="31" dur="200" fill="hold"/>
                                         <p:tgtEl>
-                                          <p:spTgt spid="601"/>
+                                          <p:spTgt spid="10001"/>
                                         </p:tgtEl>
                                         <p:attrNameLst>
                                           <p:attrName>ppt_x</p:attrName>
@@ -19356,7 +19356,7 @@
                                       <p:cBhvr>
                                         <p:cTn id="32" dur="200" fill="hold"/>
                                         <p:tgtEl>
-                                          <p:spTgt spid="601"/>
+                                          <p:spTgt spid="10001"/>
                                         </p:tgtEl>
                                         <p:attrNameLst>
                                           <p:attrName>ppt_x</p:attrName>
@@ -19369,7 +19369,7 @@
                                       <p:cBhvr>
                                         <p:cTn id="33" dur="200" fill="hold"/>
                                         <p:tgtEl>
-                                          <p:spTgt spid="601"/>
+                                          <p:spTgt spid="10001"/>
                                         </p:tgtEl>
                                         <p:attrNameLst>
                                           <p:attrName>ppt_x</p:attrName>
@@ -19382,7 +19382,7 @@
                                       <p:cBhvr>
                                         <p:cTn id="34" dur="200" fill="hold"/>
                                         <p:tgtEl>
-                                          <p:spTgt spid="601"/>
+                                          <p:spTgt spid="10001"/>
                                         </p:tgtEl>
                                         <p:attrNameLst>
                                           <p:attrName>ppt_x</p:attrName>
@@ -19395,7 +19395,7 @@
                                       <p:cBhvr>
                                         <p:cTn id="35" dur="200" fill="hold"/>
                                         <p:tgtEl>
-                                          <p:spTgt spid="601"/>
+                                          <p:spTgt spid="10001"/>
                                         </p:tgtEl>
                                         <p:attrNameLst>
                                           <p:attrName>ppt_x</p:attrName>
@@ -19408,7 +19408,7 @@
                                       <p:cBhvr>
                                         <p:cTn id="36" dur="200" fill="hold"/>
                                         <p:tgtEl>
-                                          <p:spTgt spid="601"/>
+                                          <p:spTgt spid="10001"/>
                                         </p:tgtEl>
                                         <p:attrNameLst>
                                           <p:attrName>ppt_x</p:attrName>
@@ -19421,7 +19421,7 @@
                                       <p:cBhvr>
                                         <p:cTn id="37" dur="200" fill="hold"/>
                                         <p:tgtEl>
-                                          <p:spTgt spid="601"/>
+                                          <p:spTgt spid="10001"/>
                                         </p:tgtEl>
                                         <p:attrNameLst>
                                           <p:attrName>ppt_x</p:attrName>
@@ -19434,7 +19434,7 @@
                                       <p:cBhvr>
                                         <p:cTn id="38" dur="200" fill="hold"/>
                                         <p:tgtEl>
-                                          <p:spTgt spid="601"/>
+                                          <p:spTgt spid="10001"/>
                                         </p:tgtEl>
                                         <p:attrNameLst>
                                           <p:attrName>ppt_x</p:attrName>
@@ -19447,7 +19447,7 @@
                                       <p:cBhvr>
                                         <p:cTn id="39" dur="200" fill="hold"/>
                                         <p:tgtEl>
-                                          <p:spTgt spid="601"/>
+                                          <p:spTgt spid="10001"/>
                                         </p:tgtEl>
                                         <p:attrNameLst>
                                           <p:attrName>ppt_x</p:attrName>
@@ -19460,7 +19460,7 @@
                                       <p:cBhvr>
                                         <p:cTn id="40" dur="200" fill="hold"/>
                                         <p:tgtEl>
-                                          <p:spTgt spid="601"/>
+                                          <p:spTgt spid="10001"/>
                                         </p:tgtEl>
                                         <p:attrNameLst>
                                           <p:attrName>ppt_x</p:attrName>
@@ -19473,7 +19473,7 @@
                                       <p:cBhvr>
                                         <p:cTn id="41" dur="200" fill="hold"/>
                                         <p:tgtEl>
-                                          <p:spTgt spid="601"/>
+                                          <p:spTgt spid="10001"/>
                                         </p:tgtEl>
                                         <p:attrNameLst>
                                           <p:attrName>ppt_x</p:attrName>
@@ -19486,7 +19486,7 @@
                                       <p:cBhvr>
                                         <p:cTn id="42" dur="200" fill="hold"/>
                                         <p:tgtEl>
-                                          <p:spTgt spid="601"/>
+                                          <p:spTgt spid="10001"/>
                                         </p:tgtEl>
                                         <p:attrNameLst>
                                           <p:attrName>ppt_x</p:attrName>
@@ -19499,7 +19499,7 @@
                                       <p:cBhvr>
                                         <p:cTn id="43" dur="200" fill="hold"/>
                                         <p:tgtEl>
-                                          <p:spTgt spid="601"/>
+                                          <p:spTgt spid="10001"/>
                                         </p:tgtEl>
                                         <p:attrNameLst>
                                           <p:attrName>ppt_x</p:attrName>
@@ -19512,7 +19512,7 @@
                                       <p:cBhvr>
                                         <p:cTn id="44" dur="200" fill="hold"/>
                                         <p:tgtEl>
-                                          <p:spTgt spid="601"/>
+                                          <p:spTgt spid="10001"/>
                                         </p:tgtEl>
                                         <p:attrNameLst>
                                           <p:attrName>ppt_x</p:attrName>
@@ -19525,7 +19525,7 @@
                                       <p:cBhvr>
                                         <p:cTn id="45" dur="200" fill="hold"/>
                                         <p:tgtEl>
-                                          <p:spTgt spid="601"/>
+                                          <p:spTgt spid="10001"/>
                                         </p:tgtEl>
                                         <p:attrNameLst>
                                           <p:attrName>ppt_x</p:attrName>
@@ -19538,7 +19538,7 @@
                                       <p:cBhvr>
                                         <p:cTn id="46" dur="200" fill="hold"/>
                                         <p:tgtEl>
-                                          <p:spTgt spid="601"/>
+                                          <p:spTgt spid="10001"/>
                                         </p:tgtEl>
                                         <p:attrNameLst>
                                           <p:attrName>ppt_x</p:attrName>
@@ -19551,7 +19551,7 @@
                                       <p:cBhvr>
                                         <p:cTn id="47" dur="200" fill="hold"/>
                                         <p:tgtEl>
-                                          <p:spTgt spid="601"/>
+                                          <p:spTgt spid="10001"/>
                                         </p:tgtEl>
                                         <p:attrNameLst>
                                           <p:attrName>ppt_x</p:attrName>
@@ -19564,7 +19564,7 @@
                                       <p:cBhvr>
                                         <p:cTn id="48" dur="200" fill="hold"/>
                                         <p:tgtEl>
-                                          <p:spTgt spid="601"/>
+                                          <p:spTgt spid="10001"/>
                                         </p:tgtEl>
                                         <p:attrNameLst>
                                           <p:attrName>ppt_x</p:attrName>
@@ -19577,7 +19577,7 @@
                                       <p:cBhvr>
                                         <p:cTn id="49" dur="200" fill="hold"/>
                                         <p:tgtEl>
-                                          <p:spTgt spid="601"/>
+                                          <p:spTgt spid="10001"/>
                                         </p:tgtEl>
                                         <p:attrNameLst>
                                           <p:attrName>ppt_x</p:attrName>
@@ -19590,7 +19590,7 @@
                                       <p:cBhvr>
                                         <p:cTn id="50" dur="200" fill="hold"/>
                                         <p:tgtEl>
-                                          <p:spTgt spid="601"/>
+                                          <p:spTgt spid="10001"/>
                                         </p:tgtEl>
                                         <p:attrNameLst>
                                           <p:attrName>ppt_x</p:attrName>
@@ -19603,7 +19603,7 @@
                                       <p:cBhvr>
                                         <p:cTn id="51" dur="200" fill="hold"/>
                                         <p:tgtEl>
-                                          <p:spTgt spid="601"/>
+                                          <p:spTgt spid="10001"/>
                                         </p:tgtEl>
                                         <p:attrNameLst>
                                           <p:attrName>ppt_x</p:attrName>
@@ -19616,7 +19616,7 @@
                                       <p:cBhvr>
                                         <p:cTn id="52" dur="200" fill="hold"/>
                                         <p:tgtEl>
-                                          <p:spTgt spid="601"/>
+                                          <p:spTgt spid="10001"/>
                                         </p:tgtEl>
                                         <p:attrNameLst>
                                           <p:attrName>ppt_x</p:attrName>
@@ -19629,7 +19629,7 @@
                                       <p:cBhvr>
                                         <p:cTn id="53" dur="200" fill="hold"/>
                                         <p:tgtEl>
-                                          <p:spTgt spid="601"/>
+                                          <p:spTgt spid="10001"/>
                                         </p:tgtEl>
                                         <p:attrNameLst>
                                           <p:attrName>ppt_x</p:attrName>
@@ -19642,7 +19642,7 @@
                                       <p:cBhvr>
                                         <p:cTn id="54" dur="200" fill="hold"/>
                                         <p:tgtEl>
-                                          <p:spTgt spid="601"/>
+                                          <p:spTgt spid="10001"/>
                                         </p:tgtEl>
                                         <p:attrNameLst>
                                           <p:attrName>ppt_x</p:attrName>
@@ -19655,7 +19655,7 @@
                                       <p:cBhvr>
                                         <p:cTn id="55" dur="200" fill="hold"/>
                                         <p:tgtEl>
-                                          <p:spTgt spid="601"/>
+                                          <p:spTgt spid="10001"/>
                                         </p:tgtEl>
                                         <p:attrNameLst>
                                           <p:attrName>ppt_x</p:attrName>
@@ -19668,7 +19668,7 @@
                                       <p:cBhvr>
                                         <p:cTn id="56" dur="200" fill="hold"/>
                                         <p:tgtEl>
-                                          <p:spTgt spid="601"/>
+                                          <p:spTgt spid="10001"/>
                                         </p:tgtEl>
                                         <p:attrNameLst>
                                           <p:attrName>ppt_x</p:attrName>
@@ -19681,7 +19681,7 @@
                                       <p:cBhvr>
                                         <p:cTn id="57" dur="200" fill="hold"/>
                                         <p:tgtEl>
-                                          <p:spTgt spid="601"/>
+                                          <p:spTgt spid="10001"/>
                                         </p:tgtEl>
                                         <p:attrNameLst>
                                           <p:attrName>ppt_x</p:attrName>
@@ -19694,7 +19694,7 @@
                                       <p:cBhvr>
                                         <p:cTn id="58" dur="200" fill="hold"/>
                                         <p:tgtEl>
-                                          <p:spTgt spid="601"/>
+                                          <p:spTgt spid="10001"/>
                                         </p:tgtEl>
                                         <p:attrNameLst>
                                           <p:attrName>ppt_x</p:attrName>
@@ -19707,7 +19707,7 @@
                                       <p:cBhvr>
                                         <p:cTn id="59" dur="200" fill="hold"/>
                                         <p:tgtEl>
-                                          <p:spTgt spid="601"/>
+                                          <p:spTgt spid="10001"/>
                                         </p:tgtEl>
                                         <p:attrNameLst>
                                           <p:attrName>ppt_x</p:attrName>
@@ -19720,7 +19720,7 @@
                                       <p:cBhvr>
                                         <p:cTn id="60" dur="200" fill="hold"/>
                                         <p:tgtEl>
-                                          <p:spTgt spid="601"/>
+                                          <p:spTgt spid="10001"/>
                                         </p:tgtEl>
                                         <p:attrNameLst>
                                           <p:attrName>ppt_x</p:attrName>
@@ -19733,7 +19733,7 @@
                                       <p:cBhvr>
                                         <p:cTn id="61" dur="200" fill="hold"/>
                                         <p:tgtEl>
-                                          <p:spTgt spid="601"/>
+                                          <p:spTgt spid="10001"/>
                                         </p:tgtEl>
                                         <p:attrNameLst>
                                           <p:attrName>ppt_x</p:attrName>
@@ -19746,7 +19746,7 @@
                                       <p:cBhvr>
                                         <p:cTn id="62" dur="200" fill="hold"/>
                                         <p:tgtEl>
-                                          <p:spTgt spid="601"/>
+                                          <p:spTgt spid="10001"/>
                                         </p:tgtEl>
                                         <p:attrNameLst>
                                           <p:attrName>ppt_x</p:attrName>
@@ -19759,7 +19759,7 @@
                                       <p:cBhvr>
                                         <p:cTn id="63" dur="200" fill="hold"/>
                                         <p:tgtEl>
-                                          <p:spTgt spid="601"/>
+                                          <p:spTgt spid="10001"/>
                                         </p:tgtEl>
                                         <p:attrNameLst>
                                           <p:attrName>ppt_x</p:attrName>
@@ -19772,7 +19772,7 @@
                                       <p:cBhvr>
                                         <p:cTn id="64" dur="200" fill="hold"/>
                                         <p:tgtEl>
-                                          <p:spTgt spid="601"/>
+                                          <p:spTgt spid="10001"/>
                                         </p:tgtEl>
                                         <p:attrNameLst>
                                           <p:attrName>ppt_x</p:attrName>
@@ -19785,7 +19785,7 @@
                                       <p:cBhvr>
                                         <p:cTn id="65" dur="200" fill="hold"/>
                                         <p:tgtEl>
-                                          <p:spTgt spid="601"/>
+                                          <p:spTgt spid="10001"/>
                                         </p:tgtEl>
                                         <p:attrNameLst>
                                           <p:attrName>ppt_x</p:attrName>
@@ -19798,7 +19798,7 @@
                                       <p:cBhvr>
                                         <p:cTn id="66" dur="200" fill="hold"/>
                                         <p:tgtEl>
-                                          <p:spTgt spid="601"/>
+                                          <p:spTgt spid="10001"/>
                                         </p:tgtEl>
                                         <p:attrNameLst>
                                           <p:attrName>ppt_x</p:attrName>
@@ -19811,7 +19811,7 @@
                                       <p:cBhvr>
                                         <p:cTn id="67" dur="200" fill="hold"/>
                                         <p:tgtEl>
-                                          <p:spTgt spid="601"/>
+                                          <p:spTgt spid="10001"/>
                                         </p:tgtEl>
                                         <p:attrNameLst>
                                           <p:attrName>ppt_x</p:attrName>
@@ -19824,7 +19824,7 @@
                                       <p:cBhvr>
                                         <p:cTn id="68" dur="200" fill="hold"/>
                                         <p:tgtEl>
-                                          <p:spTgt spid="601"/>
+                                          <p:spTgt spid="10001"/>
                                         </p:tgtEl>
                                         <p:attrNameLst>
                                           <p:attrName>ppt_x</p:attrName>
@@ -19837,7 +19837,7 @@
                                       <p:cBhvr>
                                         <p:cTn id="69" dur="200" fill="hold"/>
                                         <p:tgtEl>
-                                          <p:spTgt spid="601"/>
+                                          <p:spTgt spid="10001"/>
                                         </p:tgtEl>
                                         <p:attrNameLst>
                                           <p:attrName>ppt_x</p:attrName>
@@ -19863,7 +19863,7 @@
                                           </p:stCondLst>
                                         </p:cTn>
                                         <p:tgtEl>
-                                          <p:spTgt spid="20600"/>
+                                          <p:spTgt spid="30000"/>
                                         </p:tgtEl>
                                         <p:attrNameLst>
                                           <p:attrName>style.visibility</p:attrName>
@@ -19890,7 +19890,7 @@
                                           </p:stCondLst>
                                         </p:cTn>
                                         <p:tgtEl>
-                                          <p:spTgt spid="20601"/>
+                                          <p:spTgt spid="30001"/>
                                         </p:tgtEl>
                                         <p:attrNameLst>
                                           <p:attrName>style.visibility</p:attrName>
@@ -19917,7 +19917,7 @@
                                           </p:stCondLst>
                                         </p:cTn>
                                         <p:tgtEl>
-                                          <p:spTgt spid="20602"/>
+                                          <p:spTgt spid="30002"/>
                                         </p:tgtEl>
                                         <p:attrNameLst>
                                           <p:attrName>style.visibility</p:attrName>
@@ -19944,7 +19944,7 @@
                                           </p:stCondLst>
                                         </p:cTn>
                                         <p:tgtEl>
-                                          <p:spTgt spid="20603"/>
+                                          <p:spTgt spid="30003"/>
                                         </p:tgtEl>
                                         <p:attrNameLst>
                                           <p:attrName>style.visibility</p:attrName>
@@ -19971,7 +19971,7 @@
                                           </p:stCondLst>
                                         </p:cTn>
                                         <p:tgtEl>
-                                          <p:spTgt spid="20604"/>
+                                          <p:spTgt spid="30004"/>
                                         </p:tgtEl>
                                         <p:attrNameLst>
                                           <p:attrName>style.visibility</p:attrName>
@@ -19998,7 +19998,7 @@
                                           </p:stCondLst>
                                         </p:cTn>
                                         <p:tgtEl>
-                                          <p:spTgt spid="20605"/>
+                                          <p:spTgt spid="30005"/>
                                         </p:tgtEl>
                                         <p:attrNameLst>
                                           <p:attrName>style.visibility</p:attrName>
@@ -20025,7 +20025,7 @@
                                           </p:stCondLst>
                                         </p:cTn>
                                         <p:tgtEl>
-                                          <p:spTgt spid="20606"/>
+                                          <p:spTgt spid="30006"/>
                                         </p:tgtEl>
                                         <p:attrNameLst>
                                           <p:attrName>style.visibility</p:attrName>
@@ -20052,7 +20052,7 @@
                                           </p:stCondLst>
                                         </p:cTn>
                                         <p:tgtEl>
-                                          <p:spTgt spid="20607"/>
+                                          <p:spTgt spid="30007"/>
                                         </p:tgtEl>
                                         <p:attrNameLst>
                                           <p:attrName>style.visibility</p:attrName>
@@ -20079,7 +20079,7 @@
                                           </p:stCondLst>
                                         </p:cTn>
                                         <p:tgtEl>
-                                          <p:spTgt spid="20608"/>
+                                          <p:spTgt spid="30008"/>
                                         </p:tgtEl>
                                         <p:attrNameLst>
                                           <p:attrName>style.visibility</p:attrName>
@@ -20106,7 +20106,7 @@
                                           </p:stCondLst>
                                         </p:cTn>
                                         <p:tgtEl>
-                                          <p:spTgt spid="20609"/>
+                                          <p:spTgt spid="30009"/>
                                         </p:tgtEl>
                                         <p:attrNameLst>
                                           <p:attrName>style.visibility</p:attrName>
@@ -20133,7 +20133,7 @@
                                           </p:stCondLst>
                                         </p:cTn>
                                         <p:tgtEl>
-                                          <p:spTgt spid="20610"/>
+                                          <p:spTgt spid="30010"/>
                                         </p:tgtEl>
                                         <p:attrNameLst>
                                           <p:attrName>style.visibility</p:attrName>
@@ -20160,7 +20160,7 @@
                                           </p:stCondLst>
                                         </p:cTn>
                                         <p:tgtEl>
-                                          <p:spTgt spid="20611"/>
+                                          <p:spTgt spid="30011"/>
                                         </p:tgtEl>
                                         <p:attrNameLst>
                                           <p:attrName>style.visibility</p:attrName>
@@ -20187,7 +20187,7 @@
                                           </p:stCondLst>
                                         </p:cTn>
                                         <p:tgtEl>
-                                          <p:spTgt spid="20612"/>
+                                          <p:spTgt spid="30012"/>
                                         </p:tgtEl>
                                         <p:attrNameLst>
                                           <p:attrName>style.visibility</p:attrName>
@@ -20214,7 +20214,7 @@
                                           </p:stCondLst>
                                         </p:cTn>
                                         <p:tgtEl>
-                                          <p:spTgt spid="20613"/>
+                                          <p:spTgt spid="30013"/>
                                         </p:tgtEl>
                                         <p:attrNameLst>
                                           <p:attrName>style.visibility</p:attrName>
@@ -20241,7 +20241,7 @@
                                           </p:stCondLst>
                                         </p:cTn>
                                         <p:tgtEl>
-                                          <p:spTgt spid="20614"/>
+                                          <p:spTgt spid="30014"/>
                                         </p:tgtEl>
                                         <p:attrNameLst>
                                           <p:attrName>style.visibility</p:attrName>
@@ -20268,7 +20268,7 @@
                                           </p:stCondLst>
                                         </p:cTn>
                                         <p:tgtEl>
-                                          <p:spTgt spid="20615"/>
+                                          <p:spTgt spid="30015"/>
                                         </p:tgtEl>
                                         <p:attrNameLst>
                                           <p:attrName>style.visibility</p:attrName>
@@ -20295,7 +20295,7 @@
                                           </p:stCondLst>
                                         </p:cTn>
                                         <p:tgtEl>
-                                          <p:spTgt spid="20616"/>
+                                          <p:spTgt spid="30016"/>
                                         </p:tgtEl>
                                         <p:attrNameLst>
                                           <p:attrName>style.visibility</p:attrName>
@@ -20322,7 +20322,7 @@
                                           </p:stCondLst>
                                         </p:cTn>
                                         <p:tgtEl>
-                                          <p:spTgt spid="20617"/>
+                                          <p:spTgt spid="30017"/>
                                         </p:tgtEl>
                                         <p:attrNameLst>
                                           <p:attrName>style.visibility</p:attrName>
@@ -20349,7 +20349,7 @@
                                           </p:stCondLst>
                                         </p:cTn>
                                         <p:tgtEl>
-                                          <p:spTgt spid="20618"/>
+                                          <p:spTgt spid="30018"/>
                                         </p:tgtEl>
                                         <p:attrNameLst>
                                           <p:attrName>style.visibility</p:attrName>
@@ -20376,7 +20376,7 @@
                                           </p:stCondLst>
                                         </p:cTn>
                                         <p:tgtEl>
-                                          <p:spTgt spid="20619"/>
+                                          <p:spTgt spid="30019"/>
                                         </p:tgtEl>
                                         <p:attrNameLst>
                                           <p:attrName>style.visibility</p:attrName>
@@ -20403,7 +20403,7 @@
                                           </p:stCondLst>
                                         </p:cTn>
                                         <p:tgtEl>
-                                          <p:spTgt spid="20620"/>
+                                          <p:spTgt spid="30020"/>
                                         </p:tgtEl>
                                         <p:attrNameLst>
                                           <p:attrName>style.visibility</p:attrName>
@@ -20430,7 +20430,7 @@
                                           </p:stCondLst>
                                         </p:cTn>
                                         <p:tgtEl>
-                                          <p:spTgt spid="20621"/>
+                                          <p:spTgt spid="30021"/>
                                         </p:tgtEl>
                                         <p:attrNameLst>
                                           <p:attrName>style.visibility</p:attrName>
@@ -20457,7 +20457,7 @@
                                           </p:stCondLst>
                                         </p:cTn>
                                         <p:tgtEl>
-                                          <p:spTgt spid="20622"/>
+                                          <p:spTgt spid="30022"/>
                                         </p:tgtEl>
                                         <p:attrNameLst>
                                           <p:attrName>style.visibility</p:attrName>
@@ -20484,7 +20484,7 @@
                                           </p:stCondLst>
                                         </p:cTn>
                                         <p:tgtEl>
-                                          <p:spTgt spid="20623"/>
+                                          <p:spTgt spid="30023"/>
                                         </p:tgtEl>
                                         <p:attrNameLst>
                                           <p:attrName>style.visibility</p:attrName>
@@ -20511,7 +20511,7 @@
                                           </p:stCondLst>
                                         </p:cTn>
                                         <p:tgtEl>
-                                          <p:spTgt spid="20624"/>
+                                          <p:spTgt spid="30024"/>
                                         </p:tgtEl>
                                         <p:attrNameLst>
                                           <p:attrName>style.visibility</p:attrName>
@@ -20538,7 +20538,7 @@
                                           </p:stCondLst>
                                         </p:cTn>
                                         <p:tgtEl>
-                                          <p:spTgt spid="20625"/>
+                                          <p:spTgt spid="30025"/>
                                         </p:tgtEl>
                                         <p:attrNameLst>
                                           <p:attrName>style.visibility</p:attrName>
@@ -20565,7 +20565,7 @@
                                           </p:stCondLst>
                                         </p:cTn>
                                         <p:tgtEl>
-                                          <p:spTgt spid="20626"/>
+                                          <p:spTgt spid="30026"/>
                                         </p:tgtEl>
                                         <p:attrNameLst>
                                           <p:attrName>style.visibility</p:attrName>
@@ -20592,7 +20592,7 @@
                                           </p:stCondLst>
                                         </p:cTn>
                                         <p:tgtEl>
-                                          <p:spTgt spid="20627"/>
+                                          <p:spTgt spid="30027"/>
                                         </p:tgtEl>
                                         <p:attrNameLst>
                                           <p:attrName>style.visibility</p:attrName>
@@ -20619,7 +20619,7 @@
                                           </p:stCondLst>
                                         </p:cTn>
                                         <p:tgtEl>
-                                          <p:spTgt spid="20628"/>
+                                          <p:spTgt spid="30028"/>
                                         </p:tgtEl>
                                         <p:attrNameLst>
                                           <p:attrName>style.visibility</p:attrName>
@@ -20646,7 +20646,7 @@
                                           </p:stCondLst>
                                         </p:cTn>
                                         <p:tgtEl>
-                                          <p:spTgt spid="20629"/>
+                                          <p:spTgt spid="30029"/>
                                         </p:tgtEl>
                                         <p:attrNameLst>
                                           <p:attrName>style.visibility</p:attrName>
@@ -20673,7 +20673,7 @@
                                           </p:stCondLst>
                                         </p:cTn>
                                         <p:tgtEl>
-                                          <p:spTgt spid="20630"/>
+                                          <p:spTgt spid="30030"/>
                                         </p:tgtEl>
                                         <p:attrNameLst>
                                           <p:attrName>style.visibility</p:attrName>
@@ -20700,7 +20700,7 @@
                                           </p:stCondLst>
                                         </p:cTn>
                                         <p:tgtEl>
-                                          <p:spTgt spid="20631"/>
+                                          <p:spTgt spid="30031"/>
                                         </p:tgtEl>
                                         <p:attrNameLst>
                                           <p:attrName>style.visibility</p:attrName>
@@ -20727,7 +20727,7 @@
                                           </p:stCondLst>
                                         </p:cTn>
                                         <p:tgtEl>
-                                          <p:spTgt spid="20632"/>
+                                          <p:spTgt spid="30032"/>
                                         </p:tgtEl>
                                         <p:attrNameLst>
                                           <p:attrName>style.visibility</p:attrName>
@@ -20754,7 +20754,7 @@
                                           </p:stCondLst>
                                         </p:cTn>
                                         <p:tgtEl>
-                                          <p:spTgt spid="20633"/>
+                                          <p:spTgt spid="30033"/>
                                         </p:tgtEl>
                                         <p:attrNameLst>
                                           <p:attrName>style.visibility</p:attrName>
@@ -20781,7 +20781,7 @@
                                           </p:stCondLst>
                                         </p:cTn>
                                         <p:tgtEl>
-                                          <p:spTgt spid="20634"/>
+                                          <p:spTgt spid="30034"/>
                                         </p:tgtEl>
                                         <p:attrNameLst>
                                           <p:attrName>style.visibility</p:attrName>
@@ -20808,7 +20808,7 @@
                                           </p:stCondLst>
                                         </p:cTn>
                                         <p:tgtEl>
-                                          <p:spTgt spid="20635"/>
+                                          <p:spTgt spid="30035"/>
                                         </p:tgtEl>
                                         <p:attrNameLst>
                                           <p:attrName>style.visibility</p:attrName>
@@ -20835,7 +20835,7 @@
                                           </p:stCondLst>
                                         </p:cTn>
                                         <p:tgtEl>
-                                          <p:spTgt spid="20636"/>
+                                          <p:spTgt spid="30036"/>
                                         </p:tgtEl>
                                         <p:attrNameLst>
                                           <p:attrName>style.visibility</p:attrName>
@@ -20862,7 +20862,7 @@
                                           </p:stCondLst>
                                         </p:cTn>
                                         <p:tgtEl>
-                                          <p:spTgt spid="20637"/>
+                                          <p:spTgt spid="30037"/>
                                         </p:tgtEl>
                                         <p:attrNameLst>
                                           <p:attrName>style.visibility</p:attrName>
@@ -20889,7 +20889,7 @@
                                           </p:stCondLst>
                                         </p:cTn>
                                         <p:tgtEl>
-                                          <p:spTgt spid="20638"/>
+                                          <p:spTgt spid="30038"/>
                                         </p:tgtEl>
                                         <p:attrNameLst>
                                           <p:attrName>style.visibility</p:attrName>
@@ -20916,7 +20916,7 @@
                                           </p:stCondLst>
                                         </p:cTn>
                                         <p:tgtEl>
-                                          <p:spTgt spid="20639"/>
+                                          <p:spTgt spid="30039"/>
                                         </p:tgtEl>
                                         <p:attrNameLst>
                                           <p:attrName>style.visibility</p:attrName>
@@ -20943,7 +20943,7 @@
                                           </p:stCondLst>
                                         </p:cTn>
                                         <p:tgtEl>
-                                          <p:spTgt spid="20640"/>
+                                          <p:spTgt spid="30040"/>
                                         </p:tgtEl>
                                         <p:attrNameLst>
                                           <p:attrName>style.visibility</p:attrName>
@@ -20970,7 +20970,7 @@
                                           </p:stCondLst>
                                         </p:cTn>
                                         <p:tgtEl>
-                                          <p:spTgt spid="20641"/>
+                                          <p:spTgt spid="30041"/>
                                         </p:tgtEl>
                                         <p:attrNameLst>
                                           <p:attrName>style.visibility</p:attrName>
@@ -20997,7 +20997,7 @@
                                           </p:stCondLst>
                                         </p:cTn>
                                         <p:tgtEl>
-                                          <p:spTgt spid="20642"/>
+                                          <p:spTgt spid="30042"/>
                                         </p:tgtEl>
                                         <p:attrNameLst>
                                           <p:attrName>style.visibility</p:attrName>
@@ -21024,7 +21024,7 @@
                                           </p:stCondLst>
                                         </p:cTn>
                                         <p:tgtEl>
-                                          <p:spTgt spid="20643"/>
+                                          <p:spTgt spid="30043"/>
                                         </p:tgtEl>
                                         <p:attrNameLst>
                                           <p:attrName>style.visibility</p:attrName>
@@ -21051,7 +21051,7 @@
                                           </p:stCondLst>
                                         </p:cTn>
                                         <p:tgtEl>
-                                          <p:spTgt spid="20644"/>
+                                          <p:spTgt spid="30044"/>
                                         </p:tgtEl>
                                         <p:attrNameLst>
                                           <p:attrName>style.visibility</p:attrName>
@@ -21078,7 +21078,7 @@
                                           </p:stCondLst>
                                         </p:cTn>
                                         <p:tgtEl>
-                                          <p:spTgt spid="20645"/>
+                                          <p:spTgt spid="30045"/>
                                         </p:tgtEl>
                                         <p:attrNameLst>
                                           <p:attrName>style.visibility</p:attrName>
@@ -21105,7 +21105,7 @@
                                           </p:stCondLst>
                                         </p:cTn>
                                         <p:tgtEl>
-                                          <p:spTgt spid="20646"/>
+                                          <p:spTgt spid="30046"/>
                                         </p:tgtEl>
                                         <p:attrNameLst>
                                           <p:attrName>style.visibility</p:attrName>
@@ -21132,7 +21132,7 @@
                                           </p:stCondLst>
                                         </p:cTn>
                                         <p:tgtEl>
-                                          <p:spTgt spid="20647"/>
+                                          <p:spTgt spid="30047"/>
                                         </p:tgtEl>
                                         <p:attrNameLst>
                                           <p:attrName>style.visibility</p:attrName>
@@ -21159,7 +21159,7 @@
                                           </p:stCondLst>
                                         </p:cTn>
                                         <p:tgtEl>
-                                          <p:spTgt spid="20648"/>
+                                          <p:spTgt spid="30048"/>
                                         </p:tgtEl>
                                         <p:attrNameLst>
                                           <p:attrName>style.visibility</p:attrName>
@@ -21186,7 +21186,7 @@
                                           </p:stCondLst>
                                         </p:cTn>
                                         <p:tgtEl>
-                                          <p:spTgt spid="20649"/>
+                                          <p:spTgt spid="30049"/>
                                         </p:tgtEl>
                                         <p:attrNameLst>
                                           <p:attrName>style.visibility</p:attrName>
@@ -21213,7 +21213,7 @@
                                           </p:stCondLst>
                                         </p:cTn>
                                         <p:tgtEl>
-                                          <p:spTgt spid="20650"/>
+                                          <p:spTgt spid="30050"/>
                                         </p:tgtEl>
                                         <p:attrNameLst>
                                           <p:attrName>style.visibility</p:attrName>
@@ -21240,7 +21240,7 @@
                                           </p:stCondLst>
                                         </p:cTn>
                                         <p:tgtEl>
-                                          <p:spTgt spid="20651"/>
+                                          <p:spTgt spid="30051"/>
                                         </p:tgtEl>
                                         <p:attrNameLst>
                                           <p:attrName>style.visibility</p:attrName>
@@ -21267,7 +21267,7 @@
                                           </p:stCondLst>
                                         </p:cTn>
                                         <p:tgtEl>
-                                          <p:spTgt spid="20652"/>
+                                          <p:spTgt spid="30052"/>
                                         </p:tgtEl>
                                         <p:attrNameLst>
                                           <p:attrName>style.visibility</p:attrName>
@@ -21294,7 +21294,7 @@
                                           </p:stCondLst>
                                         </p:cTn>
                                         <p:tgtEl>
-                                          <p:spTgt spid="20653"/>
+                                          <p:spTgt spid="30053"/>
                                         </p:tgtEl>
                                         <p:attrNameLst>
                                           <p:attrName>style.visibility</p:attrName>
@@ -21321,7 +21321,7 @@
                                           </p:stCondLst>
                                         </p:cTn>
                                         <p:tgtEl>
-                                          <p:spTgt spid="20654"/>
+                                          <p:spTgt spid="30054"/>
                                         </p:tgtEl>
                                         <p:attrNameLst>
                                           <p:attrName>style.visibility</p:attrName>
@@ -21348,7 +21348,7 @@
                                           </p:stCondLst>
                                         </p:cTn>
                                         <p:tgtEl>
-                                          <p:spTgt spid="20655"/>
+                                          <p:spTgt spid="30055"/>
                                         </p:tgtEl>
                                         <p:attrNameLst>
                                           <p:attrName>style.visibility</p:attrName>
@@ -21375,7 +21375,7 @@
                                           </p:stCondLst>
                                         </p:cTn>
                                         <p:tgtEl>
-                                          <p:spTgt spid="20656"/>
+                                          <p:spTgt spid="30056"/>
                                         </p:tgtEl>
                                         <p:attrNameLst>
                                           <p:attrName>style.visibility</p:attrName>
@@ -21402,7 +21402,7 @@
                                           </p:stCondLst>
                                         </p:cTn>
                                         <p:tgtEl>
-                                          <p:spTgt spid="20657"/>
+                                          <p:spTgt spid="30057"/>
                                         </p:tgtEl>
                                         <p:attrNameLst>
                                           <p:attrName>style.visibility</p:attrName>
@@ -21429,7 +21429,7 @@
                                           </p:stCondLst>
                                         </p:cTn>
                                         <p:tgtEl>
-                                          <p:spTgt spid="20658"/>
+                                          <p:spTgt spid="30058"/>
                                         </p:tgtEl>
                                         <p:attrNameLst>
                                           <p:attrName>style.visibility</p:attrName>
@@ -21456,7 +21456,7 @@
                                           </p:stCondLst>
                                         </p:cTn>
                                         <p:tgtEl>
-                                          <p:spTgt spid="20659"/>
+                                          <p:spTgt spid="30059"/>
                                         </p:tgtEl>
                                         <p:attrNameLst>
                                           <p:attrName>style.visibility</p:attrName>
@@ -21483,7 +21483,7 @@
                                           </p:stCondLst>
                                         </p:cTn>
                                         <p:tgtEl>
-                                          <p:spTgt spid="20660"/>
+                                          <p:spTgt spid="30060"/>
                                         </p:tgtEl>
                                         <p:attrNameLst>
                                           <p:attrName>style.visibility</p:attrName>
@@ -21510,7 +21510,7 @@
                                           </p:stCondLst>
                                         </p:cTn>
                                         <p:tgtEl>
-                                          <p:spTgt spid="20661"/>
+                                          <p:spTgt spid="30061"/>
                                         </p:tgtEl>
                                         <p:attrNameLst>
                                           <p:attrName>style.visibility</p:attrName>
@@ -21537,7 +21537,7 @@
                                           </p:stCondLst>
                                         </p:cTn>
                                         <p:tgtEl>
-                                          <p:spTgt spid="20662"/>
+                                          <p:spTgt spid="30062"/>
                                         </p:tgtEl>
                                         <p:attrNameLst>
                                           <p:attrName>style.visibility</p:attrName>
@@ -21564,7 +21564,7 @@
                                           </p:stCondLst>
                                         </p:cTn>
                                         <p:tgtEl>
-                                          <p:spTgt spid="20663"/>
+                                          <p:spTgt spid="30063"/>
                                         </p:tgtEl>
                                         <p:attrNameLst>
                                           <p:attrName>style.visibility</p:attrName>
@@ -21591,7 +21591,7 @@
                                           </p:stCondLst>
                                         </p:cTn>
                                         <p:tgtEl>
-                                          <p:spTgt spid="20664"/>
+                                          <p:spTgt spid="30064"/>
                                         </p:tgtEl>
                                         <p:attrNameLst>
                                           <p:attrName>style.visibility</p:attrName>
@@ -21618,7 +21618,7 @@
                                           </p:stCondLst>
                                         </p:cTn>
                                         <p:tgtEl>
-                                          <p:spTgt spid="20665"/>
+                                          <p:spTgt spid="30065"/>
                                         </p:tgtEl>
                                         <p:attrNameLst>
                                           <p:attrName>style.visibility</p:attrName>
@@ -21645,7 +21645,7 @@
                                           </p:stCondLst>
                                         </p:cTn>
                                         <p:tgtEl>
-                                          <p:spTgt spid="20666"/>
+                                          <p:spTgt spid="30066"/>
                                         </p:tgtEl>
                                         <p:attrNameLst>
                                           <p:attrName>style.visibility</p:attrName>
@@ -21672,7 +21672,7 @@
                                           </p:stCondLst>
                                         </p:cTn>
                                         <p:tgtEl>
-                                          <p:spTgt spid="20667"/>
+                                          <p:spTgt spid="30067"/>
                                         </p:tgtEl>
                                         <p:attrNameLst>
                                           <p:attrName>style.visibility</p:attrName>
@@ -21699,7 +21699,7 @@
                                           </p:stCondLst>
                                         </p:cTn>
                                         <p:tgtEl>
-                                          <p:spTgt spid="20668"/>
+                                          <p:spTgt spid="30068"/>
                                         </p:tgtEl>
                                         <p:attrNameLst>
                                           <p:attrName>style.visibility</p:attrName>
@@ -21726,7 +21726,7 @@
                                           </p:stCondLst>
                                         </p:cTn>
                                         <p:tgtEl>
-                                          <p:spTgt spid="20669"/>
+                                          <p:spTgt spid="30069"/>
                                         </p:tgtEl>
                                         <p:attrNameLst>
                                           <p:attrName>style.visibility</p:attrName>
@@ -21753,7 +21753,7 @@
                                           </p:stCondLst>
                                         </p:cTn>
                                         <p:tgtEl>
-                                          <p:spTgt spid="20670"/>
+                                          <p:spTgt spid="30070"/>
                                         </p:tgtEl>
                                         <p:attrNameLst>
                                           <p:attrName>style.visibility</p:attrName>
@@ -21780,7 +21780,7 @@
                                           </p:stCondLst>
                                         </p:cTn>
                                         <p:tgtEl>
-                                          <p:spTgt spid="20671"/>
+                                          <p:spTgt spid="30071"/>
                                         </p:tgtEl>
                                         <p:attrNameLst>
                                           <p:attrName>style.visibility</p:attrName>
@@ -21807,7 +21807,7 @@
                                           </p:stCondLst>
                                         </p:cTn>
                                         <p:tgtEl>
-                                          <p:spTgt spid="20672"/>
+                                          <p:spTgt spid="30072"/>
                                         </p:tgtEl>
                                         <p:attrNameLst>
                                           <p:attrName>style.visibility</p:attrName>
@@ -21834,7 +21834,7 @@
                                           </p:stCondLst>
                                         </p:cTn>
                                         <p:tgtEl>
-                                          <p:spTgt spid="20673"/>
+                                          <p:spTgt spid="30073"/>
                                         </p:tgtEl>
                                         <p:attrNameLst>
                                           <p:attrName>style.visibility</p:attrName>
@@ -21861,7 +21861,7 @@
                                           </p:stCondLst>
                                         </p:cTn>
                                         <p:tgtEl>
-                                          <p:spTgt spid="20674"/>
+                                          <p:spTgt spid="30074"/>
                                         </p:tgtEl>
                                         <p:attrNameLst>
                                           <p:attrName>style.visibility</p:attrName>
@@ -21888,7 +21888,7 @@
                                           </p:stCondLst>
                                         </p:cTn>
                                         <p:tgtEl>
-                                          <p:spTgt spid="20675"/>
+                                          <p:spTgt spid="30075"/>
                                         </p:tgtEl>
                                         <p:attrNameLst>
                                           <p:attrName>style.visibility</p:attrName>
@@ -21915,7 +21915,7 @@
                                           </p:stCondLst>
                                         </p:cTn>
                                         <p:tgtEl>
-                                          <p:spTgt spid="20676"/>
+                                          <p:spTgt spid="30076"/>
                                         </p:tgtEl>
                                         <p:attrNameLst>
                                           <p:attrName>style.visibility</p:attrName>
@@ -21942,7 +21942,7 @@
                                           </p:stCondLst>
                                         </p:cTn>
                                         <p:tgtEl>
-                                          <p:spTgt spid="20677"/>
+                                          <p:spTgt spid="30077"/>
                                         </p:tgtEl>
                                         <p:attrNameLst>
                                           <p:attrName>style.visibility</p:attrName>
@@ -21969,7 +21969,7 @@
                                           </p:stCondLst>
                                         </p:cTn>
                                         <p:tgtEl>
-                                          <p:spTgt spid="20678"/>
+                                          <p:spTgt spid="30078"/>
                                         </p:tgtEl>
                                         <p:attrNameLst>
                                           <p:attrName>style.visibility</p:attrName>
@@ -21996,7 +21996,7 @@
                                           </p:stCondLst>
                                         </p:cTn>
                                         <p:tgtEl>
-                                          <p:spTgt spid="20679"/>
+                                          <p:spTgt spid="30079"/>
                                         </p:tgtEl>
                                         <p:attrNameLst>
                                           <p:attrName>style.visibility</p:attrName>
@@ -22023,7 +22023,7 @@
                                           </p:stCondLst>
                                         </p:cTn>
                                         <p:tgtEl>
-                                          <p:spTgt spid="20680"/>
+                                          <p:spTgt spid="30080"/>
                                         </p:tgtEl>
                                         <p:attrNameLst>
                                           <p:attrName>style.visibility</p:attrName>
@@ -22050,7 +22050,7 @@
                                           </p:stCondLst>
                                         </p:cTn>
                                         <p:tgtEl>
-                                          <p:spTgt spid="20681"/>
+                                          <p:spTgt spid="30081"/>
                                         </p:tgtEl>
                                         <p:attrNameLst>
                                           <p:attrName>style.visibility</p:attrName>
@@ -22077,7 +22077,7 @@
                                           </p:stCondLst>
                                         </p:cTn>
                                         <p:tgtEl>
-                                          <p:spTgt spid="20682"/>
+                                          <p:spTgt spid="30082"/>
                                         </p:tgtEl>
                                         <p:attrNameLst>
                                           <p:attrName>style.visibility</p:attrName>
@@ -22104,7 +22104,7 @@
                                           </p:stCondLst>
                                         </p:cTn>
                                         <p:tgtEl>
-                                          <p:spTgt spid="20683"/>
+                                          <p:spTgt spid="30083"/>
                                         </p:tgtEl>
                                         <p:attrNameLst>
                                           <p:attrName>style.visibility</p:attrName>
@@ -22131,7 +22131,7 @@
                                           </p:stCondLst>
                                         </p:cTn>
                                         <p:tgtEl>
-                                          <p:spTgt spid="20684"/>
+                                          <p:spTgt spid="30084"/>
                                         </p:tgtEl>
                                         <p:attrNameLst>
                                           <p:attrName>style.visibility</p:attrName>
@@ -22158,7 +22158,7 @@
                                           </p:stCondLst>
                                         </p:cTn>
                                         <p:tgtEl>
-                                          <p:spTgt spid="20685"/>
+                                          <p:spTgt spid="30085"/>
                                         </p:tgtEl>
                                         <p:attrNameLst>
                                           <p:attrName>style.visibility</p:attrName>
@@ -22185,7 +22185,7 @@
                                           </p:stCondLst>
                                         </p:cTn>
                                         <p:tgtEl>
-                                          <p:spTgt spid="20686"/>
+                                          <p:spTgt spid="30086"/>
                                         </p:tgtEl>
                                         <p:attrNameLst>
                                           <p:attrName>style.visibility</p:attrName>
@@ -22212,7 +22212,7 @@
                                           </p:stCondLst>
                                         </p:cTn>
                                         <p:tgtEl>
-                                          <p:spTgt spid="20687"/>
+                                          <p:spTgt spid="30087"/>
                                         </p:tgtEl>
                                         <p:attrNameLst>
                                           <p:attrName>style.visibility</p:attrName>
@@ -22239,7 +22239,7 @@
                                           </p:stCondLst>
                                         </p:cTn>
                                         <p:tgtEl>
-                                          <p:spTgt spid="20688"/>
+                                          <p:spTgt spid="30088"/>
                                         </p:tgtEl>
                                         <p:attrNameLst>
                                           <p:attrName>style.visibility</p:attrName>
@@ -22266,7 +22266,7 @@
                                           </p:stCondLst>
                                         </p:cTn>
                                         <p:tgtEl>
-                                          <p:spTgt spid="20689"/>
+                                          <p:spTgt spid="30089"/>
                                         </p:tgtEl>
                                         <p:attrNameLst>
                                           <p:attrName>style.visibility</p:attrName>
@@ -22293,7 +22293,7 @@
                                           </p:stCondLst>
                                         </p:cTn>
                                         <p:tgtEl>
-                                          <p:spTgt spid="20690"/>
+                                          <p:spTgt spid="30090"/>
                                         </p:tgtEl>
                                         <p:attrNameLst>
                                           <p:attrName>style.visibility</p:attrName>
@@ -22320,7 +22320,7 @@
                                           </p:stCondLst>
                                         </p:cTn>
                                         <p:tgtEl>
-                                          <p:spTgt spid="20691"/>
+                                          <p:spTgt spid="30091"/>
                                         </p:tgtEl>
                                         <p:attrNameLst>
                                           <p:attrName>style.visibility</p:attrName>
@@ -22347,7 +22347,7 @@
                                           </p:stCondLst>
                                         </p:cTn>
                                         <p:tgtEl>
-                                          <p:spTgt spid="20692"/>
+                                          <p:spTgt spid="30092"/>
                                         </p:tgtEl>
                                         <p:attrNameLst>
                                           <p:attrName>style.visibility</p:attrName>
@@ -22374,7 +22374,7 @@
                                           </p:stCondLst>
                                         </p:cTn>
                                         <p:tgtEl>
-                                          <p:spTgt spid="20693"/>
+                                          <p:spTgt spid="30093"/>
                                         </p:tgtEl>
                                         <p:attrNameLst>
                                           <p:attrName>style.visibility</p:attrName>
@@ -22401,7 +22401,7 @@
                                           </p:stCondLst>
                                         </p:cTn>
                                         <p:tgtEl>
-                                          <p:spTgt spid="20694"/>
+                                          <p:spTgt spid="30094"/>
                                         </p:tgtEl>
                                         <p:attrNameLst>
                                           <p:attrName>style.visibility</p:attrName>
@@ -22428,7 +22428,7 @@
                                           </p:stCondLst>
                                         </p:cTn>
                                         <p:tgtEl>
-                                          <p:spTgt spid="20695"/>
+                                          <p:spTgt spid="30095"/>
                                         </p:tgtEl>
                                         <p:attrNameLst>
                                           <p:attrName>style.visibility</p:attrName>
@@ -22455,7 +22455,7 @@
                                           </p:stCondLst>
                                         </p:cTn>
                                         <p:tgtEl>
-                                          <p:spTgt spid="20696"/>
+                                          <p:spTgt spid="30096"/>
                                         </p:tgtEl>
                                         <p:attrNameLst>
                                           <p:attrName>style.visibility</p:attrName>
@@ -22482,7 +22482,7 @@
                                           </p:stCondLst>
                                         </p:cTn>
                                         <p:tgtEl>
-                                          <p:spTgt spid="20697"/>
+                                          <p:spTgt spid="30097"/>
                                         </p:tgtEl>
                                         <p:attrNameLst>
                                           <p:attrName>style.visibility</p:attrName>
@@ -22509,7 +22509,7 @@
                                           </p:stCondLst>
                                         </p:cTn>
                                         <p:tgtEl>
-                                          <p:spTgt spid="20698"/>
+                                          <p:spTgt spid="30098"/>
                                         </p:tgtEl>
                                         <p:attrNameLst>
                                           <p:attrName>style.visibility</p:attrName>
@@ -22536,7 +22536,7 @@
                                           </p:stCondLst>
                                         </p:cTn>
                                         <p:tgtEl>
-                                          <p:spTgt spid="20699"/>
+                                          <p:spTgt spid="30099"/>
                                         </p:tgtEl>
                                         <p:attrNameLst>
                                           <p:attrName>style.visibility</p:attrName>
@@ -22563,7 +22563,7 @@
                                           </p:stCondLst>
                                         </p:cTn>
                                         <p:tgtEl>
-                                          <p:spTgt spid="20700"/>
+                                          <p:spTgt spid="30100"/>
                                         </p:tgtEl>
                                         <p:attrNameLst>
                                           <p:attrName>style.visibility</p:attrName>
@@ -22590,7 +22590,7 @@
                                           </p:stCondLst>
                                         </p:cTn>
                                         <p:tgtEl>
-                                          <p:spTgt spid="20701"/>
+                                          <p:spTgt spid="30101"/>
                                         </p:tgtEl>
                                         <p:attrNameLst>
                                           <p:attrName>style.visibility</p:attrName>
@@ -22617,7 +22617,7 @@
                                           </p:stCondLst>
                                         </p:cTn>
                                         <p:tgtEl>
-                                          <p:spTgt spid="20702"/>
+                                          <p:spTgt spid="30102"/>
                                         </p:tgtEl>
                                         <p:attrNameLst>
                                           <p:attrName>style.visibility</p:attrName>
@@ -22644,7 +22644,7 @@
                                           </p:stCondLst>
                                         </p:cTn>
                                         <p:tgtEl>
-                                          <p:spTgt spid="20703"/>
+                                          <p:spTgt spid="30103"/>
                                         </p:tgtEl>
                                         <p:attrNameLst>
                                           <p:attrName>style.visibility</p:attrName>
@@ -22671,7 +22671,7 @@
                                           </p:stCondLst>
                                         </p:cTn>
                                         <p:tgtEl>
-                                          <p:spTgt spid="20704"/>
+                                          <p:spTgt spid="30104"/>
                                         </p:tgtEl>
                                         <p:attrNameLst>
                                           <p:attrName>style.visibility</p:attrName>
@@ -22698,7 +22698,7 @@
                                           </p:stCondLst>
                                         </p:cTn>
                                         <p:tgtEl>
-                                          <p:spTgt spid="20705"/>
+                                          <p:spTgt spid="30105"/>
                                         </p:tgtEl>
                                         <p:attrNameLst>
                                           <p:attrName>style.visibility</p:attrName>
@@ -22725,7 +22725,7 @@
                                           </p:stCondLst>
                                         </p:cTn>
                                         <p:tgtEl>
-                                          <p:spTgt spid="20706"/>
+                                          <p:spTgt spid="30106"/>
                                         </p:tgtEl>
                                         <p:attrNameLst>
                                           <p:attrName>style.visibility</p:attrName>
@@ -22752,7 +22752,7 @@
                                           </p:stCondLst>
                                         </p:cTn>
                                         <p:tgtEl>
-                                          <p:spTgt spid="20707"/>
+                                          <p:spTgt spid="30107"/>
                                         </p:tgtEl>
                                         <p:attrNameLst>
                                           <p:attrName>style.visibility</p:attrName>
@@ -22779,7 +22779,7 @@
                                           </p:stCondLst>
                                         </p:cTn>
                                         <p:tgtEl>
-                                          <p:spTgt spid="20708"/>
+                                          <p:spTgt spid="30108"/>
                                         </p:tgtEl>
                                         <p:attrNameLst>
                                           <p:attrName>style.visibility</p:attrName>
@@ -22806,7 +22806,7 @@
                                           </p:stCondLst>
                                         </p:cTn>
                                         <p:tgtEl>
-                                          <p:spTgt spid="20709"/>
+                                          <p:spTgt spid="30109"/>
                                         </p:tgtEl>
                                         <p:attrNameLst>
                                           <p:attrName>style.visibility</p:attrName>
@@ -22833,7 +22833,7 @@
                                           </p:stCondLst>
                                         </p:cTn>
                                         <p:tgtEl>
-                                          <p:spTgt spid="20710"/>
+                                          <p:spTgt spid="30110"/>
                                         </p:tgtEl>
                                         <p:attrNameLst>
                                           <p:attrName>style.visibility</p:attrName>
@@ -22860,7 +22860,7 @@
                                           </p:stCondLst>
                                         </p:cTn>
                                         <p:tgtEl>
-                                          <p:spTgt spid="20711"/>
+                                          <p:spTgt spid="30111"/>
                                         </p:tgtEl>
                                         <p:attrNameLst>
                                           <p:attrName>style.visibility</p:attrName>
@@ -22887,7 +22887,7 @@
                                           </p:stCondLst>
                                         </p:cTn>
                                         <p:tgtEl>
-                                          <p:spTgt spid="20712"/>
+                                          <p:spTgt spid="30112"/>
                                         </p:tgtEl>
                                         <p:attrNameLst>
                                           <p:attrName>style.visibility</p:attrName>
@@ -22914,7 +22914,7 @@
                                           </p:stCondLst>
                                         </p:cTn>
                                         <p:tgtEl>
-                                          <p:spTgt spid="20713"/>
+                                          <p:spTgt spid="30113"/>
                                         </p:tgtEl>
                                         <p:attrNameLst>
                                           <p:attrName>style.visibility</p:attrName>
@@ -22941,7 +22941,7 @@
                                           </p:stCondLst>
                                         </p:cTn>
                                         <p:tgtEl>
-                                          <p:spTgt spid="20714"/>
+                                          <p:spTgt spid="30114"/>
                                         </p:tgtEl>
                                         <p:attrNameLst>
                                           <p:attrName>style.visibility</p:attrName>
@@ -22968,7 +22968,7 @@
                                           </p:stCondLst>
                                         </p:cTn>
                                         <p:tgtEl>
-                                          <p:spTgt spid="20715"/>
+                                          <p:spTgt spid="30115"/>
                                         </p:tgtEl>
                                         <p:attrNameLst>
                                           <p:attrName>style.visibility</p:attrName>
@@ -22995,7 +22995,7 @@
                                           </p:stCondLst>
                                         </p:cTn>
                                         <p:tgtEl>
-                                          <p:spTgt spid="20716"/>
+                                          <p:spTgt spid="30116"/>
                                         </p:tgtEl>
                                         <p:attrNameLst>
                                           <p:attrName>style.visibility</p:attrName>
@@ -23022,7 +23022,7 @@
                                           </p:stCondLst>
                                         </p:cTn>
                                         <p:tgtEl>
-                                          <p:spTgt spid="20717"/>
+                                          <p:spTgt spid="30117"/>
                                         </p:tgtEl>
                                         <p:attrNameLst>
                                           <p:attrName>style.visibility</p:attrName>
@@ -23049,7 +23049,7 @@
                                           </p:stCondLst>
                                         </p:cTn>
                                         <p:tgtEl>
-                                          <p:spTgt spid="20718"/>
+                                          <p:spTgt spid="30118"/>
                                         </p:tgtEl>
                                         <p:attrNameLst>
                                           <p:attrName>style.visibility</p:attrName>
@@ -23076,7 +23076,7 @@
                                           </p:stCondLst>
                                         </p:cTn>
                                         <p:tgtEl>
-                                          <p:spTgt spid="20719"/>
+                                          <p:spTgt spid="30119"/>
                                         </p:tgtEl>
                                         <p:attrNameLst>
                                           <p:attrName>style.visibility</p:attrName>
@@ -23103,7 +23103,7 @@
                                           </p:stCondLst>
                                         </p:cTn>
                                         <p:tgtEl>
-                                          <p:spTgt spid="20720"/>
+                                          <p:spTgt spid="30120"/>
                                         </p:tgtEl>
                                         <p:attrNameLst>
                                           <p:attrName>style.visibility</p:attrName>
@@ -23130,7 +23130,7 @@
                                           </p:stCondLst>
                                         </p:cTn>
                                         <p:tgtEl>
-                                          <p:spTgt spid="20721"/>
+                                          <p:spTgt spid="30121"/>
                                         </p:tgtEl>
                                         <p:attrNameLst>
                                           <p:attrName>style.visibility</p:attrName>
@@ -23157,7 +23157,7 @@
                                           </p:stCondLst>
                                         </p:cTn>
                                         <p:tgtEl>
-                                          <p:spTgt spid="20722"/>
+                                          <p:spTgt spid="30122"/>
                                         </p:tgtEl>
                                         <p:attrNameLst>
                                           <p:attrName>style.visibility</p:attrName>
@@ -23184,7 +23184,7 @@
                                           </p:stCondLst>
                                         </p:cTn>
                                         <p:tgtEl>
-                                          <p:spTgt spid="20723"/>
+                                          <p:spTgt spid="30123"/>
                                         </p:tgtEl>
                                         <p:attrNameLst>
                                           <p:attrName>style.visibility</p:attrName>

--- a/org.mwc.debrief.legacy/test_data/master_template/scenario_long_range/scenario_long_range_temp.pptx
+++ b/org.mwc.debrief.legacy/test_data/master_template/scenario_long_range/scenario_long_range_temp.pptx
@@ -9118,7 +9118,7 @@
         <p:spPr>
           <a:xfrm>
             <a:off x="3387681" y="5825137"/>
-            <a:ext cx="2581828" cy="461665"/>
+            <a:ext cx="2581828" cy="861665"/>
           </a:xfrm>
           <a:prstGeom prst="rect">
             <a:avLst/>
@@ -9251,7 +9251,7 @@
         <p:spPr>
           <a:xfrm>
             <a:off x="3387681" y="5825137"/>
-            <a:ext cx="2581828" cy="461665"/>
+            <a:ext cx="2581828" cy="861665"/>
           </a:xfrm>
           <a:prstGeom prst="rect">
             <a:avLst/>
@@ -9384,7 +9384,7 @@
         <p:spPr>
           <a:xfrm>
             <a:off x="3387681" y="5825137"/>
-            <a:ext cx="2581828" cy="461665"/>
+            <a:ext cx="2581828" cy="861665"/>
           </a:xfrm>
           <a:prstGeom prst="rect">
             <a:avLst/>
@@ -9517,7 +9517,7 @@
         <p:spPr>
           <a:xfrm>
             <a:off x="3387681" y="5825137"/>
-            <a:ext cx="2581828" cy="461665"/>
+            <a:ext cx="2581828" cy="861665"/>
           </a:xfrm>
           <a:prstGeom prst="rect">
             <a:avLst/>
@@ -9650,7 +9650,7 @@
         <p:spPr>
           <a:xfrm>
             <a:off x="3387681" y="5825137"/>
-            <a:ext cx="2581828" cy="461665"/>
+            <a:ext cx="2581828" cy="861665"/>
           </a:xfrm>
           <a:prstGeom prst="rect">
             <a:avLst/>
@@ -9783,7 +9783,7 @@
         <p:spPr>
           <a:xfrm>
             <a:off x="3387681" y="5825137"/>
-            <a:ext cx="2581828" cy="461665"/>
+            <a:ext cx="2581828" cy="861665"/>
           </a:xfrm>
           <a:prstGeom prst="rect">
             <a:avLst/>
@@ -9916,7 +9916,7 @@
         <p:spPr>
           <a:xfrm>
             <a:off x="3387681" y="5825137"/>
-            <a:ext cx="2581828" cy="461665"/>
+            <a:ext cx="2581828" cy="861665"/>
           </a:xfrm>
           <a:prstGeom prst="rect">
             <a:avLst/>
@@ -10049,7 +10049,7 @@
         <p:spPr>
           <a:xfrm>
             <a:off x="3387681" y="5825137"/>
-            <a:ext cx="2581828" cy="461665"/>
+            <a:ext cx="2581828" cy="861665"/>
           </a:xfrm>
           <a:prstGeom prst="rect">
             <a:avLst/>
@@ -10182,7 +10182,7 @@
         <p:spPr>
           <a:xfrm>
             <a:off x="3387681" y="5825137"/>
-            <a:ext cx="2581828" cy="461665"/>
+            <a:ext cx="2581828" cy="861665"/>
           </a:xfrm>
           <a:prstGeom prst="rect">
             <a:avLst/>
@@ -10315,7 +10315,7 @@
         <p:spPr>
           <a:xfrm>
             <a:off x="3387681" y="5825137"/>
-            <a:ext cx="2581828" cy="461665"/>
+            <a:ext cx="2581828" cy="861665"/>
           </a:xfrm>
           <a:prstGeom prst="rect">
             <a:avLst/>
@@ -10448,7 +10448,7 @@
         <p:spPr>
           <a:xfrm>
             <a:off x="3387681" y="5825137"/>
-            <a:ext cx="2581828" cy="461665"/>
+            <a:ext cx="2581828" cy="861665"/>
           </a:xfrm>
           <a:prstGeom prst="rect">
             <a:avLst/>
@@ -10581,7 +10581,7 @@
         <p:spPr>
           <a:xfrm>
             <a:off x="3387681" y="5825137"/>
-            <a:ext cx="2581828" cy="461665"/>
+            <a:ext cx="2581828" cy="861665"/>
           </a:xfrm>
           <a:prstGeom prst="rect">
             <a:avLst/>
@@ -10714,7 +10714,7 @@
         <p:spPr>
           <a:xfrm>
             <a:off x="3387681" y="5825137"/>
-            <a:ext cx="2581828" cy="461665"/>
+            <a:ext cx="2581828" cy="861665"/>
           </a:xfrm>
           <a:prstGeom prst="rect">
             <a:avLst/>
@@ -10847,7 +10847,7 @@
         <p:spPr>
           <a:xfrm>
             <a:off x="3387681" y="5825137"/>
-            <a:ext cx="2581828" cy="461665"/>
+            <a:ext cx="2581828" cy="861665"/>
           </a:xfrm>
           <a:prstGeom prst="rect">
             <a:avLst/>
@@ -10980,7 +10980,7 @@
         <p:spPr>
           <a:xfrm>
             <a:off x="3387681" y="5825137"/>
-            <a:ext cx="2581828" cy="461665"/>
+            <a:ext cx="2581828" cy="861665"/>
           </a:xfrm>
           <a:prstGeom prst="rect">
             <a:avLst/>
@@ -11113,7 +11113,7 @@
         <p:spPr>
           <a:xfrm>
             <a:off x="3387681" y="5825137"/>
-            <a:ext cx="2581828" cy="461665"/>
+            <a:ext cx="2581828" cy="861665"/>
           </a:xfrm>
           <a:prstGeom prst="rect">
             <a:avLst/>
@@ -11246,7 +11246,7 @@
         <p:spPr>
           <a:xfrm>
             <a:off x="3387681" y="5825137"/>
-            <a:ext cx="2581828" cy="461665"/>
+            <a:ext cx="2581828" cy="861665"/>
           </a:xfrm>
           <a:prstGeom prst="rect">
             <a:avLst/>
@@ -11379,7 +11379,7 @@
         <p:spPr>
           <a:xfrm>
             <a:off x="3387681" y="5825137"/>
-            <a:ext cx="2581828" cy="461665"/>
+            <a:ext cx="2581828" cy="861665"/>
           </a:xfrm>
           <a:prstGeom prst="rect">
             <a:avLst/>
@@ -11512,7 +11512,7 @@
         <p:spPr>
           <a:xfrm>
             <a:off x="3387681" y="5825137"/>
-            <a:ext cx="2581828" cy="461665"/>
+            <a:ext cx="2581828" cy="861665"/>
           </a:xfrm>
           <a:prstGeom prst="rect">
             <a:avLst/>
@@ -11645,7 +11645,7 @@
         <p:spPr>
           <a:xfrm>
             <a:off x="3387681" y="5825137"/>
-            <a:ext cx="2581828" cy="461665"/>
+            <a:ext cx="2581828" cy="861665"/>
           </a:xfrm>
           <a:prstGeom prst="rect">
             <a:avLst/>
@@ -11778,7 +11778,7 @@
         <p:spPr>
           <a:xfrm>
             <a:off x="3387681" y="5825137"/>
-            <a:ext cx="2581828" cy="461665"/>
+            <a:ext cx="2581828" cy="861665"/>
           </a:xfrm>
           <a:prstGeom prst="rect">
             <a:avLst/>
@@ -11911,7 +11911,7 @@
         <p:spPr>
           <a:xfrm>
             <a:off x="3387681" y="5825137"/>
-            <a:ext cx="2581828" cy="461665"/>
+            <a:ext cx="2581828" cy="861665"/>
           </a:xfrm>
           <a:prstGeom prst="rect">
             <a:avLst/>
@@ -12044,7 +12044,7 @@
         <p:spPr>
           <a:xfrm>
             <a:off x="3387681" y="5825137"/>
-            <a:ext cx="2581828" cy="461665"/>
+            <a:ext cx="2581828" cy="861665"/>
           </a:xfrm>
           <a:prstGeom prst="rect">
             <a:avLst/>
@@ -12177,7 +12177,7 @@
         <p:spPr>
           <a:xfrm>
             <a:off x="3387681" y="5825137"/>
-            <a:ext cx="2581828" cy="461665"/>
+            <a:ext cx="2581828" cy="861665"/>
           </a:xfrm>
           <a:prstGeom prst="rect">
             <a:avLst/>
@@ -12310,7 +12310,7 @@
         <p:spPr>
           <a:xfrm>
             <a:off x="3387681" y="5825137"/>
-            <a:ext cx="2581828" cy="461665"/>
+            <a:ext cx="2581828" cy="861665"/>
           </a:xfrm>
           <a:prstGeom prst="rect">
             <a:avLst/>
@@ -12443,7 +12443,7 @@
         <p:spPr>
           <a:xfrm>
             <a:off x="3387681" y="5825137"/>
-            <a:ext cx="2581828" cy="461665"/>
+            <a:ext cx="2581828" cy="861665"/>
           </a:xfrm>
           <a:prstGeom prst="rect">
             <a:avLst/>
@@ -12576,7 +12576,7 @@
         <p:spPr>
           <a:xfrm>
             <a:off x="3387681" y="5825137"/>
-            <a:ext cx="2581828" cy="461665"/>
+            <a:ext cx="2581828" cy="861665"/>
           </a:xfrm>
           <a:prstGeom prst="rect">
             <a:avLst/>
@@ -12709,7 +12709,7 @@
         <p:spPr>
           <a:xfrm>
             <a:off x="3387681" y="5825137"/>
-            <a:ext cx="2581828" cy="461665"/>
+            <a:ext cx="2581828" cy="861665"/>
           </a:xfrm>
           <a:prstGeom prst="rect">
             <a:avLst/>
@@ -12842,7 +12842,7 @@
         <p:spPr>
           <a:xfrm>
             <a:off x="3387681" y="5825137"/>
-            <a:ext cx="2581828" cy="461665"/>
+            <a:ext cx="2581828" cy="861665"/>
           </a:xfrm>
           <a:prstGeom prst="rect">
             <a:avLst/>
@@ -12975,7 +12975,7 @@
         <p:spPr>
           <a:xfrm>
             <a:off x="3387681" y="5825137"/>
-            <a:ext cx="2581828" cy="461665"/>
+            <a:ext cx="2581828" cy="861665"/>
           </a:xfrm>
           <a:prstGeom prst="rect">
             <a:avLst/>
@@ -13108,7 +13108,7 @@
         <p:spPr>
           <a:xfrm>
             <a:off x="3387681" y="5825137"/>
-            <a:ext cx="2581828" cy="461665"/>
+            <a:ext cx="2581828" cy="861665"/>
           </a:xfrm>
           <a:prstGeom prst="rect">
             <a:avLst/>
@@ -13241,7 +13241,7 @@
         <p:spPr>
           <a:xfrm>
             <a:off x="3387681" y="5825137"/>
-            <a:ext cx="2581828" cy="461665"/>
+            <a:ext cx="2581828" cy="861665"/>
           </a:xfrm>
           <a:prstGeom prst="rect">
             <a:avLst/>
@@ -13374,7 +13374,7 @@
         <p:spPr>
           <a:xfrm>
             <a:off x="3387681" y="5825137"/>
-            <a:ext cx="2581828" cy="461665"/>
+            <a:ext cx="2581828" cy="861665"/>
           </a:xfrm>
           <a:prstGeom prst="rect">
             <a:avLst/>
@@ -13507,7 +13507,7 @@
         <p:spPr>
           <a:xfrm>
             <a:off x="3387681" y="5825137"/>
-            <a:ext cx="2581828" cy="461665"/>
+            <a:ext cx="2581828" cy="861665"/>
           </a:xfrm>
           <a:prstGeom prst="rect">
             <a:avLst/>
@@ -13640,7 +13640,7 @@
         <p:spPr>
           <a:xfrm>
             <a:off x="3387681" y="5825137"/>
-            <a:ext cx="2581828" cy="461665"/>
+            <a:ext cx="2581828" cy="861665"/>
           </a:xfrm>
           <a:prstGeom prst="rect">
             <a:avLst/>
@@ -13773,7 +13773,7 @@
         <p:spPr>
           <a:xfrm>
             <a:off x="3387681" y="5825137"/>
-            <a:ext cx="2581828" cy="461665"/>
+            <a:ext cx="2581828" cy="861665"/>
           </a:xfrm>
           <a:prstGeom prst="rect">
             <a:avLst/>
@@ -13906,7 +13906,7 @@
         <p:spPr>
           <a:xfrm>
             <a:off x="3387681" y="5825137"/>
-            <a:ext cx="2581828" cy="461665"/>
+            <a:ext cx="2581828" cy="861665"/>
           </a:xfrm>
           <a:prstGeom prst="rect">
             <a:avLst/>
@@ -14039,7 +14039,7 @@
         <p:spPr>
           <a:xfrm>
             <a:off x="3387681" y="5825137"/>
-            <a:ext cx="2581828" cy="461665"/>
+            <a:ext cx="2581828" cy="861665"/>
           </a:xfrm>
           <a:prstGeom prst="rect">
             <a:avLst/>
@@ -14172,7 +14172,7 @@
         <p:spPr>
           <a:xfrm>
             <a:off x="3387681" y="5825137"/>
-            <a:ext cx="2581828" cy="461665"/>
+            <a:ext cx="2581828" cy="861665"/>
           </a:xfrm>
           <a:prstGeom prst="rect">
             <a:avLst/>
@@ -14305,7 +14305,7 @@
         <p:spPr>
           <a:xfrm>
             <a:off x="3387681" y="5825137"/>
-            <a:ext cx="2581828" cy="461665"/>
+            <a:ext cx="2581828" cy="861665"/>
           </a:xfrm>
           <a:prstGeom prst="rect">
             <a:avLst/>
@@ -14438,7 +14438,7 @@
         <p:spPr>
           <a:xfrm>
             <a:off x="3387681" y="5825137"/>
-            <a:ext cx="2581828" cy="461665"/>
+            <a:ext cx="2581828" cy="861665"/>
           </a:xfrm>
           <a:prstGeom prst="rect">
             <a:avLst/>
@@ -14571,7 +14571,7 @@
         <p:spPr>
           <a:xfrm>
             <a:off x="3387681" y="5825137"/>
-            <a:ext cx="2581828" cy="461665"/>
+            <a:ext cx="2581828" cy="861665"/>
           </a:xfrm>
           <a:prstGeom prst="rect">
             <a:avLst/>
@@ -14704,7 +14704,7 @@
         <p:spPr>
           <a:xfrm>
             <a:off x="3387681" y="5825137"/>
-            <a:ext cx="2581828" cy="461665"/>
+            <a:ext cx="2581828" cy="861665"/>
           </a:xfrm>
           <a:prstGeom prst="rect">
             <a:avLst/>
@@ -14837,7 +14837,7 @@
         <p:spPr>
           <a:xfrm>
             <a:off x="3387681" y="5825137"/>
-            <a:ext cx="2581828" cy="461665"/>
+            <a:ext cx="2581828" cy="861665"/>
           </a:xfrm>
           <a:prstGeom prst="rect">
             <a:avLst/>
@@ -14970,7 +14970,7 @@
         <p:spPr>
           <a:xfrm>
             <a:off x="3387681" y="5825137"/>
-            <a:ext cx="2581828" cy="461665"/>
+            <a:ext cx="2581828" cy="861665"/>
           </a:xfrm>
           <a:prstGeom prst="rect">
             <a:avLst/>
@@ -15103,7 +15103,7 @@
         <p:spPr>
           <a:xfrm>
             <a:off x="3387681" y="5825137"/>
-            <a:ext cx="2581828" cy="461665"/>
+            <a:ext cx="2581828" cy="861665"/>
           </a:xfrm>
           <a:prstGeom prst="rect">
             <a:avLst/>
@@ -15236,7 +15236,7 @@
         <p:spPr>
           <a:xfrm>
             <a:off x="3387681" y="5825137"/>
-            <a:ext cx="2581828" cy="461665"/>
+            <a:ext cx="2581828" cy="861665"/>
           </a:xfrm>
           <a:prstGeom prst="rect">
             <a:avLst/>
@@ -15369,7 +15369,7 @@
         <p:spPr>
           <a:xfrm>
             <a:off x="3387681" y="5825137"/>
-            <a:ext cx="2581828" cy="461665"/>
+            <a:ext cx="2581828" cy="861665"/>
           </a:xfrm>
           <a:prstGeom prst="rect">
             <a:avLst/>
@@ -15502,7 +15502,7 @@
         <p:spPr>
           <a:xfrm>
             <a:off x="3387681" y="5825137"/>
-            <a:ext cx="2581828" cy="461665"/>
+            <a:ext cx="2581828" cy="861665"/>
           </a:xfrm>
           <a:prstGeom prst="rect">
             <a:avLst/>
@@ -15635,7 +15635,7 @@
         <p:spPr>
           <a:xfrm>
             <a:off x="3387681" y="5825137"/>
-            <a:ext cx="2581828" cy="461665"/>
+            <a:ext cx="2581828" cy="861665"/>
           </a:xfrm>
           <a:prstGeom prst="rect">
             <a:avLst/>
@@ -15768,7 +15768,7 @@
         <p:spPr>
           <a:xfrm>
             <a:off x="3387681" y="5825137"/>
-            <a:ext cx="2581828" cy="461665"/>
+            <a:ext cx="2581828" cy="861665"/>
           </a:xfrm>
           <a:prstGeom prst="rect">
             <a:avLst/>
@@ -15901,7 +15901,7 @@
         <p:spPr>
           <a:xfrm>
             <a:off x="3387681" y="5825137"/>
-            <a:ext cx="2581828" cy="461665"/>
+            <a:ext cx="2581828" cy="861665"/>
           </a:xfrm>
           <a:prstGeom prst="rect">
             <a:avLst/>
@@ -16034,7 +16034,7 @@
         <p:spPr>
           <a:xfrm>
             <a:off x="3387681" y="5825137"/>
-            <a:ext cx="2581828" cy="461665"/>
+            <a:ext cx="2581828" cy="861665"/>
           </a:xfrm>
           <a:prstGeom prst="rect">
             <a:avLst/>
@@ -16167,7 +16167,7 @@
         <p:spPr>
           <a:xfrm>
             <a:off x="3387681" y="5825137"/>
-            <a:ext cx="2581828" cy="461665"/>
+            <a:ext cx="2581828" cy="861665"/>
           </a:xfrm>
           <a:prstGeom prst="rect">
             <a:avLst/>
@@ -16300,7 +16300,7 @@
         <p:spPr>
           <a:xfrm>
             <a:off x="3387681" y="5825137"/>
-            <a:ext cx="2581828" cy="461665"/>
+            <a:ext cx="2581828" cy="861665"/>
           </a:xfrm>
           <a:prstGeom prst="rect">
             <a:avLst/>
@@ -16433,7 +16433,7 @@
         <p:spPr>
           <a:xfrm>
             <a:off x="3387681" y="5825137"/>
-            <a:ext cx="2581828" cy="461665"/>
+            <a:ext cx="2581828" cy="861665"/>
           </a:xfrm>
           <a:prstGeom prst="rect">
             <a:avLst/>
@@ -16566,7 +16566,7 @@
         <p:spPr>
           <a:xfrm>
             <a:off x="3387681" y="5825137"/>
-            <a:ext cx="2581828" cy="461665"/>
+            <a:ext cx="2581828" cy="861665"/>
           </a:xfrm>
           <a:prstGeom prst="rect">
             <a:avLst/>
@@ -16699,7 +16699,7 @@
         <p:spPr>
           <a:xfrm>
             <a:off x="3387681" y="5825137"/>
-            <a:ext cx="2581828" cy="461665"/>
+            <a:ext cx="2581828" cy="861665"/>
           </a:xfrm>
           <a:prstGeom prst="rect">
             <a:avLst/>
@@ -16832,7 +16832,7 @@
         <p:spPr>
           <a:xfrm>
             <a:off x="3387681" y="5825137"/>
-            <a:ext cx="2581828" cy="461665"/>
+            <a:ext cx="2581828" cy="861665"/>
           </a:xfrm>
           <a:prstGeom prst="rect">
             <a:avLst/>
@@ -16965,7 +16965,7 @@
         <p:spPr>
           <a:xfrm>
             <a:off x="3387681" y="5825137"/>
-            <a:ext cx="2581828" cy="461665"/>
+            <a:ext cx="2581828" cy="861665"/>
           </a:xfrm>
           <a:prstGeom prst="rect">
             <a:avLst/>
@@ -17098,7 +17098,7 @@
         <p:spPr>
           <a:xfrm>
             <a:off x="3387681" y="5825137"/>
-            <a:ext cx="2581828" cy="461665"/>
+            <a:ext cx="2581828" cy="861665"/>
           </a:xfrm>
           <a:prstGeom prst="rect">
             <a:avLst/>
@@ -17231,7 +17231,7 @@
         <p:spPr>
           <a:xfrm>
             <a:off x="3387681" y="5825137"/>
-            <a:ext cx="2581828" cy="461665"/>
+            <a:ext cx="2581828" cy="861665"/>
           </a:xfrm>
           <a:prstGeom prst="rect">
             <a:avLst/>
